--- a/JeanPiaget/ClaseMuestra/Hipotesis_Variables.pptx
+++ b/JeanPiaget/ClaseMuestra/Hipotesis_Variables.pptx
@@ -12,35 +12,36 @@
     <p:sldId id="265" r:id="rId6"/>
     <p:sldId id="282" r:id="rId7"/>
     <p:sldId id="283" r:id="rId8"/>
-    <p:sldId id="284" r:id="rId9"/>
-    <p:sldId id="285" r:id="rId10"/>
-    <p:sldId id="281" r:id="rId11"/>
-    <p:sldId id="266" r:id="rId12"/>
-    <p:sldId id="273" r:id="rId13"/>
-    <p:sldId id="279" r:id="rId14"/>
-    <p:sldId id="278" r:id="rId15"/>
-    <p:sldId id="280" r:id="rId16"/>
-    <p:sldId id="270" r:id="rId17"/>
-    <p:sldId id="288" r:id="rId18"/>
-    <p:sldId id="289" r:id="rId19"/>
-    <p:sldId id="290" r:id="rId20"/>
-    <p:sldId id="291" r:id="rId21"/>
-    <p:sldId id="292" r:id="rId22"/>
-    <p:sldId id="293" r:id="rId23"/>
-    <p:sldId id="294" r:id="rId24"/>
-    <p:sldId id="295" r:id="rId25"/>
-    <p:sldId id="296" r:id="rId26"/>
-    <p:sldId id="297" r:id="rId27"/>
-    <p:sldId id="298" r:id="rId28"/>
-    <p:sldId id="269" r:id="rId29"/>
-    <p:sldId id="272" r:id="rId30"/>
-    <p:sldId id="271" r:id="rId31"/>
-    <p:sldId id="276" r:id="rId32"/>
-    <p:sldId id="261" r:id="rId33"/>
-    <p:sldId id="262" r:id="rId34"/>
-    <p:sldId id="263" r:id="rId35"/>
-    <p:sldId id="259" r:id="rId36"/>
-    <p:sldId id="268" r:id="rId37"/>
+    <p:sldId id="299" r:id="rId9"/>
+    <p:sldId id="284" r:id="rId10"/>
+    <p:sldId id="285" r:id="rId11"/>
+    <p:sldId id="281" r:id="rId12"/>
+    <p:sldId id="266" r:id="rId13"/>
+    <p:sldId id="301" r:id="rId14"/>
+    <p:sldId id="300" r:id="rId15"/>
+    <p:sldId id="279" r:id="rId16"/>
+    <p:sldId id="278" r:id="rId17"/>
+    <p:sldId id="280" r:id="rId18"/>
+    <p:sldId id="288" r:id="rId19"/>
+    <p:sldId id="289" r:id="rId20"/>
+    <p:sldId id="290" r:id="rId21"/>
+    <p:sldId id="291" r:id="rId22"/>
+    <p:sldId id="292" r:id="rId23"/>
+    <p:sldId id="293" r:id="rId24"/>
+    <p:sldId id="294" r:id="rId25"/>
+    <p:sldId id="295" r:id="rId26"/>
+    <p:sldId id="296" r:id="rId27"/>
+    <p:sldId id="297" r:id="rId28"/>
+    <p:sldId id="298" r:id="rId29"/>
+    <p:sldId id="269" r:id="rId30"/>
+    <p:sldId id="272" r:id="rId31"/>
+    <p:sldId id="271" r:id="rId32"/>
+    <p:sldId id="276" r:id="rId33"/>
+    <p:sldId id="261" r:id="rId34"/>
+    <p:sldId id="262" r:id="rId35"/>
+    <p:sldId id="263" r:id="rId36"/>
+    <p:sldId id="259" r:id="rId37"/>
+    <p:sldId id="268" r:id="rId38"/>
   </p:sldIdLst>
   <p:sldSz cx="12192000" cy="6858000"/>
   <p:notesSz cx="6858000" cy="9144000"/>
@@ -289,7 +290,7 @@
           <a:p>
             <a:fld id="{8CF77F00-6B34-4A46-BF96-3D5C58327301}" type="datetimeFigureOut">
               <a:rPr lang="es-MX" smtClean="0"/>
-              <a:t>23/01/2019</a:t>
+              <a:t>24/01/2019</a:t>
             </a:fld>
             <a:endParaRPr lang="es-MX"/>
           </a:p>
@@ -459,7 +460,7 @@
           <a:p>
             <a:fld id="{8CF77F00-6B34-4A46-BF96-3D5C58327301}" type="datetimeFigureOut">
               <a:rPr lang="es-MX" smtClean="0"/>
-              <a:t>23/01/2019</a:t>
+              <a:t>24/01/2019</a:t>
             </a:fld>
             <a:endParaRPr lang="es-MX"/>
           </a:p>
@@ -639,7 +640,7 @@
           <a:p>
             <a:fld id="{8CF77F00-6B34-4A46-BF96-3D5C58327301}" type="datetimeFigureOut">
               <a:rPr lang="es-MX" smtClean="0"/>
-              <a:t>23/01/2019</a:t>
+              <a:t>24/01/2019</a:t>
             </a:fld>
             <a:endParaRPr lang="es-MX"/>
           </a:p>
@@ -809,7 +810,7 @@
           <a:p>
             <a:fld id="{8CF77F00-6B34-4A46-BF96-3D5C58327301}" type="datetimeFigureOut">
               <a:rPr lang="es-MX" smtClean="0"/>
-              <a:t>23/01/2019</a:t>
+              <a:t>24/01/2019</a:t>
             </a:fld>
             <a:endParaRPr lang="es-MX"/>
           </a:p>
@@ -1055,7 +1056,7 @@
           <a:p>
             <a:fld id="{8CF77F00-6B34-4A46-BF96-3D5C58327301}" type="datetimeFigureOut">
               <a:rPr lang="es-MX" smtClean="0"/>
-              <a:t>23/01/2019</a:t>
+              <a:t>24/01/2019</a:t>
             </a:fld>
             <a:endParaRPr lang="es-MX"/>
           </a:p>
@@ -1287,7 +1288,7 @@
           <a:p>
             <a:fld id="{8CF77F00-6B34-4A46-BF96-3D5C58327301}" type="datetimeFigureOut">
               <a:rPr lang="es-MX" smtClean="0"/>
-              <a:t>23/01/2019</a:t>
+              <a:t>24/01/2019</a:t>
             </a:fld>
             <a:endParaRPr lang="es-MX"/>
           </a:p>
@@ -1654,7 +1655,7 @@
           <a:p>
             <a:fld id="{8CF77F00-6B34-4A46-BF96-3D5C58327301}" type="datetimeFigureOut">
               <a:rPr lang="es-MX" smtClean="0"/>
-              <a:t>23/01/2019</a:t>
+              <a:t>24/01/2019</a:t>
             </a:fld>
             <a:endParaRPr lang="es-MX"/>
           </a:p>
@@ -1772,7 +1773,7 @@
           <a:p>
             <a:fld id="{8CF77F00-6B34-4A46-BF96-3D5C58327301}" type="datetimeFigureOut">
               <a:rPr lang="es-MX" smtClean="0"/>
-              <a:t>23/01/2019</a:t>
+              <a:t>24/01/2019</a:t>
             </a:fld>
             <a:endParaRPr lang="es-MX"/>
           </a:p>
@@ -1867,7 +1868,7 @@
           <a:p>
             <a:fld id="{8CF77F00-6B34-4A46-BF96-3D5C58327301}" type="datetimeFigureOut">
               <a:rPr lang="es-MX" smtClean="0"/>
-              <a:t>23/01/2019</a:t>
+              <a:t>24/01/2019</a:t>
             </a:fld>
             <a:endParaRPr lang="es-MX"/>
           </a:p>
@@ -2144,7 +2145,7 @@
           <a:p>
             <a:fld id="{8CF77F00-6B34-4A46-BF96-3D5C58327301}" type="datetimeFigureOut">
               <a:rPr lang="es-MX" smtClean="0"/>
-              <a:t>23/01/2019</a:t>
+              <a:t>24/01/2019</a:t>
             </a:fld>
             <a:endParaRPr lang="es-MX"/>
           </a:p>
@@ -2397,7 +2398,7 @@
           <a:p>
             <a:fld id="{8CF77F00-6B34-4A46-BF96-3D5C58327301}" type="datetimeFigureOut">
               <a:rPr lang="es-MX" smtClean="0"/>
-              <a:t>23/01/2019</a:t>
+              <a:t>24/01/2019</a:t>
             </a:fld>
             <a:endParaRPr lang="es-MX"/>
           </a:p>
@@ -2610,7 +2611,7 @@
           <a:p>
             <a:fld id="{8CF77F00-6B34-4A46-BF96-3D5C58327301}" type="datetimeFigureOut">
               <a:rPr lang="es-MX" smtClean="0"/>
-              <a:t>23/01/2019</a:t>
+              <a:t>24/01/2019</a:t>
             </a:fld>
             <a:endParaRPr lang="es-MX"/>
           </a:p>
@@ -3258,7 +3259,44 @@
             <a:spLocks noGrp="1"/>
           </p:cNvSpPr>
           <p:nvPr>
-            <p:ph type="ctrTitle"/>
+            <p:ph type="title"/>
+          </p:nvPr>
+        </p:nvSpPr>
+        <p:spPr>
+          <a:xfrm>
+            <a:off x="838199" y="496437"/>
+            <a:ext cx="10515600" cy="841561"/>
+          </a:xfrm>
+        </p:spPr>
+        <p:txBody>
+          <a:bodyPr>
+            <a:normAutofit fontScale="90000"/>
+          </a:bodyPr>
+          <a:lstStyle/>
+          <a:p>
+            <a:r>
+              <a:rPr lang="es-MX" sz="6000" b="1" dirty="0" smtClean="0"/>
+              <a:t>Ejemplos</a:t>
+            </a:r>
+            <a:r>
+              <a:rPr lang="es-MX" dirty="0" smtClean="0"/>
+              <a:t/>
+            </a:r>
+            <a:br>
+              <a:rPr lang="es-MX" dirty="0" smtClean="0"/>
+            </a:br>
+            <a:endParaRPr lang="es-MX" dirty="0"/>
+          </a:p>
+        </p:txBody>
+      </p:sp>
+      <p:sp>
+        <p:nvSpPr>
+          <p:cNvPr id="3" name="Marcador de contenido 2"/>
+          <p:cNvSpPr>
+            <a:spLocks noGrp="1"/>
+          </p:cNvSpPr>
+          <p:nvPr>
+            <p:ph idx="1"/>
           </p:nvPr>
         </p:nvSpPr>
         <p:spPr/>
@@ -3266,104 +3304,739 @@
           <a:bodyPr/>
           <a:lstStyle/>
           <a:p>
-            <a:r>
-              <a:rPr lang="es-MX" b="1" dirty="0" smtClean="0">
-                <a:effectLst>
-                  <a:outerShdw blurRad="38100" dist="38100" dir="2700000" algn="tl">
-                    <a:srgbClr val="000000">
-                      <a:alpha val="43137"/>
-                    </a:srgbClr>
-                  </a:outerShdw>
-                </a:effectLst>
-              </a:rPr>
-              <a:t>Hipótesis</a:t>
-            </a:r>
-            <a:endParaRPr lang="es-MX" b="1" dirty="0">
-              <a:effectLst>
-                <a:outerShdw blurRad="38100" dist="38100" dir="2700000" algn="tl">
-                  <a:srgbClr val="000000">
-                    <a:alpha val="43137"/>
-                  </a:srgbClr>
-                </a:outerShdw>
-              </a:effectLst>
-            </a:endParaRPr>
-          </a:p>
-        </p:txBody>
-      </p:sp>
-      <p:pic>
-        <p:nvPicPr>
-          <p:cNvPr id="4" name="Imagen 3"/>
-          <p:cNvPicPr>
-            <a:picLocks noChangeAspect="1"/>
-          </p:cNvPicPr>
+            <a:endParaRPr lang="es-MX" dirty="0" smtClean="0"/>
+          </a:p>
+          <a:p>
+            <a:endParaRPr lang="es-MX" dirty="0"/>
+          </a:p>
+        </p:txBody>
+      </p:sp>
+      <p:sp>
+        <p:nvSpPr>
+          <p:cNvPr id="4" name="Rectángulo redondeado 3"/>
+          <p:cNvSpPr/>
           <p:nvPr/>
-        </p:nvPicPr>
-        <p:blipFill>
-          <a:blip r:embed="rId2"/>
-          <a:stretch>
-            <a:fillRect/>
-          </a:stretch>
-        </p:blipFill>
+        </p:nvSpPr>
         <p:spPr>
           <a:xfrm>
-            <a:off x="0" y="0"/>
-            <a:ext cx="12192000" cy="1343025"/>
+            <a:off x="685800" y="1329267"/>
+            <a:ext cx="3132667" cy="4847696"/>
+          </a:xfrm>
+          <a:prstGeom prst="roundRect">
+            <a:avLst/>
+          </a:prstGeom>
+          <a:solidFill>
+            <a:schemeClr val="accent5">
+              <a:lumMod val="50000"/>
+            </a:schemeClr>
+          </a:solidFill>
+          <a:ln w="76200">
+            <a:solidFill>
+              <a:schemeClr val="tx1"/>
+            </a:solidFill>
+          </a:ln>
+        </p:spPr>
+        <p:style>
+          <a:lnRef idx="2">
+            <a:schemeClr val="accent1">
+              <a:shade val="50000"/>
+            </a:schemeClr>
+          </a:lnRef>
+          <a:fillRef idx="1">
+            <a:schemeClr val="accent1"/>
+          </a:fillRef>
+          <a:effectRef idx="0">
+            <a:schemeClr val="accent1"/>
+          </a:effectRef>
+          <a:fontRef idx="minor">
+            <a:schemeClr val="lt1"/>
+          </a:fontRef>
+        </p:style>
+        <p:txBody>
+          <a:bodyPr rtlCol="0" anchor="ctr"/>
+          <a:lstStyle/>
+          <a:p>
+            <a:pPr algn="ctr"/>
+            <a:endParaRPr lang="es-MX"/>
+          </a:p>
+        </p:txBody>
+      </p:sp>
+      <p:sp>
+        <p:nvSpPr>
+          <p:cNvPr id="5" name="Rectángulo redondeado 4"/>
+          <p:cNvSpPr/>
+          <p:nvPr/>
+        </p:nvSpPr>
+        <p:spPr>
+          <a:xfrm>
+            <a:off x="4529666" y="1405467"/>
+            <a:ext cx="3132667" cy="4847696"/>
+          </a:xfrm>
+          <a:prstGeom prst="roundRect">
+            <a:avLst/>
+          </a:prstGeom>
+          <a:ln w="76200">
+            <a:solidFill>
+              <a:schemeClr val="tx1"/>
+            </a:solidFill>
+          </a:ln>
+        </p:spPr>
+        <p:style>
+          <a:lnRef idx="2">
+            <a:schemeClr val="accent1">
+              <a:shade val="50000"/>
+            </a:schemeClr>
+          </a:lnRef>
+          <a:fillRef idx="1">
+            <a:schemeClr val="accent1"/>
+          </a:fillRef>
+          <a:effectRef idx="0">
+            <a:schemeClr val="accent1"/>
+          </a:effectRef>
+          <a:fontRef idx="minor">
+            <a:schemeClr val="lt1"/>
+          </a:fontRef>
+        </p:style>
+        <p:txBody>
+          <a:bodyPr rtlCol="0" anchor="ctr"/>
+          <a:lstStyle/>
+          <a:p>
+            <a:pPr algn="ctr"/>
+            <a:endParaRPr lang="es-MX"/>
+          </a:p>
+        </p:txBody>
+      </p:sp>
+      <p:sp>
+        <p:nvSpPr>
+          <p:cNvPr id="6" name="Rectángulo redondeado 5"/>
+          <p:cNvSpPr/>
+          <p:nvPr/>
+        </p:nvSpPr>
+        <p:spPr>
+          <a:xfrm>
+            <a:off x="8788400" y="1405467"/>
+            <a:ext cx="3132667" cy="4847696"/>
+          </a:xfrm>
+          <a:prstGeom prst="roundRect">
+            <a:avLst/>
+          </a:prstGeom>
+          <a:ln w="76200">
+            <a:solidFill>
+              <a:schemeClr val="tx1"/>
+            </a:solidFill>
+          </a:ln>
+        </p:spPr>
+        <p:style>
+          <a:lnRef idx="2">
+            <a:schemeClr val="accent1">
+              <a:shade val="50000"/>
+            </a:schemeClr>
+          </a:lnRef>
+          <a:fillRef idx="1">
+            <a:schemeClr val="accent1"/>
+          </a:fillRef>
+          <a:effectRef idx="0">
+            <a:schemeClr val="accent1"/>
+          </a:effectRef>
+          <a:fontRef idx="minor">
+            <a:schemeClr val="lt1"/>
+          </a:fontRef>
+        </p:style>
+        <p:txBody>
+          <a:bodyPr rtlCol="0" anchor="ctr"/>
+          <a:lstStyle/>
+          <a:p>
+            <a:pPr algn="ctr"/>
+            <a:endParaRPr lang="es-MX"/>
+          </a:p>
+        </p:txBody>
+      </p:sp>
+      <p:sp>
+        <p:nvSpPr>
+          <p:cNvPr id="7" name="CuadroTexto 6"/>
+          <p:cNvSpPr txBox="1"/>
+          <p:nvPr/>
+        </p:nvSpPr>
+        <p:spPr>
+          <a:xfrm>
+            <a:off x="991656" y="1606862"/>
+            <a:ext cx="2472267" cy="646331"/>
           </a:xfrm>
           <a:prstGeom prst="rect">
             <a:avLst/>
           </a:prstGeom>
-        </p:spPr>
-      </p:pic>
-      <p:pic>
-        <p:nvPicPr>
-          <p:cNvPr id="5" name="Imagen 4"/>
-          <p:cNvPicPr>
-            <a:picLocks noChangeAspect="1"/>
-          </p:cNvPicPr>
+          <a:solidFill>
+            <a:schemeClr val="accent1">
+              <a:lumMod val="60000"/>
+              <a:lumOff val="40000"/>
+            </a:schemeClr>
+          </a:solidFill>
+          <a:ln w="19050">
+            <a:solidFill>
+              <a:schemeClr val="tx1"/>
+            </a:solidFill>
+          </a:ln>
+        </p:spPr>
+        <p:txBody>
+          <a:bodyPr wrap="square" rtlCol="0">
+            <a:spAutoFit/>
+          </a:bodyPr>
+          <a:lstStyle/>
+          <a:p>
+            <a:r>
+              <a:rPr lang="es-MX" b="1" dirty="0" smtClean="0"/>
+              <a:t>Fenómeno:</a:t>
+            </a:r>
+          </a:p>
+          <a:p>
+            <a:r>
+              <a:rPr lang="es-MX" u="sng" dirty="0" smtClean="0"/>
+              <a:t>Cambio climático</a:t>
+            </a:r>
+            <a:endParaRPr lang="es-MX" u="sng" dirty="0"/>
+          </a:p>
+        </p:txBody>
+      </p:sp>
+      <p:sp>
+        <p:nvSpPr>
+          <p:cNvPr id="8" name="CuadroTexto 7"/>
+          <p:cNvSpPr txBox="1"/>
           <p:nvPr/>
-        </p:nvPicPr>
-        <p:blipFill>
-          <a:blip r:embed="rId2"/>
-          <a:stretch>
-            <a:fillRect/>
-          </a:stretch>
-        </p:blipFill>
+        </p:nvSpPr>
         <p:spPr>
           <a:xfrm>
-            <a:off x="0" y="5514975"/>
-            <a:ext cx="12192000" cy="1343025"/>
+            <a:off x="4859866" y="1690687"/>
+            <a:ext cx="2472267" cy="646331"/>
           </a:xfrm>
           <a:prstGeom prst="rect">
             <a:avLst/>
           </a:prstGeom>
-        </p:spPr>
-      </p:pic>
-      <p:sp>
-        <p:nvSpPr>
-          <p:cNvPr id="6" name="Subtítulo 5"/>
-          <p:cNvSpPr>
-            <a:spLocks noGrp="1"/>
-          </p:cNvSpPr>
-          <p:nvPr>
-            <p:ph type="subTitle" idx="1"/>
-          </p:nvPr>
-        </p:nvSpPr>
-        <p:spPr/>
-        <p:txBody>
-          <a:bodyPr/>
-          <a:lstStyle/>
-          <a:p>
-            <a:endParaRPr lang="es-MX" dirty="0" smtClean="0"/>
-          </a:p>
-          <a:p>
+          <a:solidFill>
+            <a:schemeClr val="accent1">
+              <a:lumMod val="40000"/>
+              <a:lumOff val="60000"/>
+            </a:schemeClr>
+          </a:solidFill>
+          <a:ln>
+            <a:solidFill>
+              <a:schemeClr val="tx1"/>
+            </a:solidFill>
+          </a:ln>
+        </p:spPr>
+        <p:txBody>
+          <a:bodyPr wrap="square" rtlCol="0">
+            <a:spAutoFit/>
+          </a:bodyPr>
+          <a:lstStyle/>
+          <a:p>
+            <a:r>
+              <a:rPr lang="es-MX" b="1" dirty="0" smtClean="0"/>
+              <a:t>Fenómeno:</a:t>
+            </a:r>
+          </a:p>
+          <a:p>
+            <a:r>
+              <a:rPr lang="es-MX" u="sng" dirty="0" smtClean="0"/>
+              <a:t>Inseguridad en el país</a:t>
+            </a:r>
+            <a:endParaRPr lang="es-MX" u="sng" dirty="0"/>
+          </a:p>
+        </p:txBody>
+      </p:sp>
+      <p:sp>
+        <p:nvSpPr>
+          <p:cNvPr id="9" name="CuadroTexto 8"/>
+          <p:cNvSpPr txBox="1"/>
+          <p:nvPr/>
+        </p:nvSpPr>
+        <p:spPr>
+          <a:xfrm>
+            <a:off x="9118599" y="1645179"/>
+            <a:ext cx="2472267" cy="923330"/>
+          </a:xfrm>
+          <a:prstGeom prst="rect">
+            <a:avLst/>
+          </a:prstGeom>
+          <a:solidFill>
+            <a:schemeClr val="accent1">
+              <a:lumMod val="40000"/>
+              <a:lumOff val="60000"/>
+            </a:schemeClr>
+          </a:solidFill>
+          <a:ln>
+            <a:solidFill>
+              <a:schemeClr val="tx1"/>
+            </a:solidFill>
+          </a:ln>
+        </p:spPr>
+        <p:txBody>
+          <a:bodyPr wrap="square" rtlCol="0">
+            <a:spAutoFit/>
+          </a:bodyPr>
+          <a:lstStyle/>
+          <a:p>
+            <a:r>
+              <a:rPr lang="es-MX" b="1" dirty="0" smtClean="0"/>
+              <a:t>Fenómeno:</a:t>
+            </a:r>
+          </a:p>
+          <a:p>
+            <a:r>
+              <a:rPr lang="es-MX" u="sng" dirty="0" smtClean="0"/>
+              <a:t>Características de los estudiantes de 5°</a:t>
+            </a:r>
+          </a:p>
+        </p:txBody>
+      </p:sp>
+      <p:sp>
+        <p:nvSpPr>
+          <p:cNvPr id="10" name="CuadroTexto 9"/>
+          <p:cNvSpPr txBox="1"/>
+          <p:nvPr/>
+        </p:nvSpPr>
+        <p:spPr>
+          <a:xfrm>
+            <a:off x="999064" y="2530846"/>
+            <a:ext cx="2472267" cy="3139321"/>
+          </a:xfrm>
+          <a:prstGeom prst="rect">
+            <a:avLst/>
+          </a:prstGeom>
+          <a:solidFill>
+            <a:schemeClr val="accent1">
+              <a:lumMod val="20000"/>
+              <a:lumOff val="80000"/>
+            </a:schemeClr>
+          </a:solidFill>
+        </p:spPr>
+        <p:txBody>
+          <a:bodyPr wrap="square" rtlCol="0">
+            <a:spAutoFit/>
+          </a:bodyPr>
+          <a:lstStyle/>
+          <a:p>
+            <a:pPr marL="285750" indent="-285750">
+              <a:buFont typeface="Arial" panose="020B0604020202020204" pitchFamily="34" charset="0"/>
+              <a:buChar char="•"/>
+            </a:pPr>
+            <a:r>
+              <a:rPr lang="es-MX" dirty="0" smtClean="0"/>
+              <a:t>Temperatura Global</a:t>
+            </a:r>
+          </a:p>
+          <a:p>
+            <a:pPr marL="285750" indent="-285750">
+              <a:buFont typeface="Arial" panose="020B0604020202020204" pitchFamily="34" charset="0"/>
+              <a:buChar char="•"/>
+            </a:pPr>
+            <a:r>
+              <a:rPr lang="es-MX" dirty="0" smtClean="0"/>
+              <a:t>Cantidad de lluvia</a:t>
+            </a:r>
+          </a:p>
+          <a:p>
+            <a:pPr marL="285750" indent="-285750">
+              <a:buFont typeface="Arial" panose="020B0604020202020204" pitchFamily="34" charset="0"/>
+              <a:buChar char="•"/>
+            </a:pPr>
+            <a:r>
+              <a:rPr lang="es-MX" dirty="0" smtClean="0"/>
+              <a:t>Emisiones de carbono</a:t>
+            </a:r>
+          </a:p>
+          <a:p>
+            <a:pPr marL="285750" indent="-285750">
+              <a:buFont typeface="Arial" panose="020B0604020202020204" pitchFamily="34" charset="0"/>
+              <a:buChar char="•"/>
+            </a:pPr>
+            <a:r>
+              <a:rPr lang="es-MX" dirty="0" smtClean="0"/>
+              <a:t>Nivel del mar</a:t>
+            </a:r>
+          </a:p>
+          <a:p>
+            <a:pPr marL="285750" indent="-285750">
+              <a:buFont typeface="Arial" panose="020B0604020202020204" pitchFamily="34" charset="0"/>
+              <a:buChar char="•"/>
+            </a:pPr>
+            <a:r>
+              <a:rPr lang="es-MX" dirty="0" smtClean="0"/>
+              <a:t>.</a:t>
+            </a:r>
+          </a:p>
+          <a:p>
+            <a:pPr marL="285750" indent="-285750">
+              <a:buFont typeface="Arial" panose="020B0604020202020204" pitchFamily="34" charset="0"/>
+              <a:buChar char="•"/>
+            </a:pPr>
+            <a:r>
+              <a:rPr lang="es-MX" dirty="0" smtClean="0"/>
+              <a:t>.</a:t>
+            </a:r>
+          </a:p>
+          <a:p>
+            <a:pPr marL="285750" indent="-285750">
+              <a:buFont typeface="Arial" panose="020B0604020202020204" pitchFamily="34" charset="0"/>
+              <a:buChar char="•"/>
+            </a:pPr>
+            <a:r>
+              <a:rPr lang="es-MX" dirty="0" smtClean="0"/>
+              <a:t>.</a:t>
+            </a:r>
+          </a:p>
+          <a:p>
+            <a:pPr marL="285750" indent="-285750">
+              <a:buFont typeface="Arial" panose="020B0604020202020204" pitchFamily="34" charset="0"/>
+              <a:buChar char="•"/>
+            </a:pPr>
+            <a:r>
+              <a:rPr lang="es-MX" dirty="0" smtClean="0"/>
+              <a:t>.</a:t>
+            </a:r>
+          </a:p>
+          <a:p>
+            <a:pPr marL="285750" indent="-285750">
+              <a:buFont typeface="Arial" panose="020B0604020202020204" pitchFamily="34" charset="0"/>
+              <a:buChar char="•"/>
+            </a:pPr>
+            <a:r>
+              <a:rPr lang="es-MX" dirty="0" smtClean="0"/>
+              <a:t>.</a:t>
+            </a:r>
+          </a:p>
+          <a:p>
+            <a:pPr marL="285750" indent="-285750">
+              <a:buFont typeface="Arial" panose="020B0604020202020204" pitchFamily="34" charset="0"/>
+              <a:buChar char="•"/>
+            </a:pPr>
+            <a:r>
+              <a:rPr lang="es-MX" dirty="0" smtClean="0"/>
+              <a:t>.</a:t>
+            </a:r>
             <a:endParaRPr lang="es-MX" dirty="0"/>
+          </a:p>
+        </p:txBody>
+      </p:sp>
+      <p:sp>
+        <p:nvSpPr>
+          <p:cNvPr id="11" name="CuadroTexto 10"/>
+          <p:cNvSpPr txBox="1"/>
+          <p:nvPr/>
+        </p:nvSpPr>
+        <p:spPr>
+          <a:xfrm>
+            <a:off x="4859866" y="2731030"/>
+            <a:ext cx="2472267" cy="2862322"/>
+          </a:xfrm>
+          <a:prstGeom prst="rect">
+            <a:avLst/>
+          </a:prstGeom>
+          <a:solidFill>
+            <a:schemeClr val="accent1">
+              <a:lumMod val="20000"/>
+              <a:lumOff val="80000"/>
+            </a:schemeClr>
+          </a:solidFill>
+        </p:spPr>
+        <p:txBody>
+          <a:bodyPr wrap="square" rtlCol="0">
+            <a:spAutoFit/>
+          </a:bodyPr>
+          <a:lstStyle/>
+          <a:p>
+            <a:pPr marL="285750" indent="-285750">
+              <a:buFont typeface="Arial" panose="020B0604020202020204" pitchFamily="34" charset="0"/>
+              <a:buChar char="•"/>
+            </a:pPr>
+            <a:r>
+              <a:rPr lang="es-MX" dirty="0" smtClean="0"/>
+              <a:t>Homicidios</a:t>
+            </a:r>
+          </a:p>
+          <a:p>
+            <a:pPr marL="285750" indent="-285750">
+              <a:buFont typeface="Arial" panose="020B0604020202020204" pitchFamily="34" charset="0"/>
+              <a:buChar char="•"/>
+            </a:pPr>
+            <a:r>
+              <a:rPr lang="es-MX" dirty="0" smtClean="0"/>
+              <a:t>Asaltos</a:t>
+            </a:r>
+          </a:p>
+          <a:p>
+            <a:pPr marL="285750" indent="-285750">
+              <a:buFont typeface="Arial" panose="020B0604020202020204" pitchFamily="34" charset="0"/>
+              <a:buChar char="•"/>
+            </a:pPr>
+            <a:r>
+              <a:rPr lang="es-MX" dirty="0" smtClean="0"/>
+              <a:t>Arrestos</a:t>
+            </a:r>
+          </a:p>
+          <a:p>
+            <a:pPr marL="285750" indent="-285750">
+              <a:buFont typeface="Arial" panose="020B0604020202020204" pitchFamily="34" charset="0"/>
+              <a:buChar char="•"/>
+            </a:pPr>
+            <a:r>
+              <a:rPr lang="es-MX" dirty="0" smtClean="0"/>
+              <a:t>Encarcelamientos</a:t>
+            </a:r>
+          </a:p>
+          <a:p>
+            <a:pPr marL="285750" indent="-285750">
+              <a:buFont typeface="Arial" panose="020B0604020202020204" pitchFamily="34" charset="0"/>
+              <a:buChar char="•"/>
+            </a:pPr>
+            <a:r>
+              <a:rPr lang="es-MX" dirty="0" smtClean="0"/>
+              <a:t>.</a:t>
+            </a:r>
+          </a:p>
+          <a:p>
+            <a:pPr marL="285750" indent="-285750">
+              <a:buFont typeface="Arial" panose="020B0604020202020204" pitchFamily="34" charset="0"/>
+              <a:buChar char="•"/>
+            </a:pPr>
+            <a:r>
+              <a:rPr lang="es-MX" dirty="0" smtClean="0"/>
+              <a:t>.</a:t>
+            </a:r>
+          </a:p>
+          <a:p>
+            <a:pPr marL="285750" indent="-285750">
+              <a:buFont typeface="Arial" panose="020B0604020202020204" pitchFamily="34" charset="0"/>
+              <a:buChar char="•"/>
+            </a:pPr>
+            <a:r>
+              <a:rPr lang="es-MX" dirty="0" smtClean="0"/>
+              <a:t>.</a:t>
+            </a:r>
+          </a:p>
+          <a:p>
+            <a:pPr marL="285750" indent="-285750">
+              <a:buFont typeface="Arial" panose="020B0604020202020204" pitchFamily="34" charset="0"/>
+              <a:buChar char="•"/>
+            </a:pPr>
+            <a:r>
+              <a:rPr lang="es-MX" dirty="0" smtClean="0"/>
+              <a:t>.</a:t>
+            </a:r>
+          </a:p>
+          <a:p>
+            <a:pPr marL="285750" indent="-285750">
+              <a:buFont typeface="Arial" panose="020B0604020202020204" pitchFamily="34" charset="0"/>
+              <a:buChar char="•"/>
+            </a:pPr>
+            <a:r>
+              <a:rPr lang="es-MX" dirty="0" smtClean="0"/>
+              <a:t>.</a:t>
+            </a:r>
+          </a:p>
+          <a:p>
+            <a:pPr marL="285750" indent="-285750">
+              <a:buFont typeface="Arial" panose="020B0604020202020204" pitchFamily="34" charset="0"/>
+              <a:buChar char="•"/>
+            </a:pPr>
+            <a:r>
+              <a:rPr lang="es-MX" dirty="0" smtClean="0"/>
+              <a:t>.</a:t>
+            </a:r>
+          </a:p>
+        </p:txBody>
+      </p:sp>
+      <p:sp>
+        <p:nvSpPr>
+          <p:cNvPr id="12" name="CuadroTexto 11"/>
+          <p:cNvSpPr txBox="1"/>
+          <p:nvPr/>
+        </p:nvSpPr>
+        <p:spPr>
+          <a:xfrm>
+            <a:off x="9165166" y="2653802"/>
+            <a:ext cx="2472267" cy="2862322"/>
+          </a:xfrm>
+          <a:prstGeom prst="rect">
+            <a:avLst/>
+          </a:prstGeom>
+          <a:solidFill>
+            <a:schemeClr val="accent1">
+              <a:lumMod val="20000"/>
+              <a:lumOff val="80000"/>
+            </a:schemeClr>
+          </a:solidFill>
+        </p:spPr>
+        <p:txBody>
+          <a:bodyPr wrap="square" rtlCol="0">
+            <a:spAutoFit/>
+          </a:bodyPr>
+          <a:lstStyle/>
+          <a:p>
+            <a:pPr marL="285750" indent="-285750">
+              <a:buFont typeface="Arial" panose="020B0604020202020204" pitchFamily="34" charset="0"/>
+              <a:buChar char="•"/>
+            </a:pPr>
+            <a:r>
+              <a:rPr lang="es-MX" dirty="0" smtClean="0"/>
+              <a:t>Edad</a:t>
+            </a:r>
+          </a:p>
+          <a:p>
+            <a:pPr marL="285750" indent="-285750">
+              <a:buFont typeface="Arial" panose="020B0604020202020204" pitchFamily="34" charset="0"/>
+              <a:buChar char="•"/>
+            </a:pPr>
+            <a:r>
+              <a:rPr lang="es-MX" dirty="0" smtClean="0"/>
+              <a:t>Sexo</a:t>
+            </a:r>
+          </a:p>
+          <a:p>
+            <a:pPr marL="285750" indent="-285750">
+              <a:buFont typeface="Arial" panose="020B0604020202020204" pitchFamily="34" charset="0"/>
+              <a:buChar char="•"/>
+            </a:pPr>
+            <a:r>
+              <a:rPr lang="es-MX" dirty="0" smtClean="0"/>
+              <a:t>Calificaciones en la última evaluación de metodología</a:t>
+            </a:r>
+          </a:p>
+          <a:p>
+            <a:pPr marL="285750" indent="-285750">
+              <a:buFont typeface="Arial" panose="020B0604020202020204" pitchFamily="34" charset="0"/>
+              <a:buChar char="•"/>
+            </a:pPr>
+            <a:r>
+              <a:rPr lang="es-MX" dirty="0" smtClean="0"/>
+              <a:t>Banda de música favorita.</a:t>
+            </a:r>
+          </a:p>
+          <a:p>
+            <a:pPr marL="285750" indent="-285750">
+              <a:buFont typeface="Arial" panose="020B0604020202020204" pitchFamily="34" charset="0"/>
+              <a:buChar char="•"/>
+            </a:pPr>
+            <a:r>
+              <a:rPr lang="es-MX" dirty="0" smtClean="0"/>
+              <a:t>.</a:t>
+            </a:r>
+          </a:p>
+          <a:p>
+            <a:pPr marL="285750" indent="-285750">
+              <a:buFont typeface="Arial" panose="020B0604020202020204" pitchFamily="34" charset="0"/>
+              <a:buChar char="•"/>
+            </a:pPr>
+            <a:r>
+              <a:rPr lang="es-MX" dirty="0" smtClean="0"/>
+              <a:t>.</a:t>
+            </a:r>
+          </a:p>
+          <a:p>
+            <a:pPr marL="285750" indent="-285750">
+              <a:buFont typeface="Arial" panose="020B0604020202020204" pitchFamily="34" charset="0"/>
+              <a:buChar char="•"/>
+            </a:pPr>
+            <a:r>
+              <a:rPr lang="es-MX" dirty="0"/>
+              <a:t>.</a:t>
+            </a:r>
+          </a:p>
+        </p:txBody>
+      </p:sp>
+      <p:sp>
+        <p:nvSpPr>
+          <p:cNvPr id="13" name="Rectángulo 12"/>
+          <p:cNvSpPr/>
+          <p:nvPr/>
+        </p:nvSpPr>
+        <p:spPr>
+          <a:xfrm>
+            <a:off x="0" y="-19050"/>
+            <a:ext cx="12192000" cy="203200"/>
+          </a:xfrm>
+          <a:prstGeom prst="rect">
+            <a:avLst/>
+          </a:prstGeom>
+          <a:solidFill>
+            <a:schemeClr val="accent5">
+              <a:lumMod val="50000"/>
+            </a:schemeClr>
+          </a:solidFill>
+        </p:spPr>
+        <p:style>
+          <a:lnRef idx="2">
+            <a:schemeClr val="accent1">
+              <a:shade val="50000"/>
+            </a:schemeClr>
+          </a:lnRef>
+          <a:fillRef idx="1">
+            <a:schemeClr val="accent1"/>
+          </a:fillRef>
+          <a:effectRef idx="0">
+            <a:schemeClr val="accent1"/>
+          </a:effectRef>
+          <a:fontRef idx="minor">
+            <a:schemeClr val="lt1"/>
+          </a:fontRef>
+        </p:style>
+        <p:txBody>
+          <a:bodyPr rtlCol="0" anchor="ctr"/>
+          <a:lstStyle/>
+          <a:p>
+            <a:pPr algn="ctr"/>
+            <a:endParaRPr lang="es-MX"/>
+          </a:p>
+        </p:txBody>
+      </p:sp>
+      <p:sp>
+        <p:nvSpPr>
+          <p:cNvPr id="14" name="Rectángulo 13"/>
+          <p:cNvSpPr/>
+          <p:nvPr/>
+        </p:nvSpPr>
+        <p:spPr>
+          <a:xfrm>
+            <a:off x="0" y="6635750"/>
+            <a:ext cx="12192000" cy="203200"/>
+          </a:xfrm>
+          <a:prstGeom prst="rect">
+            <a:avLst/>
+          </a:prstGeom>
+          <a:solidFill>
+            <a:schemeClr val="accent5">
+              <a:lumMod val="50000"/>
+            </a:schemeClr>
+          </a:solidFill>
+        </p:spPr>
+        <p:style>
+          <a:lnRef idx="2">
+            <a:schemeClr val="accent1">
+              <a:shade val="50000"/>
+            </a:schemeClr>
+          </a:lnRef>
+          <a:fillRef idx="1">
+            <a:schemeClr val="accent1"/>
+          </a:fillRef>
+          <a:effectRef idx="0">
+            <a:schemeClr val="accent1"/>
+          </a:effectRef>
+          <a:fontRef idx="minor">
+            <a:schemeClr val="lt1"/>
+          </a:fontRef>
+        </p:style>
+        <p:txBody>
+          <a:bodyPr rtlCol="0" anchor="ctr"/>
+          <a:lstStyle/>
+          <a:p>
+            <a:pPr algn="ctr"/>
+            <a:endParaRPr lang="es-MX"/>
           </a:p>
         </p:txBody>
       </p:sp>
     </p:spTree>
     <p:extLst>
       <p:ext uri="{BB962C8B-B14F-4D97-AF65-F5344CB8AC3E}">
-        <p14:creationId xmlns:p14="http://schemas.microsoft.com/office/powerpoint/2010/main" val="3119196519"/>
+        <p14:creationId xmlns:p14="http://schemas.microsoft.com/office/powerpoint/2010/main" val="1271430909"/>
       </p:ext>
     </p:extLst>
   </p:cSld>
@@ -3404,7 +4077,7 @@
             <a:spLocks noGrp="1"/>
           </p:cNvSpPr>
           <p:nvPr>
-            <p:ph type="title"/>
+            <p:ph type="ctrTitle"/>
           </p:nvPr>
         </p:nvSpPr>
         <p:spPr/>
@@ -3413,196 +4086,116 @@
           <a:lstStyle/>
           <a:p>
             <a:r>
-              <a:rPr lang="es-MX" dirty="0" smtClean="0"/>
+              <a:rPr lang="es-MX" b="1" dirty="0" smtClean="0">
+                <a:effectLst>
+                  <a:outerShdw blurRad="38100" dist="38100" dir="2700000" algn="tl">
+                    <a:srgbClr val="000000">
+                      <a:alpha val="43137"/>
+                    </a:srgbClr>
+                  </a:outerShdw>
+                </a:effectLst>
+              </a:rPr>
               <a:t>Hipótesis</a:t>
             </a:r>
-            <a:endParaRPr lang="es-MX" dirty="0"/>
-          </a:p>
-        </p:txBody>
-      </p:sp>
-      <p:sp>
-        <p:nvSpPr>
-          <p:cNvPr id="3" name="Marcador de contenido 2"/>
-          <p:cNvSpPr>
-            <a:spLocks noGrp="1"/>
-          </p:cNvSpPr>
-          <p:nvPr>
-            <p:ph idx="1"/>
-          </p:nvPr>
-        </p:nvSpPr>
-        <p:spPr/>
-        <p:txBody>
-          <a:bodyPr>
-            <a:normAutofit fontScale="92500" lnSpcReduction="10000"/>
-          </a:bodyPr>
-          <a:lstStyle/>
-          <a:p>
-            <a:r>
-              <a:rPr lang="es-MX" dirty="0" smtClean="0"/>
-              <a:t>Afirmación que representa las ideas que se tienen acerca de la relación que existe entre dos o más variables, previo a la comprobación empírica.</a:t>
-            </a:r>
-          </a:p>
-          <a:p>
-            <a:endParaRPr lang="es-MX" dirty="0" smtClean="0"/>
-          </a:p>
-          <a:p>
-            <a:pPr lvl="1"/>
-            <a:r>
-              <a:rPr lang="es-MX" dirty="0" smtClean="0"/>
-              <a:t>Es una “respuesta predilecta” a la pregunta de investigación que se busca poner a prueba con el estudio realizado.</a:t>
-            </a:r>
-          </a:p>
-          <a:p>
-            <a:pPr lvl="1"/>
-            <a:endParaRPr lang="es-MX" dirty="0"/>
-          </a:p>
-          <a:p>
-            <a:pPr lvl="1"/>
-            <a:r>
-              <a:rPr lang="es-MX" dirty="0"/>
-              <a:t>afirmaciones sujetas a comprobación empírica, es decir, a verificación en </a:t>
-            </a:r>
-            <a:r>
-              <a:rPr lang="es-MX" dirty="0" smtClean="0"/>
-              <a:t>la realidad</a:t>
-            </a:r>
-            <a:r>
-              <a:rPr lang="es-MX" dirty="0"/>
-              <a:t>.</a:t>
-            </a:r>
-            <a:endParaRPr lang="es-MX" dirty="0" smtClean="0"/>
-          </a:p>
-          <a:p>
-            <a:pPr lvl="1"/>
-            <a:endParaRPr lang="es-MX" dirty="0" smtClean="0"/>
-          </a:p>
-          <a:p>
-            <a:pPr lvl="1"/>
-            <a:r>
-              <a:rPr lang="es-MX" dirty="0" smtClean="0"/>
-              <a:t>Cuando se habla de una investigación formal, las hipótesis se basan en el conocimiento teórico.</a:t>
-            </a:r>
-          </a:p>
-          <a:p>
-            <a:pPr lvl="1"/>
-            <a:endParaRPr lang="es-MX" dirty="0"/>
-          </a:p>
-          <a:p>
-            <a:pPr lvl="1"/>
-            <a:r>
-              <a:rPr lang="es-MX" dirty="0" smtClean="0"/>
-              <a:t>Se puede tener más de una hipótesis en la misma investigación.</a:t>
-            </a:r>
-            <a:endParaRPr lang="es-MX" dirty="0"/>
-          </a:p>
-        </p:txBody>
-      </p:sp>
-      <p:sp>
-        <p:nvSpPr>
-          <p:cNvPr id="4" name="Rectángulo 3"/>
-          <p:cNvSpPr/>
+            <a:endParaRPr lang="es-MX" b="1" dirty="0">
+              <a:effectLst>
+                <a:outerShdw blurRad="38100" dist="38100" dir="2700000" algn="tl">
+                  <a:srgbClr val="000000">
+                    <a:alpha val="43137"/>
+                  </a:srgbClr>
+                </a:outerShdw>
+              </a:effectLst>
+            </a:endParaRPr>
+          </a:p>
+        </p:txBody>
+      </p:sp>
+      <p:pic>
+        <p:nvPicPr>
+          <p:cNvPr id="4" name="Imagen 3"/>
+          <p:cNvPicPr>
+            <a:picLocks noChangeAspect="1"/>
+          </p:cNvPicPr>
           <p:nvPr/>
-        </p:nvSpPr>
+        </p:nvPicPr>
+        <p:blipFill>
+          <a:blip r:embed="rId2"/>
+          <a:stretch>
+            <a:fillRect/>
+          </a:stretch>
+        </p:blipFill>
         <p:spPr>
           <a:xfrm>
             <a:off x="0" y="0"/>
-            <a:ext cx="12192000" cy="203200"/>
+            <a:ext cx="12192000" cy="1343025"/>
           </a:xfrm>
           <a:prstGeom prst="rect">
             <a:avLst/>
           </a:prstGeom>
-          <a:solidFill>
-            <a:srgbClr val="9E0000"/>
-          </a:solidFill>
-          <a:ln>
-            <a:solidFill>
-              <a:schemeClr val="tx1"/>
-            </a:solidFill>
-          </a:ln>
-        </p:spPr>
-        <p:style>
-          <a:lnRef idx="2">
-            <a:schemeClr val="accent1">
-              <a:shade val="50000"/>
-            </a:schemeClr>
-          </a:lnRef>
-          <a:fillRef idx="1">
-            <a:schemeClr val="accent1"/>
-          </a:fillRef>
-          <a:effectRef idx="0">
-            <a:schemeClr val="accent1"/>
-          </a:effectRef>
-          <a:fontRef idx="minor">
-            <a:schemeClr val="lt1"/>
-          </a:fontRef>
-        </p:style>
-        <p:txBody>
-          <a:bodyPr rtlCol="0" anchor="ctr"/>
-          <a:lstStyle/>
-          <a:p>
-            <a:pPr algn="ctr"/>
-            <a:endParaRPr lang="es-MX"/>
-          </a:p>
-        </p:txBody>
-      </p:sp>
-      <p:sp>
-        <p:nvSpPr>
-          <p:cNvPr id="5" name="Rectángulo 4"/>
-          <p:cNvSpPr/>
+        </p:spPr>
+      </p:pic>
+      <p:pic>
+        <p:nvPicPr>
+          <p:cNvPr id="5" name="Imagen 4"/>
+          <p:cNvPicPr>
+            <a:picLocks noChangeAspect="1"/>
+          </p:cNvPicPr>
           <p:nvPr/>
-        </p:nvSpPr>
+        </p:nvPicPr>
+        <p:blipFill>
+          <a:blip r:embed="rId2"/>
+          <a:stretch>
+            <a:fillRect/>
+          </a:stretch>
+        </p:blipFill>
         <p:spPr>
           <a:xfrm>
-            <a:off x="0" y="6654800"/>
-            <a:ext cx="12192000" cy="203200"/>
+            <a:off x="0" y="5514975"/>
+            <a:ext cx="12192000" cy="1343025"/>
           </a:xfrm>
           <a:prstGeom prst="rect">
             <a:avLst/>
           </a:prstGeom>
-          <a:solidFill>
-            <a:srgbClr val="9E0000"/>
-          </a:solidFill>
-          <a:ln>
-            <a:solidFill>
-              <a:schemeClr val="tx1"/>
-            </a:solidFill>
-          </a:ln>
-        </p:spPr>
-        <p:style>
-          <a:lnRef idx="2">
-            <a:schemeClr val="accent1">
-              <a:shade val="50000"/>
-            </a:schemeClr>
-          </a:lnRef>
-          <a:fillRef idx="1">
-            <a:schemeClr val="accent1"/>
-          </a:fillRef>
-          <a:effectRef idx="0">
-            <a:schemeClr val="accent1"/>
-          </a:effectRef>
-          <a:fontRef idx="minor">
-            <a:schemeClr val="lt1"/>
-          </a:fontRef>
-        </p:style>
-        <p:txBody>
-          <a:bodyPr rtlCol="0" anchor="ctr"/>
-          <a:lstStyle/>
-          <a:p>
-            <a:pPr algn="ctr"/>
-            <a:endParaRPr lang="es-MX"/>
+        </p:spPr>
+      </p:pic>
+      <p:sp>
+        <p:nvSpPr>
+          <p:cNvPr id="6" name="Subtítulo 5"/>
+          <p:cNvSpPr>
+            <a:spLocks noGrp="1"/>
+          </p:cNvSpPr>
+          <p:nvPr>
+            <p:ph type="subTitle" idx="1"/>
+          </p:nvPr>
+        </p:nvSpPr>
+        <p:spPr/>
+        <p:txBody>
+          <a:bodyPr/>
+          <a:lstStyle/>
+          <a:p>
+            <a:endParaRPr lang="es-MX" dirty="0" smtClean="0"/>
+          </a:p>
+          <a:p>
+            <a:endParaRPr lang="es-MX" dirty="0"/>
           </a:p>
         </p:txBody>
       </p:sp>
     </p:spTree>
     <p:extLst>
       <p:ext uri="{BB962C8B-B14F-4D97-AF65-F5344CB8AC3E}">
-        <p14:creationId xmlns:p14="http://schemas.microsoft.com/office/powerpoint/2010/main" val="1484866278"/>
+        <p14:creationId xmlns:p14="http://schemas.microsoft.com/office/powerpoint/2010/main" val="3119196519"/>
       </p:ext>
     </p:extLst>
   </p:cSld>
   <p:clrMapOvr>
     <a:masterClrMapping/>
   </p:clrMapOvr>
+  <p:timing>
+    <p:tnLst>
+      <p:par>
+        <p:cTn id="1" dur="indefinite" restart="never" nodeType="tmRoot"/>
+      </p:par>
+    </p:tnLst>
+  </p:timing>
 </p:sld>
 </file>
 
@@ -3638,7 +4231,11 @@
           <a:bodyPr/>
           <a:lstStyle/>
           <a:p>
-            <a:endParaRPr lang="es-MX"/>
+            <a:r>
+              <a:rPr lang="es-MX" b="1" dirty="0" smtClean="0"/>
+              <a:t>Hipótesis</a:t>
+            </a:r>
+            <a:endParaRPr lang="es-MX" b="1" dirty="0"/>
           </a:p>
         </p:txBody>
       </p:sp>
@@ -3654,51 +4251,68 @@
         </p:nvSpPr>
         <p:spPr/>
         <p:txBody>
-          <a:bodyPr/>
-          <a:lstStyle/>
-          <a:p>
-            <a:endParaRPr lang="es-MX"/>
-          </a:p>
-        </p:txBody>
-      </p:sp>
-      <p:pic>
-        <p:nvPicPr>
-          <p:cNvPr id="4" name="Imagen 3"/>
-          <p:cNvPicPr>
-            <a:picLocks noChangeAspect="1"/>
-          </p:cNvPicPr>
+          <a:bodyPr>
+            <a:normAutofit/>
+          </a:bodyPr>
+          <a:lstStyle/>
+          <a:p>
+            <a:r>
+              <a:rPr lang="es-MX" dirty="0" smtClean="0"/>
+              <a:t>Afirmación que representa las ideas </a:t>
+            </a:r>
+            <a:r>
+              <a:rPr lang="es-MX" b="1" u="sng" dirty="0" smtClean="0"/>
+              <a:t>iniciales</a:t>
+            </a:r>
+            <a:r>
+              <a:rPr lang="es-MX" dirty="0" smtClean="0"/>
+              <a:t> que se tienen acerca de la relación que existe entre dos o más variables.</a:t>
+            </a:r>
+          </a:p>
+          <a:p>
+            <a:endParaRPr lang="es-MX" dirty="0" smtClean="0"/>
+          </a:p>
+          <a:p>
+            <a:pPr marL="457200" lvl="1" indent="0">
+              <a:buNone/>
+            </a:pPr>
+            <a:r>
+              <a:rPr lang="es-MX" dirty="0" smtClean="0"/>
+              <a:t>Ejemplo:</a:t>
+            </a:r>
+          </a:p>
+          <a:p>
+            <a:pPr lvl="1"/>
+            <a:r>
+              <a:rPr lang="es-MX" dirty="0" smtClean="0"/>
+              <a:t>“El número de asaltos reportados en Iztapalapa mantiene una relación directamente proporcional con la tasa de desempleo en dicha Delegación”</a:t>
+            </a:r>
+            <a:endParaRPr lang="es-MX" dirty="0"/>
+          </a:p>
+        </p:txBody>
+      </p:sp>
+      <p:sp>
+        <p:nvSpPr>
+          <p:cNvPr id="4" name="Rectángulo 3"/>
+          <p:cNvSpPr/>
           <p:nvPr/>
-        </p:nvPicPr>
-        <p:blipFill>
-          <a:blip r:embed="rId2"/>
-          <a:stretch>
-            <a:fillRect/>
-          </a:stretch>
-        </p:blipFill>
+        </p:nvSpPr>
         <p:spPr>
           <a:xfrm>
-            <a:off x="485775" y="981869"/>
-            <a:ext cx="10868025" cy="3190875"/>
+            <a:off x="0" y="0"/>
+            <a:ext cx="12192000" cy="203200"/>
           </a:xfrm>
           <a:prstGeom prst="rect">
             <a:avLst/>
           </a:prstGeom>
-        </p:spPr>
-      </p:pic>
-      <p:sp>
-        <p:nvSpPr>
-          <p:cNvPr id="5" name="Rectángulo 4"/>
-          <p:cNvSpPr/>
-          <p:nvPr/>
-        </p:nvSpPr>
-        <p:spPr>
-          <a:xfrm>
-            <a:off x="0" y="0"/>
-            <a:ext cx="12192000" cy="203200"/>
-          </a:xfrm>
-          <a:prstGeom prst="rect">
-            <a:avLst/>
-          </a:prstGeom>
+          <a:solidFill>
+            <a:srgbClr val="9E0000"/>
+          </a:solidFill>
+          <a:ln>
+            <a:solidFill>
+              <a:schemeClr val="tx1"/>
+            </a:solidFill>
+          </a:ln>
         </p:spPr>
         <p:style>
           <a:lnRef idx="2">
@@ -3727,7 +4341,7 @@
       </p:sp>
       <p:sp>
         <p:nvSpPr>
-          <p:cNvPr id="6" name="Rectángulo 5"/>
+          <p:cNvPr id="5" name="Rectángulo 4"/>
           <p:cNvSpPr/>
           <p:nvPr/>
         </p:nvSpPr>
@@ -3739,6 +4353,14 @@
           <a:prstGeom prst="rect">
             <a:avLst/>
           </a:prstGeom>
+          <a:solidFill>
+            <a:srgbClr val="9E0000"/>
+          </a:solidFill>
+          <a:ln>
+            <a:solidFill>
+              <a:schemeClr val="tx1"/>
+            </a:solidFill>
+          </a:ln>
         </p:spPr>
         <p:style>
           <a:lnRef idx="2">
@@ -3768,13 +4390,20 @@
     </p:spTree>
     <p:extLst>
       <p:ext uri="{BB962C8B-B14F-4D97-AF65-F5344CB8AC3E}">
-        <p14:creationId xmlns:p14="http://schemas.microsoft.com/office/powerpoint/2010/main" val="4240969954"/>
+        <p14:creationId xmlns:p14="http://schemas.microsoft.com/office/powerpoint/2010/main" val="1484866278"/>
       </p:ext>
     </p:extLst>
   </p:cSld>
   <p:clrMapOvr>
     <a:masterClrMapping/>
   </p:clrMapOvr>
+  <p:timing>
+    <p:tnLst>
+      <p:par>
+        <p:cTn id="1" dur="indefinite" restart="never" nodeType="tmRoot"/>
+      </p:par>
+    </p:tnLst>
+  </p:timing>
 </p:sld>
 </file>
 
@@ -3811,10 +4440,10 @@
           <a:lstStyle/>
           <a:p>
             <a:r>
-              <a:rPr lang="es-MX" dirty="0" smtClean="0"/>
-              <a:t>¿De dónde surgen las Hipótesis?</a:t>
-            </a:r>
-            <a:endParaRPr lang="es-MX" dirty="0"/>
+              <a:rPr lang="es-MX" b="1" dirty="0" smtClean="0"/>
+              <a:t>Hipótesis</a:t>
+            </a:r>
+            <a:endParaRPr lang="es-MX" b="1" dirty="0"/>
           </a:p>
         </p:txBody>
       </p:sp>
@@ -3837,8 +4466,38 @@
           <a:p>
             <a:r>
               <a:rPr lang="es-MX" dirty="0" smtClean="0"/>
-              <a:t>De las observaciones e interacciones previas con el fenómeno de interés</a:t>
-            </a:r>
+              <a:t>Puede concebirse como una “respuesta tentativa” a la pregunta de investigación que se busca poner a prueba.</a:t>
+            </a:r>
+          </a:p>
+          <a:p>
+            <a:endParaRPr lang="es-MX" dirty="0" smtClean="0"/>
+          </a:p>
+          <a:p>
+            <a:pPr marL="457200" lvl="1" indent="0">
+              <a:buNone/>
+            </a:pPr>
+            <a:r>
+              <a:rPr lang="es-MX" dirty="0" smtClean="0"/>
+              <a:t>Ejemplo:</a:t>
+            </a:r>
+          </a:p>
+          <a:p>
+            <a:pPr lvl="1">
+              <a:buFont typeface="Wingdings" panose="05000000000000000000" pitchFamily="2" charset="2"/>
+              <a:buChar char="Ø"/>
+            </a:pPr>
+            <a:r>
+              <a:rPr lang="es-MX" dirty="0" smtClean="0"/>
+              <a:t>¿Existe alguna relación entre los asaltos reportados en Iztapalapa y la falta de oportunidades para ejercer un empleo honesto?</a:t>
+            </a:r>
+          </a:p>
+          <a:p>
+            <a:pPr lvl="1"/>
+            <a:r>
+              <a:rPr lang="es-MX" dirty="0" smtClean="0"/>
+              <a:t>“El número de asaltos reportados en Iztapalapa mantiene una relación directamente proporcional con la tasa de desempleo en dicha Delegación”</a:t>
+            </a:r>
+            <a:endParaRPr lang="es-MX" dirty="0"/>
           </a:p>
         </p:txBody>
       </p:sp>
@@ -3856,6 +4515,14 @@
           <a:prstGeom prst="rect">
             <a:avLst/>
           </a:prstGeom>
+          <a:solidFill>
+            <a:srgbClr val="9E0000"/>
+          </a:solidFill>
+          <a:ln>
+            <a:solidFill>
+              <a:schemeClr val="tx1"/>
+            </a:solidFill>
+          </a:ln>
         </p:spPr>
         <p:style>
           <a:lnRef idx="2">
@@ -3896,6 +4563,14 @@
           <a:prstGeom prst="rect">
             <a:avLst/>
           </a:prstGeom>
+          <a:solidFill>
+            <a:srgbClr val="9E0000"/>
+          </a:solidFill>
+          <a:ln>
+            <a:solidFill>
+              <a:schemeClr val="tx1"/>
+            </a:solidFill>
+          </a:ln>
         </p:spPr>
         <p:style>
           <a:lnRef idx="2">
@@ -3925,13 +4600,20 @@
     </p:spTree>
     <p:extLst>
       <p:ext uri="{BB962C8B-B14F-4D97-AF65-F5344CB8AC3E}">
-        <p14:creationId xmlns:p14="http://schemas.microsoft.com/office/powerpoint/2010/main" val="490097004"/>
+        <p14:creationId xmlns:p14="http://schemas.microsoft.com/office/powerpoint/2010/main" val="1141371702"/>
       </p:ext>
     </p:extLst>
   </p:cSld>
   <p:clrMapOvr>
     <a:masterClrMapping/>
   </p:clrMapOvr>
+  <p:timing>
+    <p:tnLst>
+      <p:par>
+        <p:cTn id="1" dur="indefinite" restart="never" nodeType="tmRoot"/>
+      </p:par>
+    </p:tnLst>
+  </p:timing>
 </p:sld>
 </file>
 
@@ -3968,10 +4650,10 @@
           <a:lstStyle/>
           <a:p>
             <a:r>
-              <a:rPr lang="es-MX" dirty="0" smtClean="0"/>
-              <a:t>¿De dónde surgen las Hipótesis?</a:t>
-            </a:r>
-            <a:endParaRPr lang="es-MX" dirty="0"/>
+              <a:rPr lang="es-MX" b="1" dirty="0" smtClean="0"/>
+              <a:t>Hipótesis</a:t>
+            </a:r>
+            <a:endParaRPr lang="es-MX" b="1" dirty="0"/>
           </a:p>
         </p:txBody>
       </p:sp>
@@ -3994,22 +4676,43 @@
           <a:p>
             <a:r>
               <a:rPr lang="es-MX" dirty="0" smtClean="0"/>
-              <a:t>En el marco de la investigación científica, se espera que toda Hipótesis cuente con algún tipo de sustento:</a:t>
-            </a:r>
+              <a:t>Se trata de afirmaciones sujetas a comprobación empírica, es decir, a ser cotejadas contra la evidencia del mundo real recabada.</a:t>
+            </a:r>
+          </a:p>
+          <a:p>
+            <a:endParaRPr lang="es-MX" dirty="0"/>
           </a:p>
           <a:p>
             <a:pPr lvl="1"/>
             <a:r>
               <a:rPr lang="es-MX" dirty="0" smtClean="0"/>
-              <a:t>Del planteamiento del problema</a:t>
-            </a:r>
-          </a:p>
-          <a:p>
-            <a:pPr lvl="1"/>
-            <a:r>
-              <a:rPr lang="es-MX" dirty="0" smtClean="0"/>
-              <a:t>Del marco teórico elaborado</a:t>
-            </a:r>
+              <a:t>Más ejemplos:</a:t>
+            </a:r>
+          </a:p>
+          <a:p>
+            <a:pPr lvl="2"/>
+            <a:r>
+              <a:rPr lang="es-MX" dirty="0" smtClean="0"/>
+              <a:t>Hay una mayor incidencia de cáncer de pulmón en personas que tienen historial de consumo de tabaco que en no fumadores.</a:t>
+            </a:r>
+          </a:p>
+          <a:p>
+            <a:pPr lvl="2"/>
+            <a:r>
+              <a:rPr lang="es-MX" dirty="0" smtClean="0"/>
+              <a:t>Hay un mayor número de embarazos no planeados en países donde la educación sexual es limitada.</a:t>
+            </a:r>
+          </a:p>
+          <a:p>
+            <a:pPr lvl="2"/>
+            <a:r>
+              <a:rPr lang="es-MX" dirty="0" smtClean="0"/>
+              <a:t>Un kilo de hierro se percibe como más pesado que un kilo de plumas de ave.</a:t>
+            </a:r>
+          </a:p>
+          <a:p>
+            <a:pPr lvl="2"/>
+            <a:endParaRPr lang="es-MX" dirty="0" smtClean="0"/>
           </a:p>
           <a:p>
             <a:pPr lvl="1"/>
@@ -4031,6 +4734,14 @@
           <a:prstGeom prst="rect">
             <a:avLst/>
           </a:prstGeom>
+          <a:solidFill>
+            <a:srgbClr val="9E0000"/>
+          </a:solidFill>
+          <a:ln>
+            <a:solidFill>
+              <a:schemeClr val="tx1"/>
+            </a:solidFill>
+          </a:ln>
         </p:spPr>
         <p:style>
           <a:lnRef idx="2">
@@ -4071,6 +4782,14 @@
           <a:prstGeom prst="rect">
             <a:avLst/>
           </a:prstGeom>
+          <a:solidFill>
+            <a:srgbClr val="9E0000"/>
+          </a:solidFill>
+          <a:ln>
+            <a:solidFill>
+              <a:schemeClr val="tx1"/>
+            </a:solidFill>
+          </a:ln>
         </p:spPr>
         <p:style>
           <a:lnRef idx="2">
@@ -4100,13 +4819,20 @@
     </p:spTree>
     <p:extLst>
       <p:ext uri="{BB962C8B-B14F-4D97-AF65-F5344CB8AC3E}">
-        <p14:creationId xmlns:p14="http://schemas.microsoft.com/office/powerpoint/2010/main" val="2089115892"/>
+        <p14:creationId xmlns:p14="http://schemas.microsoft.com/office/powerpoint/2010/main" val="334576068"/>
       </p:ext>
     </p:extLst>
   </p:cSld>
   <p:clrMapOvr>
     <a:masterClrMapping/>
   </p:clrMapOvr>
+  <p:timing>
+    <p:tnLst>
+      <p:par>
+        <p:cTn id="1" dur="indefinite" restart="never" nodeType="tmRoot"/>
+      </p:par>
+    </p:tnLst>
+  </p:timing>
 </p:sld>
 </file>
 
@@ -4143,10 +4869,10 @@
           <a:lstStyle/>
           <a:p>
             <a:r>
-              <a:rPr lang="es-MX" dirty="0" smtClean="0"/>
+              <a:rPr lang="es-MX" b="1" dirty="0" smtClean="0"/>
               <a:t>¿De dónde surgen las Hipótesis?</a:t>
             </a:r>
-            <a:endParaRPr lang="es-MX" dirty="0"/>
+            <a:endParaRPr lang="es-MX" b="1" dirty="0"/>
           </a:p>
         </p:txBody>
       </p:sp>
@@ -4169,43 +4895,47 @@
           <a:p>
             <a:r>
               <a:rPr lang="es-MX" dirty="0" smtClean="0"/>
-              <a:t>En el marco de la investigación científica, se espera que toda Hipótesis cuente con algún tipo de sustento:</a:t>
-            </a:r>
+              <a:t>De las observaciones e interacciones previas con el mundo real y el fenómeno de interés</a:t>
+            </a:r>
+          </a:p>
+          <a:p>
+            <a:endParaRPr lang="es-MX" dirty="0"/>
           </a:p>
           <a:p>
             <a:pPr lvl="1"/>
             <a:r>
               <a:rPr lang="es-MX" dirty="0" smtClean="0"/>
-              <a:t>De </a:t>
-            </a:r>
-            <a:r>
-              <a:rPr lang="es-MX" dirty="0"/>
-              <a:t>analogías, al descubrir semejanzas entre la </a:t>
-            </a:r>
-            <a:r>
-              <a:rPr lang="es-MX" dirty="0" smtClean="0"/>
-              <a:t>información referida </a:t>
-            </a:r>
-            <a:r>
-              <a:rPr lang="es-MX" dirty="0"/>
-              <a:t>a otros contextos y la que poseemos para nuestro </a:t>
-            </a:r>
-            <a:r>
-              <a:rPr lang="es-MX" dirty="0" smtClean="0"/>
-              <a:t>estudio</a:t>
-            </a:r>
-          </a:p>
-          <a:p>
-            <a:pPr lvl="1"/>
-            <a:endParaRPr lang="es-MX" dirty="0"/>
-          </a:p>
-          <a:p>
-            <a:pPr lvl="1"/>
-            <a:r>
-              <a:rPr lang="es-MX" dirty="0" smtClean="0"/>
-              <a:t>Comparaciones entre especies</a:t>
-            </a:r>
-            <a:endParaRPr lang="es-MX" dirty="0"/>
+              <a:t>Por ejemplo:</a:t>
+            </a:r>
+          </a:p>
+          <a:p>
+            <a:pPr lvl="2"/>
+            <a:r>
+              <a:rPr lang="es-MX" dirty="0" smtClean="0"/>
+              <a:t>“Cuando mi mamá me llama utilizando mi nombre completo, está enojada conmigo”</a:t>
+            </a:r>
+          </a:p>
+          <a:p>
+            <a:pPr lvl="2"/>
+            <a:endParaRPr lang="es-MX" dirty="0" smtClean="0"/>
+          </a:p>
+          <a:p>
+            <a:pPr lvl="2"/>
+            <a:r>
+              <a:rPr lang="es-MX" dirty="0" smtClean="0"/>
+              <a:t>“Cada año la temperatura en verano es mayor”</a:t>
+            </a:r>
+          </a:p>
+          <a:p>
+            <a:pPr lvl="2"/>
+            <a:r>
+              <a:rPr lang="es-MX" dirty="0" smtClean="0"/>
+              <a:t>“Cada año el número de días que llueve se concentran menos en el verano”</a:t>
+            </a:r>
+          </a:p>
+          <a:p>
+            <a:pPr lvl="2"/>
+            <a:endParaRPr lang="es-MX" dirty="0" smtClean="0"/>
           </a:p>
         </p:txBody>
       </p:sp>
@@ -4223,6 +4953,17 @@
           <a:prstGeom prst="rect">
             <a:avLst/>
           </a:prstGeom>
+          <a:solidFill>
+            <a:schemeClr val="accent2">
+              <a:lumMod val="60000"/>
+              <a:lumOff val="40000"/>
+            </a:schemeClr>
+          </a:solidFill>
+          <a:ln>
+            <a:solidFill>
+              <a:schemeClr val="tx1"/>
+            </a:solidFill>
+          </a:ln>
         </p:spPr>
         <p:style>
           <a:lnRef idx="2">
@@ -4263,6 +5004,17 @@
           <a:prstGeom prst="rect">
             <a:avLst/>
           </a:prstGeom>
+          <a:solidFill>
+            <a:schemeClr val="accent2">
+              <a:lumMod val="60000"/>
+              <a:lumOff val="40000"/>
+            </a:schemeClr>
+          </a:solidFill>
+          <a:ln>
+            <a:solidFill>
+              <a:schemeClr val="tx1"/>
+            </a:solidFill>
+          </a:ln>
         </p:spPr>
         <p:style>
           <a:lnRef idx="2">
@@ -4292,13 +5044,20 @@
     </p:spTree>
     <p:extLst>
       <p:ext uri="{BB962C8B-B14F-4D97-AF65-F5344CB8AC3E}">
-        <p14:creationId xmlns:p14="http://schemas.microsoft.com/office/powerpoint/2010/main" val="4256991245"/>
+        <p14:creationId xmlns:p14="http://schemas.microsoft.com/office/powerpoint/2010/main" val="490097004"/>
       </p:ext>
     </p:extLst>
   </p:cSld>
   <p:clrMapOvr>
     <a:masterClrMapping/>
   </p:clrMapOvr>
+  <p:timing>
+    <p:tnLst>
+      <p:par>
+        <p:cTn id="1" dur="indefinite" restart="never" nodeType="tmRoot"/>
+      </p:par>
+    </p:tnLst>
+  </p:timing>
 </p:sld>
 </file>
 
@@ -4335,96 +5094,73 @@
           <a:lstStyle/>
           <a:p>
             <a:r>
-              <a:rPr lang="es-MX" dirty="0" smtClean="0"/>
-              <a:t>Características de una Hipótesis</a:t>
-            </a:r>
+              <a:rPr lang="es-MX" b="1" dirty="0" smtClean="0"/>
+              <a:t>¿De dónde surgen las Hipótesis?</a:t>
+            </a:r>
+            <a:endParaRPr lang="es-MX" b="1" dirty="0"/>
+          </a:p>
+        </p:txBody>
+      </p:sp>
+      <p:sp>
+        <p:nvSpPr>
+          <p:cNvPr id="3" name="Marcador de contenido 2"/>
+          <p:cNvSpPr>
+            <a:spLocks noGrp="1"/>
+          </p:cNvSpPr>
+          <p:nvPr>
+            <p:ph idx="1"/>
+          </p:nvPr>
+        </p:nvSpPr>
+        <p:spPr/>
+        <p:txBody>
+          <a:bodyPr>
+            <a:normAutofit/>
+          </a:bodyPr>
+          <a:lstStyle/>
+          <a:p>
+            <a:r>
+              <a:rPr lang="es-MX" dirty="0" smtClean="0"/>
+              <a:t>En el marco de la </a:t>
+            </a:r>
+            <a:r>
+              <a:rPr lang="es-MX" b="1" dirty="0" smtClean="0"/>
+              <a:t>investigación científica</a:t>
+            </a:r>
+            <a:r>
+              <a:rPr lang="es-MX" dirty="0" smtClean="0"/>
+              <a:t>, las Hipótesis que guían la investigación parten de un sustento sólido:</a:t>
+            </a:r>
+          </a:p>
+          <a:p>
+            <a:endParaRPr lang="es-MX" dirty="0" smtClean="0"/>
+          </a:p>
+          <a:p>
+            <a:pPr lvl="1"/>
+            <a:r>
+              <a:rPr lang="es-MX" dirty="0" smtClean="0"/>
+              <a:t>Del marco teórico y la literatura revisada</a:t>
+            </a:r>
+          </a:p>
+          <a:p>
+            <a:pPr lvl="1"/>
             <a:endParaRPr lang="es-MX" dirty="0"/>
           </a:p>
-        </p:txBody>
-      </p:sp>
-      <p:sp>
-        <p:nvSpPr>
-          <p:cNvPr id="3" name="Marcador de contenido 2"/>
-          <p:cNvSpPr>
-            <a:spLocks noGrp="1"/>
-          </p:cNvSpPr>
-          <p:nvPr>
-            <p:ph idx="1"/>
-          </p:nvPr>
-        </p:nvSpPr>
-        <p:spPr/>
-        <p:txBody>
-          <a:bodyPr>
-            <a:normAutofit lnSpcReduction="10000"/>
-          </a:bodyPr>
-          <a:lstStyle/>
-          <a:p>
-            <a:r>
-              <a:rPr lang="es-MX" dirty="0"/>
-              <a:t>Referirse a una situación real</a:t>
-            </a:r>
-          </a:p>
-          <a:p>
-            <a:r>
-              <a:rPr lang="es-MX" dirty="0"/>
-              <a:t>• Sus variables o términos deben ser comprensibles, precisos y</a:t>
-            </a:r>
-          </a:p>
-          <a:p>
-            <a:r>
-              <a:rPr lang="es-MX" dirty="0"/>
-              <a:t>concretos</a:t>
-            </a:r>
-          </a:p>
-          <a:p>
-            <a:r>
-              <a:rPr lang="es-MX" dirty="0"/>
-              <a:t>• Las variables deben ser definidas conceptual y</a:t>
-            </a:r>
-          </a:p>
-          <a:p>
-            <a:r>
-              <a:rPr lang="es-MX" dirty="0"/>
-              <a:t>operacionalmente</a:t>
-            </a:r>
-          </a:p>
-          <a:p>
-            <a:r>
-              <a:rPr lang="es-MX" dirty="0"/>
-              <a:t>• Las relaciones entre variables deben ser claras y verosímiles</a:t>
-            </a:r>
-          </a:p>
-          <a:p>
-            <a:r>
-              <a:rPr lang="es-MX" dirty="0"/>
-              <a:t>• Los términos o variables, así como las relaciones entre ellas,</a:t>
-            </a:r>
-          </a:p>
-          <a:p>
-            <a:r>
-              <a:rPr lang="es-MX" dirty="0"/>
-              <a:t>deben ser </a:t>
-            </a:r>
-            <a:r>
-              <a:rPr lang="es-MX" dirty="0" err="1"/>
-              <a:t>obsevables</a:t>
-            </a:r>
-            <a:r>
-              <a:rPr lang="es-MX" dirty="0"/>
-              <a:t> y medibles</a:t>
-            </a:r>
-          </a:p>
-          <a:p>
-            <a:r>
-              <a:rPr lang="es-MX" dirty="0"/>
-              <a:t>• Deben relacionarse con técnicas disponibles para probarse</a:t>
-            </a:r>
-          </a:p>
-        </p:txBody>
-      </p:sp>
-      <p:sp>
-        <p:nvSpPr>
-          <p:cNvPr id="4" name="Rectángulo 3"/>
+          <a:p>
+            <a:pPr lvl="1"/>
+            <a:r>
+              <a:rPr lang="es-MX" dirty="0" smtClean="0"/>
+              <a:t>Del planteamiento del problema que interesa estudiar</a:t>
+            </a:r>
+          </a:p>
+          <a:p>
+            <a:pPr lvl="1"/>
+            <a:endParaRPr lang="es-MX" dirty="0"/>
+          </a:p>
+        </p:txBody>
+      </p:sp>
+      <p:sp>
+        <p:nvSpPr>
+          <p:cNvPr id="6" name="Rectángulo 5"/>
           <p:cNvSpPr/>
           <p:nvPr/>
         </p:nvSpPr>
@@ -4436,6 +5172,17 @@
           <a:prstGeom prst="rect">
             <a:avLst/>
           </a:prstGeom>
+          <a:solidFill>
+            <a:schemeClr val="accent2">
+              <a:lumMod val="60000"/>
+              <a:lumOff val="40000"/>
+            </a:schemeClr>
+          </a:solidFill>
+          <a:ln>
+            <a:solidFill>
+              <a:schemeClr val="tx1"/>
+            </a:solidFill>
+          </a:ln>
         </p:spPr>
         <p:style>
           <a:lnRef idx="2">
@@ -4464,7 +5211,7 @@
       </p:sp>
       <p:sp>
         <p:nvSpPr>
-          <p:cNvPr id="5" name="Rectángulo 4"/>
+          <p:cNvPr id="7" name="Rectángulo 6"/>
           <p:cNvSpPr/>
           <p:nvPr/>
         </p:nvSpPr>
@@ -4476,6 +5223,17 @@
           <a:prstGeom prst="rect">
             <a:avLst/>
           </a:prstGeom>
+          <a:solidFill>
+            <a:schemeClr val="accent2">
+              <a:lumMod val="60000"/>
+              <a:lumOff val="40000"/>
+            </a:schemeClr>
+          </a:solidFill>
+          <a:ln>
+            <a:solidFill>
+              <a:schemeClr val="tx1"/>
+            </a:solidFill>
+          </a:ln>
         </p:spPr>
         <p:style>
           <a:lnRef idx="2">
@@ -4505,13 +5263,20 @@
     </p:spTree>
     <p:extLst>
       <p:ext uri="{BB962C8B-B14F-4D97-AF65-F5344CB8AC3E}">
-        <p14:creationId xmlns:p14="http://schemas.microsoft.com/office/powerpoint/2010/main" val="3347019340"/>
+        <p14:creationId xmlns:p14="http://schemas.microsoft.com/office/powerpoint/2010/main" val="2089115892"/>
       </p:ext>
     </p:extLst>
   </p:cSld>
   <p:clrMapOvr>
     <a:masterClrMapping/>
   </p:clrMapOvr>
+  <p:timing>
+    <p:tnLst>
+      <p:par>
+        <p:cTn id="1" dur="indefinite" restart="never" nodeType="tmRoot"/>
+      </p:par>
+    </p:tnLst>
+  </p:timing>
 </p:sld>
 </file>
 
@@ -4549,7 +5314,7 @@
           <a:p>
             <a:r>
               <a:rPr lang="es-MX" dirty="0" smtClean="0"/>
-              <a:t>Características de una Hipótesis</a:t>
+              <a:t>¿De dónde surgen las Hipótesis?</a:t>
             </a:r>
             <a:endParaRPr lang="es-MX" dirty="0"/>
           </a:p>
@@ -4573,28 +5338,52 @@
           <a:lstStyle/>
           <a:p>
             <a:r>
-              <a:rPr lang="es-MX" dirty="0" smtClean="0"/>
-              <a:t>Deben ser </a:t>
-            </a:r>
-            <a:r>
-              <a:rPr lang="es-MX" b="1" dirty="0" err="1" smtClean="0"/>
-              <a:t>falseables</a:t>
-            </a:r>
-            <a:r>
               <a:rPr lang="es-MX" dirty="0"/>
-              <a:t> </a:t>
-            </a:r>
-            <a:r>
-              <a:rPr lang="es-MX" dirty="0" smtClean="0"/>
-              <a:t>y estar acotadas a un contexto claramente definido.</a:t>
-            </a:r>
+              <a:t>En el marco de la </a:t>
+            </a:r>
+            <a:r>
+              <a:rPr lang="es-MX" b="1" dirty="0"/>
+              <a:t>investigación científica</a:t>
+            </a:r>
+            <a:r>
+              <a:rPr lang="es-MX" dirty="0"/>
+              <a:t>, las Hipótesis que guían la investigación parten de un sustento sólido:</a:t>
+            </a:r>
+          </a:p>
+          <a:p>
+            <a:endParaRPr lang="es-MX" dirty="0" smtClean="0"/>
+          </a:p>
+          <a:p>
+            <a:pPr lvl="1"/>
+            <a:r>
+              <a:rPr lang="es-MX" dirty="0" smtClean="0"/>
+              <a:t>Analogías entre fenómenos contenidos en contextos distintos</a:t>
+            </a:r>
+          </a:p>
+          <a:p>
+            <a:pPr lvl="1"/>
             <a:endParaRPr lang="es-MX" dirty="0"/>
           </a:p>
-        </p:txBody>
-      </p:sp>
-      <p:sp>
-        <p:nvSpPr>
-          <p:cNvPr id="4" name="Rectángulo 3"/>
+          <a:p>
+            <a:pPr lvl="2"/>
+            <a:r>
+              <a:rPr lang="es-MX" dirty="0" smtClean="0"/>
+              <a:t>Estructura del átomo y el modelo heliocéntrico del sistema planetario</a:t>
+            </a:r>
+          </a:p>
+          <a:p>
+            <a:pPr lvl="2"/>
+            <a:r>
+              <a:rPr lang="es-MX" dirty="0" smtClean="0"/>
+              <a:t>Similitudes en el funcionamiento de circuitos mecánicos, eléctricos e hidráulicos.</a:t>
+            </a:r>
+            <a:endParaRPr lang="es-MX" dirty="0"/>
+          </a:p>
+        </p:txBody>
+      </p:sp>
+      <p:sp>
+        <p:nvSpPr>
+          <p:cNvPr id="6" name="Rectángulo 5"/>
           <p:cNvSpPr/>
           <p:nvPr/>
         </p:nvSpPr>
@@ -4606,6 +5395,17 @@
           <a:prstGeom prst="rect">
             <a:avLst/>
           </a:prstGeom>
+          <a:solidFill>
+            <a:schemeClr val="accent2">
+              <a:lumMod val="60000"/>
+              <a:lumOff val="40000"/>
+            </a:schemeClr>
+          </a:solidFill>
+          <a:ln>
+            <a:solidFill>
+              <a:schemeClr val="tx1"/>
+            </a:solidFill>
+          </a:ln>
         </p:spPr>
         <p:style>
           <a:lnRef idx="2">
@@ -4634,7 +5434,7 @@
       </p:sp>
       <p:sp>
         <p:nvSpPr>
-          <p:cNvPr id="5" name="Rectángulo 4"/>
+          <p:cNvPr id="7" name="Rectángulo 6"/>
           <p:cNvSpPr/>
           <p:nvPr/>
         </p:nvSpPr>
@@ -4646,6 +5446,17 @@
           <a:prstGeom prst="rect">
             <a:avLst/>
           </a:prstGeom>
+          <a:solidFill>
+            <a:schemeClr val="accent2">
+              <a:lumMod val="60000"/>
+              <a:lumOff val="40000"/>
+            </a:schemeClr>
+          </a:solidFill>
+          <a:ln>
+            <a:solidFill>
+              <a:schemeClr val="tx1"/>
+            </a:solidFill>
+          </a:ln>
         </p:spPr>
         <p:style>
           <a:lnRef idx="2">
@@ -4675,13 +5486,20 @@
     </p:spTree>
     <p:extLst>
       <p:ext uri="{BB962C8B-B14F-4D97-AF65-F5344CB8AC3E}">
-        <p14:creationId xmlns:p14="http://schemas.microsoft.com/office/powerpoint/2010/main" val="943237089"/>
+        <p14:creationId xmlns:p14="http://schemas.microsoft.com/office/powerpoint/2010/main" val="4256991245"/>
       </p:ext>
     </p:extLst>
   </p:cSld>
   <p:clrMapOvr>
     <a:masterClrMapping/>
   </p:clrMapOvr>
+  <p:timing>
+    <p:tnLst>
+      <p:par>
+        <p:cTn id="1" dur="indefinite" restart="never" nodeType="tmRoot"/>
+      </p:par>
+    </p:tnLst>
+  </p:timing>
 </p:sld>
 </file>
 
@@ -4718,8 +5536,12 @@
           <a:lstStyle/>
           <a:p>
             <a:r>
-              <a:rPr lang="es-MX" dirty="0" smtClean="0"/>
-              <a:t>Características de una Hipótesis</a:t>
+              <a:rPr lang="es-MX" b="1" dirty="0" smtClean="0"/>
+              <a:t>Características</a:t>
+            </a:r>
+            <a:r>
+              <a:rPr lang="es-MX" dirty="0" smtClean="0"/>
+              <a:t> de una Hipótesis</a:t>
             </a:r>
             <a:endParaRPr lang="es-MX" dirty="0"/>
           </a:p>
@@ -4744,24 +5566,71 @@
           <a:p>
             <a:r>
               <a:rPr lang="es-MX" dirty="0" smtClean="0"/>
-              <a:t>Debe contener definiciones </a:t>
-            </a:r>
-            <a:r>
-              <a:rPr lang="es-MX" b="1" dirty="0" smtClean="0"/>
-              <a:t>concretas, claras</a:t>
-            </a:r>
-            <a:r>
-              <a:rPr lang="es-MX" dirty="0" smtClean="0"/>
-              <a:t> y </a:t>
-            </a:r>
-            <a:r>
-              <a:rPr lang="es-MX" b="1" dirty="0" smtClean="0"/>
-              <a:t>precisas</a:t>
-            </a:r>
-            <a:r>
-              <a:rPr lang="es-MX" dirty="0" smtClean="0"/>
-              <a:t>.</a:t>
-            </a:r>
+              <a:t>1) Deben estar acotadas a un contexto claramente definido (situaciones reales).</a:t>
+            </a:r>
+          </a:p>
+          <a:p>
+            <a:endParaRPr lang="es-MX" dirty="0"/>
+          </a:p>
+          <a:p>
+            <a:pPr lvl="1"/>
+            <a:r>
+              <a:rPr lang="es-MX" dirty="0" smtClean="0"/>
+              <a:t>“A mayor satisfacción con el entorno laboral, mayor rendimiento”</a:t>
+            </a:r>
+          </a:p>
+          <a:p>
+            <a:pPr lvl="1"/>
+            <a:endParaRPr lang="es-MX" dirty="0"/>
+          </a:p>
+          <a:p>
+            <a:pPr lvl="1"/>
+            <a:r>
+              <a:rPr lang="es-MX" dirty="0" smtClean="0"/>
+              <a:t>“A mayor afinidad con el profesor, mejor será rendimiento de los estudiantes  </a:t>
+            </a:r>
+            <a:r>
+              <a:rPr lang="es-MX" b="1" u="sng" dirty="0" smtClean="0">
+                <a:solidFill>
+                  <a:schemeClr val="accent6">
+                    <a:lumMod val="75000"/>
+                  </a:schemeClr>
+                </a:solidFill>
+              </a:rPr>
+              <a:t>de preparatoria</a:t>
+            </a:r>
+            <a:r>
+              <a:rPr lang="es-MX" dirty="0" smtClean="0"/>
+              <a:t>”</a:t>
+            </a:r>
+          </a:p>
+          <a:p>
+            <a:pPr lvl="1"/>
+            <a:endParaRPr lang="es-MX" dirty="0"/>
+          </a:p>
+          <a:p>
+            <a:pPr lvl="1"/>
+            <a:r>
+              <a:rPr lang="es-MX" dirty="0" smtClean="0"/>
+              <a:t>“A mayor conocimiento sobre farmacología, menor probabilidad formar parte del movimiento anti-vacunas </a:t>
+            </a:r>
+            <a:r>
+              <a:rPr lang="es-MX" b="1" u="sng" dirty="0" smtClean="0">
+                <a:solidFill>
+                  <a:schemeClr val="accent6">
+                    <a:lumMod val="75000"/>
+                  </a:schemeClr>
+                </a:solidFill>
+              </a:rPr>
+              <a:t>en personas no religiosas</a:t>
+            </a:r>
+            <a:r>
+              <a:rPr lang="es-MX" dirty="0" smtClean="0"/>
+              <a:t>”</a:t>
+            </a:r>
+          </a:p>
+          <a:p>
+            <a:pPr lvl="1"/>
             <a:endParaRPr lang="es-MX" dirty="0"/>
           </a:p>
         </p:txBody>
@@ -4780,6 +5649,17 @@
           <a:prstGeom prst="rect">
             <a:avLst/>
           </a:prstGeom>
+          <a:solidFill>
+            <a:schemeClr val="accent4">
+              <a:lumMod val="40000"/>
+              <a:lumOff val="60000"/>
+            </a:schemeClr>
+          </a:solidFill>
+          <a:ln>
+            <a:solidFill>
+              <a:schemeClr val="tx1"/>
+            </a:solidFill>
+          </a:ln>
         </p:spPr>
         <p:style>
           <a:lnRef idx="2">
@@ -4820,6 +5700,17 @@
           <a:prstGeom prst="rect">
             <a:avLst/>
           </a:prstGeom>
+          <a:solidFill>
+            <a:schemeClr val="accent4">
+              <a:lumMod val="40000"/>
+              <a:lumOff val="60000"/>
+            </a:schemeClr>
+          </a:solidFill>
+          <a:ln>
+            <a:solidFill>
+              <a:schemeClr val="tx1"/>
+            </a:solidFill>
+          </a:ln>
         </p:spPr>
         <p:style>
           <a:lnRef idx="2">
@@ -4849,13 +5740,20 @@
     </p:spTree>
     <p:extLst>
       <p:ext uri="{BB962C8B-B14F-4D97-AF65-F5344CB8AC3E}">
-        <p14:creationId xmlns:p14="http://schemas.microsoft.com/office/powerpoint/2010/main" val="820246709"/>
+        <p14:creationId xmlns:p14="http://schemas.microsoft.com/office/powerpoint/2010/main" val="943237089"/>
       </p:ext>
     </p:extLst>
   </p:cSld>
   <p:clrMapOvr>
     <a:masterClrMapping/>
   </p:clrMapOvr>
+  <p:timing>
+    <p:tnLst>
+      <p:par>
+        <p:cTn id="1" dur="indefinite" restart="never" nodeType="tmRoot"/>
+      </p:par>
+    </p:tnLst>
+  </p:timing>
 </p:sld>
 </file>
 
@@ -4892,8 +5790,12 @@
           <a:lstStyle/>
           <a:p>
             <a:r>
-              <a:rPr lang="es-MX" dirty="0" smtClean="0"/>
-              <a:t>Características de una Hipótesis</a:t>
+              <a:rPr lang="es-MX" b="1" dirty="0" smtClean="0"/>
+              <a:t>Características</a:t>
+            </a:r>
+            <a:r>
+              <a:rPr lang="es-MX" dirty="0" smtClean="0"/>
+              <a:t> de una Hipótesis</a:t>
             </a:r>
             <a:endParaRPr lang="es-MX" dirty="0"/>
           </a:p>
@@ -4918,19 +5820,168 @@
           <a:p>
             <a:r>
               <a:rPr lang="es-MX" dirty="0" smtClean="0"/>
-              <a:t>Debe ser </a:t>
+              <a:t>2) Debe contener definiciones </a:t>
             </a:r>
             <a:r>
               <a:rPr lang="es-MX" b="1" dirty="0" smtClean="0"/>
-              <a:t>verosímil</a:t>
-            </a:r>
+              <a:t>concretas, claras</a:t>
+            </a:r>
+            <a:r>
+              <a:rPr lang="es-MX" dirty="0" smtClean="0"/>
+              <a:t> y </a:t>
+            </a:r>
+            <a:r>
+              <a:rPr lang="es-MX" b="1" dirty="0" smtClean="0"/>
+              <a:t>precisas</a:t>
+            </a:r>
+            <a:r>
+              <a:rPr lang="es-MX" dirty="0" smtClean="0"/>
+              <a:t>.</a:t>
+            </a:r>
+          </a:p>
+          <a:p>
             <a:endParaRPr lang="es-MX" dirty="0"/>
           </a:p>
-        </p:txBody>
-      </p:sp>
-      <p:sp>
-        <p:nvSpPr>
-          <p:cNvPr id="4" name="Rectángulo 3"/>
+          <a:p>
+            <a:pPr lvl="1"/>
+            <a:r>
+              <a:rPr lang="es-MX" dirty="0" smtClean="0">
+                <a:solidFill>
+                  <a:srgbClr val="C00000"/>
+                </a:solidFill>
+              </a:rPr>
+              <a:t>“La gente que vive en países con alto consumo de chocolate son más felices”</a:t>
+            </a:r>
+          </a:p>
+          <a:p>
+            <a:pPr lvl="1"/>
+            <a:r>
+              <a:rPr lang="es-MX" dirty="0" smtClean="0">
+                <a:solidFill>
+                  <a:srgbClr val="C00000"/>
+                </a:solidFill>
+              </a:rPr>
+              <a:t>“Los </a:t>
+            </a:r>
+            <a:r>
+              <a:rPr lang="es-MX" dirty="0" err="1" smtClean="0">
+                <a:solidFill>
+                  <a:srgbClr val="C00000"/>
+                </a:solidFill>
+              </a:rPr>
+              <a:t>youtubers</a:t>
+            </a:r>
+            <a:r>
+              <a:rPr lang="es-MX" dirty="0" smtClean="0">
+                <a:solidFill>
+                  <a:srgbClr val="C00000"/>
+                </a:solidFill>
+              </a:rPr>
+              <a:t> que hacen tutoriales de maquillaje son más queridos por su público”</a:t>
+            </a:r>
+          </a:p>
+          <a:p>
+            <a:pPr lvl="1"/>
+            <a:endParaRPr lang="es-MX" dirty="0"/>
+          </a:p>
+          <a:p>
+            <a:pPr lvl="1"/>
+            <a:r>
+              <a:rPr lang="es-MX" dirty="0" smtClean="0">
+                <a:solidFill>
+                  <a:schemeClr val="accent6">
+                    <a:lumMod val="75000"/>
+                  </a:schemeClr>
+                </a:solidFill>
+              </a:rPr>
+              <a:t>“En los países con alto consumo de chocolate se reporta una menor tasa de suicidios”</a:t>
+            </a:r>
+          </a:p>
+          <a:p>
+            <a:pPr lvl="1"/>
+            <a:r>
+              <a:rPr lang="es-MX" dirty="0" smtClean="0">
+                <a:solidFill>
+                  <a:schemeClr val="accent6">
+                    <a:lumMod val="75000"/>
+                  </a:schemeClr>
+                </a:solidFill>
+              </a:rPr>
+              <a:t>“Los </a:t>
+            </a:r>
+            <a:r>
+              <a:rPr lang="es-MX" dirty="0" err="1" smtClean="0">
+                <a:solidFill>
+                  <a:schemeClr val="accent6">
+                    <a:lumMod val="75000"/>
+                  </a:schemeClr>
+                </a:solidFill>
+              </a:rPr>
+              <a:t>youtubers</a:t>
+            </a:r>
+            <a:r>
+              <a:rPr lang="es-MX" dirty="0" smtClean="0">
+                <a:solidFill>
+                  <a:schemeClr val="accent6">
+                    <a:lumMod val="75000"/>
+                  </a:schemeClr>
+                </a:solidFill>
+              </a:rPr>
+              <a:t> que hacen tutoriales de maquillaje tienen una mayor cantidad de “</a:t>
+            </a:r>
+            <a:r>
+              <a:rPr lang="es-MX" dirty="0" err="1" smtClean="0">
+                <a:solidFill>
+                  <a:schemeClr val="accent6">
+                    <a:lumMod val="75000"/>
+                  </a:schemeClr>
+                </a:solidFill>
+              </a:rPr>
+              <a:t>likes</a:t>
+            </a:r>
+            <a:r>
+              <a:rPr lang="es-MX" dirty="0" smtClean="0">
+                <a:solidFill>
+                  <a:schemeClr val="accent6">
+                    <a:lumMod val="75000"/>
+                  </a:schemeClr>
+                </a:solidFill>
+              </a:rPr>
+              <a:t>” acumulados que cualquier otro tipo de </a:t>
+            </a:r>
+            <a:r>
+              <a:rPr lang="es-MX" dirty="0" err="1" smtClean="0">
+                <a:solidFill>
+                  <a:schemeClr val="accent6">
+                    <a:lumMod val="75000"/>
+                  </a:schemeClr>
+                </a:solidFill>
+              </a:rPr>
+              <a:t>youtuber</a:t>
+            </a:r>
+            <a:r>
+              <a:rPr lang="es-MX" dirty="0" smtClean="0">
+                <a:solidFill>
+                  <a:schemeClr val="accent6">
+                    <a:lumMod val="75000"/>
+                  </a:schemeClr>
+                </a:solidFill>
+              </a:rPr>
+              <a:t>”</a:t>
+            </a:r>
+            <a:endParaRPr lang="es-MX" dirty="0">
+              <a:solidFill>
+                <a:schemeClr val="accent6">
+                  <a:lumMod val="75000"/>
+                </a:schemeClr>
+              </a:solidFill>
+            </a:endParaRPr>
+          </a:p>
+        </p:txBody>
+      </p:sp>
+      <p:sp>
+        <p:nvSpPr>
+          <p:cNvPr id="6" name="Rectángulo 5"/>
           <p:cNvSpPr/>
           <p:nvPr/>
         </p:nvSpPr>
@@ -4942,6 +5993,17 @@
           <a:prstGeom prst="rect">
             <a:avLst/>
           </a:prstGeom>
+          <a:solidFill>
+            <a:schemeClr val="accent4">
+              <a:lumMod val="40000"/>
+              <a:lumOff val="60000"/>
+            </a:schemeClr>
+          </a:solidFill>
+          <a:ln>
+            <a:solidFill>
+              <a:schemeClr val="tx1"/>
+            </a:solidFill>
+          </a:ln>
         </p:spPr>
         <p:style>
           <a:lnRef idx="2">
@@ -4970,7 +6032,7 @@
       </p:sp>
       <p:sp>
         <p:nvSpPr>
-          <p:cNvPr id="5" name="Rectángulo 4"/>
+          <p:cNvPr id="7" name="Rectángulo 6"/>
           <p:cNvSpPr/>
           <p:nvPr/>
         </p:nvSpPr>
@@ -4982,6 +6044,17 @@
           <a:prstGeom prst="rect">
             <a:avLst/>
           </a:prstGeom>
+          <a:solidFill>
+            <a:schemeClr val="accent4">
+              <a:lumMod val="40000"/>
+              <a:lumOff val="60000"/>
+            </a:schemeClr>
+          </a:solidFill>
+          <a:ln>
+            <a:solidFill>
+              <a:schemeClr val="tx1"/>
+            </a:solidFill>
+          </a:ln>
         </p:spPr>
         <p:style>
           <a:lnRef idx="2">
@@ -5011,13 +6084,20 @@
     </p:spTree>
     <p:extLst>
       <p:ext uri="{BB962C8B-B14F-4D97-AF65-F5344CB8AC3E}">
-        <p14:creationId xmlns:p14="http://schemas.microsoft.com/office/powerpoint/2010/main" val="2734388200"/>
+        <p14:creationId xmlns:p14="http://schemas.microsoft.com/office/powerpoint/2010/main" val="820246709"/>
       </p:ext>
     </p:extLst>
   </p:cSld>
   <p:clrMapOvr>
     <a:masterClrMapping/>
   </p:clrMapOvr>
+  <p:timing>
+    <p:tnLst>
+      <p:par>
+        <p:cTn id="1" dur="indefinite" restart="never" nodeType="tmRoot"/>
+      </p:par>
+    </p:tnLst>
+  </p:timing>
 </p:sld>
 </file>
 
@@ -5227,8 +6307,12 @@
           <a:lstStyle/>
           <a:p>
             <a:r>
-              <a:rPr lang="es-MX" dirty="0" smtClean="0"/>
-              <a:t>Características de una Hipótesis</a:t>
+              <a:rPr lang="es-MX" b="1" dirty="0" smtClean="0"/>
+              <a:t>Características</a:t>
+            </a:r>
+            <a:r>
+              <a:rPr lang="es-MX" dirty="0" smtClean="0"/>
+              <a:t> de una Hipótesis</a:t>
             </a:r>
             <a:endParaRPr lang="es-MX" dirty="0"/>
           </a:p>
@@ -5253,27 +6337,62 @@
           <a:p>
             <a:r>
               <a:rPr lang="es-MX" dirty="0" smtClean="0"/>
-              <a:t>Deben ser </a:t>
-            </a:r>
-            <a:r>
-              <a:rPr lang="es-MX" b="1" dirty="0" err="1" smtClean="0"/>
-              <a:t>falseables</a:t>
+              <a:t>3) Debe ser </a:t>
             </a:r>
             <a:r>
               <a:rPr lang="es-MX" b="1" dirty="0" smtClean="0"/>
-              <a:t> </a:t>
-            </a:r>
-            <a:r>
-              <a:rPr lang="es-MX" dirty="0" smtClean="0"/>
-              <a:t>y estar planteadas en términos de variables que puedan ser observadas y medidas.</a:t>
-            </a:r>
+              <a:t>verosímil </a:t>
+            </a:r>
+          </a:p>
+          <a:p>
+            <a:pPr marL="457200" lvl="1" indent="0">
+              <a:buNone/>
+            </a:pPr>
+            <a:endParaRPr lang="es-MX" b="1" dirty="0" smtClean="0"/>
+          </a:p>
+          <a:p>
+            <a:pPr lvl="1"/>
+            <a:r>
+              <a:rPr lang="es-MX" dirty="0" smtClean="0"/>
+              <a:t>“Las multas de tránsito varían de forma directamente proporcional al número de pingüinos en el Polo Sur”</a:t>
+            </a:r>
+          </a:p>
+          <a:p>
+            <a:pPr lvl="1"/>
+            <a:r>
+              <a:rPr lang="es-MX" dirty="0" smtClean="0"/>
+              <a:t>“Las multas de tránsito varían de forma directamente proporcional al salario mínimo en México”</a:t>
+            </a:r>
+          </a:p>
+          <a:p>
+            <a:pPr lvl="1"/>
             <a:endParaRPr lang="es-MX" dirty="0"/>
           </a:p>
-        </p:txBody>
-      </p:sp>
-      <p:sp>
-        <p:nvSpPr>
-          <p:cNvPr id="4" name="Rectángulo 3"/>
+          <a:p>
+            <a:pPr lvl="1"/>
+            <a:r>
+              <a:rPr lang="es-MX" dirty="0" smtClean="0"/>
+              <a:t>“Existe una relación positiva entre el consumo de chocolates y el desarrollo de las habilidades cognitivas”</a:t>
+            </a:r>
+          </a:p>
+          <a:p>
+            <a:pPr marL="457200" lvl="1" indent="0">
+              <a:buNone/>
+            </a:pPr>
+            <a:endParaRPr lang="es-MX" dirty="0" smtClean="0"/>
+          </a:p>
+          <a:p>
+            <a:endParaRPr lang="es-MX" b="1" dirty="0"/>
+          </a:p>
+          <a:p>
+            <a:pPr lvl="1"/>
+            <a:endParaRPr lang="es-MX" dirty="0"/>
+          </a:p>
+        </p:txBody>
+      </p:sp>
+      <p:sp>
+        <p:nvSpPr>
+          <p:cNvPr id="6" name="Rectángulo 5"/>
           <p:cNvSpPr/>
           <p:nvPr/>
         </p:nvSpPr>
@@ -5285,6 +6404,17 @@
           <a:prstGeom prst="rect">
             <a:avLst/>
           </a:prstGeom>
+          <a:solidFill>
+            <a:schemeClr val="accent4">
+              <a:lumMod val="40000"/>
+              <a:lumOff val="60000"/>
+            </a:schemeClr>
+          </a:solidFill>
+          <a:ln>
+            <a:solidFill>
+              <a:schemeClr val="tx1"/>
+            </a:solidFill>
+          </a:ln>
         </p:spPr>
         <p:style>
           <a:lnRef idx="2">
@@ -5313,7 +6443,7 @@
       </p:sp>
       <p:sp>
         <p:nvSpPr>
-          <p:cNvPr id="5" name="Rectángulo 4"/>
+          <p:cNvPr id="7" name="Rectángulo 6"/>
           <p:cNvSpPr/>
           <p:nvPr/>
         </p:nvSpPr>
@@ -5325,6 +6455,17 @@
           <a:prstGeom prst="rect">
             <a:avLst/>
           </a:prstGeom>
+          <a:solidFill>
+            <a:schemeClr val="accent4">
+              <a:lumMod val="40000"/>
+              <a:lumOff val="60000"/>
+            </a:schemeClr>
+          </a:solidFill>
+          <a:ln>
+            <a:solidFill>
+              <a:schemeClr val="tx1"/>
+            </a:solidFill>
+          </a:ln>
         </p:spPr>
         <p:style>
           <a:lnRef idx="2">
@@ -5354,13 +6495,20 @@
     </p:spTree>
     <p:extLst>
       <p:ext uri="{BB962C8B-B14F-4D97-AF65-F5344CB8AC3E}">
-        <p14:creationId xmlns:p14="http://schemas.microsoft.com/office/powerpoint/2010/main" val="2759917937"/>
+        <p14:creationId xmlns:p14="http://schemas.microsoft.com/office/powerpoint/2010/main" val="2734388200"/>
       </p:ext>
     </p:extLst>
   </p:cSld>
   <p:clrMapOvr>
     <a:masterClrMapping/>
   </p:clrMapOvr>
+  <p:timing>
+    <p:tnLst>
+      <p:par>
+        <p:cTn id="1" dur="indefinite" restart="never" nodeType="tmRoot"/>
+      </p:par>
+    </p:tnLst>
+  </p:timing>
 </p:sld>
 </file>
 
@@ -5397,8 +6545,12 @@
           <a:lstStyle/>
           <a:p>
             <a:r>
-              <a:rPr lang="es-MX" dirty="0" smtClean="0"/>
-              <a:t>Características de una Hipótesis</a:t>
+              <a:rPr lang="es-MX" b="1" dirty="0" smtClean="0"/>
+              <a:t>Características</a:t>
+            </a:r>
+            <a:r>
+              <a:rPr lang="es-MX" dirty="0" smtClean="0"/>
+              <a:t> de una Hipótesis</a:t>
             </a:r>
             <a:endParaRPr lang="es-MX" dirty="0"/>
           </a:p>
@@ -5423,31 +6575,76 @@
           <a:p>
             <a:r>
               <a:rPr lang="es-MX" dirty="0" smtClean="0"/>
-              <a:t>Deben ser consistentes con las </a:t>
+              <a:t>4) Deben ser </a:t>
+            </a:r>
+            <a:r>
+              <a:rPr lang="es-MX" b="1" dirty="0" err="1" smtClean="0"/>
+              <a:t>falseables</a:t>
             </a:r>
             <a:r>
               <a:rPr lang="es-MX" b="1" dirty="0" smtClean="0"/>
-              <a:t>técnicas </a:t>
-            </a:r>
-            <a:r>
-              <a:rPr lang="es-MX" dirty="0" smtClean="0"/>
-              <a:t>e </a:t>
-            </a:r>
-            <a:r>
-              <a:rPr lang="es-MX" b="1" dirty="0" smtClean="0"/>
-              <a:t>instrumentos </a:t>
-            </a:r>
-            <a:r>
-              <a:rPr lang="es-MX" dirty="0" smtClean="0"/>
-              <a:t>con que se cuenta para probarlas</a:t>
-            </a:r>
+              <a:t> </a:t>
+            </a:r>
+            <a:r>
+              <a:rPr lang="es-MX" dirty="0" smtClean="0"/>
+              <a:t>y estar planteadas en términos de variables que puedan ser observadas y medidas.</a:t>
+            </a:r>
+          </a:p>
+          <a:p>
             <a:endParaRPr lang="es-MX" dirty="0"/>
           </a:p>
-        </p:txBody>
-      </p:sp>
-      <p:sp>
-        <p:nvSpPr>
-          <p:cNvPr id="4" name="Rectángulo 3"/>
+          <a:p>
+            <a:pPr lvl="1"/>
+            <a:r>
+              <a:rPr lang="es-MX" dirty="0" smtClean="0">
+                <a:solidFill>
+                  <a:srgbClr val="C00000"/>
+                </a:solidFill>
+              </a:rPr>
+              <a:t>“A la gente buena le va mejor en la vida”</a:t>
+            </a:r>
+          </a:p>
+          <a:p>
+            <a:pPr lvl="1"/>
+            <a:r>
+              <a:rPr lang="es-MX" dirty="0" smtClean="0"/>
+              <a:t>“Las personas que realizan al menos una actividad altruista al mes reporta niveles más altos de satisfacción personal”</a:t>
+            </a:r>
+            <a:endParaRPr lang="es-MX" dirty="0"/>
+          </a:p>
+          <a:p>
+            <a:pPr lvl="1"/>
+            <a:endParaRPr lang="es-MX" dirty="0" smtClean="0"/>
+          </a:p>
+          <a:p>
+            <a:pPr lvl="1"/>
+            <a:r>
+              <a:rPr lang="es-MX" dirty="0" smtClean="0">
+                <a:solidFill>
+                  <a:srgbClr val="C00000"/>
+                </a:solidFill>
+              </a:rPr>
+              <a:t>“Las parejas que comparten sus miedos e inseguridades se aman más”</a:t>
+            </a:r>
+          </a:p>
+          <a:p>
+            <a:pPr lvl="1"/>
+            <a:r>
+              <a:rPr lang="es-MX" dirty="0" smtClean="0"/>
+              <a:t>“Las parejas conformadas por personas que comparten la misma carrera reportan sentirse más satisfechas con su relación”</a:t>
+            </a:r>
+          </a:p>
+          <a:p>
+            <a:pPr marL="457200" lvl="1" indent="0">
+              <a:buNone/>
+            </a:pPr>
+            <a:endParaRPr lang="es-MX" dirty="0"/>
+          </a:p>
+        </p:txBody>
+      </p:sp>
+      <p:sp>
+        <p:nvSpPr>
+          <p:cNvPr id="6" name="Rectángulo 5"/>
           <p:cNvSpPr/>
           <p:nvPr/>
         </p:nvSpPr>
@@ -5459,6 +6656,17 @@
           <a:prstGeom prst="rect">
             <a:avLst/>
           </a:prstGeom>
+          <a:solidFill>
+            <a:schemeClr val="accent4">
+              <a:lumMod val="40000"/>
+              <a:lumOff val="60000"/>
+            </a:schemeClr>
+          </a:solidFill>
+          <a:ln>
+            <a:solidFill>
+              <a:schemeClr val="tx1"/>
+            </a:solidFill>
+          </a:ln>
         </p:spPr>
         <p:style>
           <a:lnRef idx="2">
@@ -5487,7 +6695,7 @@
       </p:sp>
       <p:sp>
         <p:nvSpPr>
-          <p:cNvPr id="5" name="Rectángulo 4"/>
+          <p:cNvPr id="7" name="Rectángulo 6"/>
           <p:cNvSpPr/>
           <p:nvPr/>
         </p:nvSpPr>
@@ -5499,6 +6707,17 @@
           <a:prstGeom prst="rect">
             <a:avLst/>
           </a:prstGeom>
+          <a:solidFill>
+            <a:schemeClr val="accent4">
+              <a:lumMod val="40000"/>
+              <a:lumOff val="60000"/>
+            </a:schemeClr>
+          </a:solidFill>
+          <a:ln>
+            <a:solidFill>
+              <a:schemeClr val="tx1"/>
+            </a:solidFill>
+          </a:ln>
         </p:spPr>
         <p:style>
           <a:lnRef idx="2">
@@ -5528,13 +6747,20 @@
     </p:spTree>
     <p:extLst>
       <p:ext uri="{BB962C8B-B14F-4D97-AF65-F5344CB8AC3E}">
-        <p14:creationId xmlns:p14="http://schemas.microsoft.com/office/powerpoint/2010/main" val="3809341010"/>
+        <p14:creationId xmlns:p14="http://schemas.microsoft.com/office/powerpoint/2010/main" val="2759917937"/>
       </p:ext>
     </p:extLst>
   </p:cSld>
   <p:clrMapOvr>
     <a:masterClrMapping/>
   </p:clrMapOvr>
+  <p:timing>
+    <p:tnLst>
+      <p:par>
+        <p:cTn id="1" dur="indefinite" restart="never" nodeType="tmRoot"/>
+      </p:par>
+    </p:tnLst>
+  </p:timing>
 </p:sld>
 </file>
 
@@ -5562,7 +6788,7 @@
             <a:spLocks noGrp="1"/>
           </p:cNvSpPr>
           <p:nvPr>
-            <p:ph type="ctrTitle"/>
+            <p:ph type="title"/>
           </p:nvPr>
         </p:nvSpPr>
         <p:spPr/>
@@ -5571,124 +6797,191 @@
           <a:lstStyle/>
           <a:p>
             <a:r>
-              <a:rPr lang="es-MX" b="1" dirty="0" smtClean="0">
-                <a:effectLst>
-                  <a:outerShdw blurRad="38100" dist="38100" dir="2700000" algn="tl">
-                    <a:srgbClr val="000000">
-                      <a:alpha val="43137"/>
-                    </a:srgbClr>
-                  </a:outerShdw>
-                </a:effectLst>
-              </a:rPr>
-              <a:t>Tipos de Hipótesis</a:t>
-            </a:r>
-            <a:endParaRPr lang="es-MX" b="1" dirty="0">
-              <a:effectLst>
-                <a:outerShdw blurRad="38100" dist="38100" dir="2700000" algn="tl">
-                  <a:srgbClr val="000000">
-                    <a:alpha val="43137"/>
-                  </a:srgbClr>
-                </a:outerShdw>
-              </a:effectLst>
-            </a:endParaRPr>
-          </a:p>
-        </p:txBody>
-      </p:sp>
-      <p:sp>
-        <p:nvSpPr>
-          <p:cNvPr id="3" name="Subtítulo 2"/>
-          <p:cNvSpPr>
-            <a:spLocks noGrp="1"/>
-          </p:cNvSpPr>
-          <p:nvPr>
-            <p:ph type="subTitle" idx="1"/>
+              <a:rPr lang="es-MX" b="1" dirty="0" smtClean="0"/>
+              <a:t>Características</a:t>
+            </a:r>
+            <a:r>
+              <a:rPr lang="es-MX" dirty="0" smtClean="0"/>
+              <a:t> de una Hipótesis</a:t>
+            </a:r>
+            <a:endParaRPr lang="es-MX" dirty="0"/>
+          </a:p>
+        </p:txBody>
+      </p:sp>
+      <p:sp>
+        <p:nvSpPr>
+          <p:cNvPr id="3" name="Marcador de contenido 2"/>
+          <p:cNvSpPr>
+            <a:spLocks noGrp="1"/>
+          </p:cNvSpPr>
+          <p:nvPr>
+            <p:ph idx="1"/>
           </p:nvPr>
         </p:nvSpPr>
         <p:spPr/>
         <p:txBody>
-          <a:bodyPr/>
-          <a:lstStyle/>
-          <a:p>
-            <a:pPr marL="342900" indent="-342900">
-              <a:buFont typeface="Arial" panose="020B0604020202020204" pitchFamily="34" charset="0"/>
-              <a:buChar char="•"/>
-            </a:pPr>
-            <a:r>
-              <a:rPr lang="es-MX" dirty="0" smtClean="0"/>
-              <a:t>¿Qué son?</a:t>
-            </a:r>
-          </a:p>
-          <a:p>
-            <a:pPr marL="342900" indent="-342900">
-              <a:buFont typeface="Arial" panose="020B0604020202020204" pitchFamily="34" charset="0"/>
-              <a:buChar char="•"/>
-            </a:pPr>
-            <a:r>
-              <a:rPr lang="es-MX" dirty="0" smtClean="0"/>
-              <a:t>¿Cuándo es conveniente utilizarlas?</a:t>
-            </a:r>
-          </a:p>
-          <a:p>
-            <a:pPr marL="342900" indent="-342900">
-              <a:buFont typeface="Arial" panose="020B0604020202020204" pitchFamily="34" charset="0"/>
-              <a:buChar char="•"/>
-            </a:pPr>
+          <a:bodyPr>
+            <a:normAutofit/>
+          </a:bodyPr>
+          <a:lstStyle/>
+          <a:p>
+            <a:r>
+              <a:rPr lang="es-MX" dirty="0" smtClean="0"/>
+              <a:t>5) Deben ser consistentes con las </a:t>
+            </a:r>
+            <a:r>
+              <a:rPr lang="es-MX" b="1" dirty="0" smtClean="0"/>
+              <a:t>técnicas </a:t>
+            </a:r>
+            <a:r>
+              <a:rPr lang="es-MX" dirty="0" smtClean="0"/>
+              <a:t>e </a:t>
+            </a:r>
+            <a:r>
+              <a:rPr lang="es-MX" b="1" dirty="0" smtClean="0"/>
+              <a:t>instrumentos </a:t>
+            </a:r>
+            <a:r>
+              <a:rPr lang="es-MX" dirty="0" smtClean="0"/>
+              <a:t>con que se cuenta para probarlas.</a:t>
+            </a:r>
+          </a:p>
+          <a:p>
             <a:endParaRPr lang="es-MX" dirty="0"/>
           </a:p>
-        </p:txBody>
-      </p:sp>
-      <p:pic>
-        <p:nvPicPr>
-          <p:cNvPr id="4" name="Imagen 3"/>
-          <p:cNvPicPr>
-            <a:picLocks noChangeAspect="1"/>
-          </p:cNvPicPr>
+          <a:p>
+            <a:pPr lvl="1"/>
+            <a:r>
+              <a:rPr lang="es-MX" dirty="0" smtClean="0"/>
+              <a:t>“Los adultos que no “meten las manos” cuando se caen, son aquellas que de niño no aprendieron a gatear”</a:t>
+            </a:r>
+          </a:p>
+          <a:p>
+            <a:pPr lvl="1"/>
+            <a:endParaRPr lang="es-MX" dirty="0" smtClean="0"/>
+          </a:p>
+          <a:p>
+            <a:pPr lvl="1"/>
+            <a:r>
+              <a:rPr lang="es-MX" dirty="0" smtClean="0"/>
+              <a:t>“El contenido de los sueños está relacionado con el contenido de su inconsciente”</a:t>
+            </a:r>
+          </a:p>
+          <a:p>
+            <a:endParaRPr lang="es-MX" dirty="0"/>
+          </a:p>
+          <a:p>
+            <a:pPr lvl="1"/>
+            <a:endParaRPr lang="es-MX" dirty="0"/>
+          </a:p>
+        </p:txBody>
+      </p:sp>
+      <p:sp>
+        <p:nvSpPr>
+          <p:cNvPr id="6" name="Rectángulo 5"/>
+          <p:cNvSpPr/>
           <p:nvPr/>
-        </p:nvPicPr>
-        <p:blipFill>
-          <a:blip r:embed="rId2"/>
-          <a:stretch>
-            <a:fillRect/>
-          </a:stretch>
-        </p:blipFill>
+        </p:nvSpPr>
         <p:spPr>
           <a:xfrm>
             <a:off x="0" y="0"/>
-            <a:ext cx="12192000" cy="1343025"/>
+            <a:ext cx="12192000" cy="203200"/>
           </a:xfrm>
           <a:prstGeom prst="rect">
             <a:avLst/>
           </a:prstGeom>
-        </p:spPr>
-      </p:pic>
-      <p:pic>
-        <p:nvPicPr>
-          <p:cNvPr id="5" name="Imagen 4"/>
-          <p:cNvPicPr>
-            <a:picLocks noChangeAspect="1"/>
-          </p:cNvPicPr>
+          <a:solidFill>
+            <a:schemeClr val="accent4">
+              <a:lumMod val="40000"/>
+              <a:lumOff val="60000"/>
+            </a:schemeClr>
+          </a:solidFill>
+          <a:ln>
+            <a:solidFill>
+              <a:schemeClr val="tx1"/>
+            </a:solidFill>
+          </a:ln>
+        </p:spPr>
+        <p:style>
+          <a:lnRef idx="2">
+            <a:schemeClr val="accent1">
+              <a:shade val="50000"/>
+            </a:schemeClr>
+          </a:lnRef>
+          <a:fillRef idx="1">
+            <a:schemeClr val="accent1"/>
+          </a:fillRef>
+          <a:effectRef idx="0">
+            <a:schemeClr val="accent1"/>
+          </a:effectRef>
+          <a:fontRef idx="minor">
+            <a:schemeClr val="lt1"/>
+          </a:fontRef>
+        </p:style>
+        <p:txBody>
+          <a:bodyPr rtlCol="0" anchor="ctr"/>
+          <a:lstStyle/>
+          <a:p>
+            <a:pPr algn="ctr"/>
+            <a:endParaRPr lang="es-MX"/>
+          </a:p>
+        </p:txBody>
+      </p:sp>
+      <p:sp>
+        <p:nvSpPr>
+          <p:cNvPr id="7" name="Rectángulo 6"/>
+          <p:cNvSpPr/>
           <p:nvPr/>
-        </p:nvPicPr>
-        <p:blipFill>
-          <a:blip r:embed="rId2"/>
-          <a:stretch>
-            <a:fillRect/>
-          </a:stretch>
-        </p:blipFill>
+        </p:nvSpPr>
         <p:spPr>
           <a:xfrm>
-            <a:off x="0" y="5514975"/>
-            <a:ext cx="12192000" cy="1343025"/>
+            <a:off x="0" y="6654800"/>
+            <a:ext cx="12192000" cy="203200"/>
           </a:xfrm>
           <a:prstGeom prst="rect">
             <a:avLst/>
           </a:prstGeom>
-        </p:spPr>
-      </p:pic>
+          <a:solidFill>
+            <a:schemeClr val="accent4">
+              <a:lumMod val="40000"/>
+              <a:lumOff val="60000"/>
+            </a:schemeClr>
+          </a:solidFill>
+          <a:ln>
+            <a:solidFill>
+              <a:schemeClr val="tx1"/>
+            </a:solidFill>
+          </a:ln>
+        </p:spPr>
+        <p:style>
+          <a:lnRef idx="2">
+            <a:schemeClr val="accent1">
+              <a:shade val="50000"/>
+            </a:schemeClr>
+          </a:lnRef>
+          <a:fillRef idx="1">
+            <a:schemeClr val="accent1"/>
+          </a:fillRef>
+          <a:effectRef idx="0">
+            <a:schemeClr val="accent1"/>
+          </a:effectRef>
+          <a:fontRef idx="minor">
+            <a:schemeClr val="lt1"/>
+          </a:fontRef>
+        </p:style>
+        <p:txBody>
+          <a:bodyPr rtlCol="0" anchor="ctr"/>
+          <a:lstStyle/>
+          <a:p>
+            <a:pPr algn="ctr"/>
+            <a:endParaRPr lang="es-MX"/>
+          </a:p>
+        </p:txBody>
+      </p:sp>
     </p:spTree>
     <p:extLst>
       <p:ext uri="{BB962C8B-B14F-4D97-AF65-F5344CB8AC3E}">
-        <p14:creationId xmlns:p14="http://schemas.microsoft.com/office/powerpoint/2010/main" val="1784183117"/>
+        <p14:creationId xmlns:p14="http://schemas.microsoft.com/office/powerpoint/2010/main" val="3809341010"/>
       </p:ext>
     </p:extLst>
   </p:cSld>
@@ -5729,7 +7022,7 @@
             <a:spLocks noGrp="1"/>
           </p:cNvSpPr>
           <p:nvPr>
-            <p:ph type="title"/>
+            <p:ph type="ctrTitle"/>
           </p:nvPr>
         </p:nvSpPr>
         <p:spPr/>
@@ -5738,157 +7031,124 @@
           <a:lstStyle/>
           <a:p>
             <a:r>
-              <a:rPr lang="es-MX" dirty="0" smtClean="0"/>
-              <a:t>1) Hipótesis de Investigación</a:t>
-            </a:r>
+              <a:rPr lang="es-MX" b="1" dirty="0" smtClean="0">
+                <a:effectLst>
+                  <a:outerShdw blurRad="38100" dist="38100" dir="2700000" algn="tl">
+                    <a:srgbClr val="000000">
+                      <a:alpha val="43137"/>
+                    </a:srgbClr>
+                  </a:outerShdw>
+                </a:effectLst>
+              </a:rPr>
+              <a:t>Tipos de Hipótesis</a:t>
+            </a:r>
+            <a:endParaRPr lang="es-MX" b="1" dirty="0">
+              <a:effectLst>
+                <a:outerShdw blurRad="38100" dist="38100" dir="2700000" algn="tl">
+                  <a:srgbClr val="000000">
+                    <a:alpha val="43137"/>
+                  </a:srgbClr>
+                </a:outerShdw>
+              </a:effectLst>
+            </a:endParaRPr>
+          </a:p>
+        </p:txBody>
+      </p:sp>
+      <p:sp>
+        <p:nvSpPr>
+          <p:cNvPr id="3" name="Subtítulo 2"/>
+          <p:cNvSpPr>
+            <a:spLocks noGrp="1"/>
+          </p:cNvSpPr>
+          <p:nvPr>
+            <p:ph type="subTitle" idx="1"/>
+          </p:nvPr>
+        </p:nvSpPr>
+        <p:spPr/>
+        <p:txBody>
+          <a:bodyPr/>
+          <a:lstStyle/>
+          <a:p>
+            <a:pPr marL="342900" indent="-342900">
+              <a:buFont typeface="Arial" panose="020B0604020202020204" pitchFamily="34" charset="0"/>
+              <a:buChar char="•"/>
+            </a:pPr>
+            <a:endParaRPr lang="es-MX" dirty="0" smtClean="0"/>
+          </a:p>
+          <a:p>
+            <a:pPr marL="342900" indent="-342900">
+              <a:buFont typeface="Arial" panose="020B0604020202020204" pitchFamily="34" charset="0"/>
+              <a:buChar char="•"/>
+            </a:pPr>
             <a:endParaRPr lang="es-MX" dirty="0"/>
           </a:p>
         </p:txBody>
       </p:sp>
-      <p:sp>
-        <p:nvSpPr>
-          <p:cNvPr id="3" name="Marcador de contenido 2"/>
-          <p:cNvSpPr>
-            <a:spLocks noGrp="1"/>
-          </p:cNvSpPr>
-          <p:nvPr>
-            <p:ph idx="1"/>
-          </p:nvPr>
-        </p:nvSpPr>
-        <p:spPr/>
-        <p:txBody>
-          <a:bodyPr/>
-          <a:lstStyle/>
-          <a:p>
-            <a:r>
-              <a:rPr lang="es-MX" dirty="0" smtClean="0"/>
-              <a:t>A) Descriptivas de un valor o </a:t>
-            </a:r>
-            <a:r>
-              <a:rPr lang="es-MX" smtClean="0"/>
-              <a:t>dato pronosticado</a:t>
-            </a:r>
-            <a:endParaRPr lang="es-MX" dirty="0" smtClean="0"/>
-          </a:p>
-          <a:p>
-            <a:endParaRPr lang="es-MX" dirty="0" smtClean="0"/>
-          </a:p>
-          <a:p>
-            <a:r>
-              <a:rPr lang="es-MX" dirty="0" smtClean="0"/>
-              <a:t>B)</a:t>
-            </a:r>
-          </a:p>
-          <a:p>
-            <a:endParaRPr lang="es-MX" dirty="0" smtClean="0"/>
-          </a:p>
-          <a:p>
-            <a:r>
-              <a:rPr lang="es-MX" dirty="0" smtClean="0"/>
-              <a:t>C)</a:t>
-            </a:r>
-          </a:p>
-          <a:p>
-            <a:endParaRPr lang="es-MX" dirty="0" smtClean="0"/>
-          </a:p>
-          <a:p>
-            <a:r>
-              <a:rPr lang="es-MX" dirty="0" smtClean="0"/>
-              <a:t>D)</a:t>
-            </a:r>
-          </a:p>
-        </p:txBody>
-      </p:sp>
-      <p:sp>
-        <p:nvSpPr>
-          <p:cNvPr id="4" name="Rectángulo 3"/>
-          <p:cNvSpPr/>
+      <p:pic>
+        <p:nvPicPr>
+          <p:cNvPr id="4" name="Imagen 3"/>
+          <p:cNvPicPr>
+            <a:picLocks noChangeAspect="1"/>
+          </p:cNvPicPr>
           <p:nvPr/>
-        </p:nvSpPr>
+        </p:nvPicPr>
+        <p:blipFill>
+          <a:blip r:embed="rId2"/>
+          <a:stretch>
+            <a:fillRect/>
+          </a:stretch>
+        </p:blipFill>
         <p:spPr>
           <a:xfrm>
             <a:off x="0" y="0"/>
-            <a:ext cx="12192000" cy="203200"/>
+            <a:ext cx="12192000" cy="1343025"/>
           </a:xfrm>
           <a:prstGeom prst="rect">
             <a:avLst/>
           </a:prstGeom>
         </p:spPr>
-        <p:style>
-          <a:lnRef idx="2">
-            <a:schemeClr val="accent1">
-              <a:shade val="50000"/>
-            </a:schemeClr>
-          </a:lnRef>
-          <a:fillRef idx="1">
-            <a:schemeClr val="accent1"/>
-          </a:fillRef>
-          <a:effectRef idx="0">
-            <a:schemeClr val="accent1"/>
-          </a:effectRef>
-          <a:fontRef idx="minor">
-            <a:schemeClr val="lt1"/>
-          </a:fontRef>
-        </p:style>
-        <p:txBody>
-          <a:bodyPr rtlCol="0" anchor="ctr"/>
-          <a:lstStyle/>
-          <a:p>
-            <a:pPr algn="ctr"/>
-            <a:endParaRPr lang="es-MX"/>
-          </a:p>
-        </p:txBody>
-      </p:sp>
-      <p:sp>
-        <p:nvSpPr>
-          <p:cNvPr id="5" name="Rectángulo 4"/>
-          <p:cNvSpPr/>
+      </p:pic>
+      <p:pic>
+        <p:nvPicPr>
+          <p:cNvPr id="5" name="Imagen 4"/>
+          <p:cNvPicPr>
+            <a:picLocks noChangeAspect="1"/>
+          </p:cNvPicPr>
           <p:nvPr/>
-        </p:nvSpPr>
+        </p:nvPicPr>
+        <p:blipFill>
+          <a:blip r:embed="rId2"/>
+          <a:stretch>
+            <a:fillRect/>
+          </a:stretch>
+        </p:blipFill>
         <p:spPr>
           <a:xfrm>
-            <a:off x="0" y="6654800"/>
-            <a:ext cx="12192000" cy="203200"/>
+            <a:off x="0" y="5514975"/>
+            <a:ext cx="12192000" cy="1343025"/>
           </a:xfrm>
           <a:prstGeom prst="rect">
             <a:avLst/>
           </a:prstGeom>
         </p:spPr>
-        <p:style>
-          <a:lnRef idx="2">
-            <a:schemeClr val="accent1">
-              <a:shade val="50000"/>
-            </a:schemeClr>
-          </a:lnRef>
-          <a:fillRef idx="1">
-            <a:schemeClr val="accent1"/>
-          </a:fillRef>
-          <a:effectRef idx="0">
-            <a:schemeClr val="accent1"/>
-          </a:effectRef>
-          <a:fontRef idx="minor">
-            <a:schemeClr val="lt1"/>
-          </a:fontRef>
-        </p:style>
-        <p:txBody>
-          <a:bodyPr rtlCol="0" anchor="ctr"/>
-          <a:lstStyle/>
-          <a:p>
-            <a:pPr algn="ctr"/>
-            <a:endParaRPr lang="es-MX"/>
-          </a:p>
-        </p:txBody>
-      </p:sp>
+      </p:pic>
     </p:spTree>
     <p:extLst>
       <p:ext uri="{BB962C8B-B14F-4D97-AF65-F5344CB8AC3E}">
-        <p14:creationId xmlns:p14="http://schemas.microsoft.com/office/powerpoint/2010/main" val="81400658"/>
+        <p14:creationId xmlns:p14="http://schemas.microsoft.com/office/powerpoint/2010/main" val="1784183117"/>
       </p:ext>
     </p:extLst>
   </p:cSld>
   <p:clrMapOvr>
     <a:masterClrMapping/>
   </p:clrMapOvr>
+  <p:timing>
+    <p:tnLst>
+      <p:par>
+        <p:cTn id="1" dur="indefinite" restart="never" nodeType="tmRoot"/>
+      </p:par>
+    </p:tnLst>
+  </p:timing>
 </p:sld>
 </file>
 
@@ -5926,7 +7186,7 @@
           <a:p>
             <a:r>
               <a:rPr lang="es-MX" dirty="0" smtClean="0"/>
-              <a:t>2) Hipótesis Nula</a:t>
+              <a:t>1) Hipótesis de Investigación</a:t>
             </a:r>
             <a:endParaRPr lang="es-MX" dirty="0"/>
           </a:p>
@@ -5947,7 +7207,42 @@
           <a:bodyPr/>
           <a:lstStyle/>
           <a:p>
-            <a:endParaRPr lang="es-MX"/>
+            <a:r>
+              <a:rPr lang="es-MX" dirty="0" smtClean="0"/>
+              <a:t>A) Descriptivas de un valor o </a:t>
+            </a:r>
+            <a:r>
+              <a:rPr lang="es-MX" smtClean="0"/>
+              <a:t>dato pronosticado</a:t>
+            </a:r>
+            <a:endParaRPr lang="es-MX" dirty="0" smtClean="0"/>
+          </a:p>
+          <a:p>
+            <a:endParaRPr lang="es-MX" dirty="0" smtClean="0"/>
+          </a:p>
+          <a:p>
+            <a:r>
+              <a:rPr lang="es-MX" dirty="0" smtClean="0"/>
+              <a:t>B)</a:t>
+            </a:r>
+          </a:p>
+          <a:p>
+            <a:endParaRPr lang="es-MX" dirty="0" smtClean="0"/>
+          </a:p>
+          <a:p>
+            <a:r>
+              <a:rPr lang="es-MX" dirty="0" smtClean="0"/>
+              <a:t>C)</a:t>
+            </a:r>
+          </a:p>
+          <a:p>
+            <a:endParaRPr lang="es-MX" dirty="0" smtClean="0"/>
+          </a:p>
+          <a:p>
+            <a:r>
+              <a:rPr lang="es-MX" dirty="0" smtClean="0"/>
+              <a:t>D)</a:t>
+            </a:r>
           </a:p>
         </p:txBody>
       </p:sp>
@@ -6034,13 +7329,20 @@
     </p:spTree>
     <p:extLst>
       <p:ext uri="{BB962C8B-B14F-4D97-AF65-F5344CB8AC3E}">
-        <p14:creationId xmlns:p14="http://schemas.microsoft.com/office/powerpoint/2010/main" val="3099340501"/>
+        <p14:creationId xmlns:p14="http://schemas.microsoft.com/office/powerpoint/2010/main" val="81400658"/>
       </p:ext>
     </p:extLst>
   </p:cSld>
   <p:clrMapOvr>
     <a:masterClrMapping/>
   </p:clrMapOvr>
+  <p:timing>
+    <p:tnLst>
+      <p:par>
+        <p:cTn id="1" dur="indefinite" restart="never" nodeType="tmRoot"/>
+      </p:par>
+    </p:tnLst>
+  </p:timing>
 </p:sld>
 </file>
 
@@ -6078,7 +7380,7 @@
           <a:p>
             <a:r>
               <a:rPr lang="es-MX" dirty="0" smtClean="0"/>
-              <a:t>3) Hipótesis Alternativa</a:t>
+              <a:t>2) Hipótesis Nula</a:t>
             </a:r>
             <a:endParaRPr lang="es-MX" dirty="0"/>
           </a:p>
@@ -6186,13 +7488,20 @@
     </p:spTree>
     <p:extLst>
       <p:ext uri="{BB962C8B-B14F-4D97-AF65-F5344CB8AC3E}">
-        <p14:creationId xmlns:p14="http://schemas.microsoft.com/office/powerpoint/2010/main" val="1252387225"/>
+        <p14:creationId xmlns:p14="http://schemas.microsoft.com/office/powerpoint/2010/main" val="3099340501"/>
       </p:ext>
     </p:extLst>
   </p:cSld>
   <p:clrMapOvr>
     <a:masterClrMapping/>
   </p:clrMapOvr>
+  <p:timing>
+    <p:tnLst>
+      <p:par>
+        <p:cTn id="1" dur="indefinite" restart="never" nodeType="tmRoot"/>
+      </p:par>
+    </p:tnLst>
+  </p:timing>
 </p:sld>
 </file>
 
@@ -6230,7 +7539,7 @@
           <a:p>
             <a:r>
               <a:rPr lang="es-MX" dirty="0" smtClean="0"/>
-              <a:t>4) Hipótesis estadística</a:t>
+              <a:t>3) Hipótesis Alternativa</a:t>
             </a:r>
             <a:endParaRPr lang="es-MX" dirty="0"/>
           </a:p>
@@ -6338,7 +7647,7 @@
     </p:spTree>
     <p:extLst>
       <p:ext uri="{BB962C8B-B14F-4D97-AF65-F5344CB8AC3E}">
-        <p14:creationId xmlns:p14="http://schemas.microsoft.com/office/powerpoint/2010/main" val="1326175479"/>
+        <p14:creationId xmlns:p14="http://schemas.microsoft.com/office/powerpoint/2010/main" val="1252387225"/>
       </p:ext>
     </p:extLst>
   </p:cSld>
@@ -6380,7 +7689,11 @@
           <a:bodyPr/>
           <a:lstStyle/>
           <a:p>
-            <a:endParaRPr lang="es-MX"/>
+            <a:r>
+              <a:rPr lang="es-MX" dirty="0" smtClean="0"/>
+              <a:t>4) Hipótesis estadística</a:t>
+            </a:r>
+            <a:endParaRPr lang="es-MX" dirty="0"/>
           </a:p>
         </p:txBody>
       </p:sp>
@@ -6486,7 +7799,7 @@
     </p:spTree>
     <p:extLst>
       <p:ext uri="{BB962C8B-B14F-4D97-AF65-F5344CB8AC3E}">
-        <p14:creationId xmlns:p14="http://schemas.microsoft.com/office/powerpoint/2010/main" val="2953009323"/>
+        <p14:creationId xmlns:p14="http://schemas.microsoft.com/office/powerpoint/2010/main" val="1326175479"/>
       </p:ext>
     </p:extLst>
   </p:cSld>
@@ -6528,11 +7841,7 @@
           <a:bodyPr/>
           <a:lstStyle/>
           <a:p>
-            <a:r>
-              <a:rPr lang="es-MX" dirty="0" smtClean="0"/>
-              <a:t>¿Para qué sirve la Hipótesis?</a:t>
-            </a:r>
-            <a:endParaRPr lang="es-MX" dirty="0"/>
+            <a:endParaRPr lang="es-MX"/>
           </a:p>
         </p:txBody>
       </p:sp>
@@ -6551,28 +7860,7 @@
           <a:bodyPr/>
           <a:lstStyle/>
           <a:p>
-            <a:r>
-              <a:rPr lang="es-MX" dirty="0" smtClean="0"/>
-              <a:t>Permite mantener la atención en las variables de </a:t>
-            </a:r>
-            <a:r>
-              <a:rPr lang="es-MX" dirty="0" err="1" smtClean="0"/>
-              <a:t>inteés</a:t>
-            </a:r>
-            <a:endParaRPr lang="es-MX" dirty="0" smtClean="0"/>
-          </a:p>
-          <a:p>
-            <a:r>
-              <a:rPr lang="es-MX" dirty="0" smtClean="0"/>
-              <a:t>Facilita la elaboración de conclusiones</a:t>
-            </a:r>
-          </a:p>
-          <a:p>
-            <a:r>
-              <a:rPr lang="es-MX" dirty="0" smtClean="0"/>
-              <a:t>Cuando las Hipótesis vienen de conocimiento teórico, fortalecen a la teoría.</a:t>
-            </a:r>
-            <a:endParaRPr lang="es-MX" dirty="0"/>
+            <a:endParaRPr lang="es-MX"/>
           </a:p>
         </p:txBody>
       </p:sp>
@@ -6659,7 +7947,7 @@
     </p:spTree>
     <p:extLst>
       <p:ext uri="{BB962C8B-B14F-4D97-AF65-F5344CB8AC3E}">
-        <p14:creationId xmlns:p14="http://schemas.microsoft.com/office/powerpoint/2010/main" val="2141892869"/>
+        <p14:creationId xmlns:p14="http://schemas.microsoft.com/office/powerpoint/2010/main" val="2953009323"/>
       </p:ext>
     </p:extLst>
   </p:cSld>
@@ -6736,7 +8024,7 @@
           </a:p>
           <a:p>
             <a:r>
-              <a:rPr lang="es-MX" u="sng" dirty="0" smtClean="0"/>
+              <a:rPr lang="es-MX" dirty="0" smtClean="0"/>
               <a:t>Facilita la elaboración de conclusiones</a:t>
             </a:r>
           </a:p>
@@ -6832,7 +8120,7 @@
     </p:spTree>
     <p:extLst>
       <p:ext uri="{BB962C8B-B14F-4D97-AF65-F5344CB8AC3E}">
-        <p14:creationId xmlns:p14="http://schemas.microsoft.com/office/powerpoint/2010/main" val="4012132783"/>
+        <p14:creationId xmlns:p14="http://schemas.microsoft.com/office/powerpoint/2010/main" val="2141892869"/>
       </p:ext>
     </p:extLst>
   </p:cSld>
@@ -7148,6 +8436,179 @@
           <a:p>
             <a:r>
               <a:rPr lang="es-MX" dirty="0" smtClean="0"/>
+              <a:t>¿Para qué sirve la Hipótesis?</a:t>
+            </a:r>
+            <a:endParaRPr lang="es-MX" dirty="0"/>
+          </a:p>
+        </p:txBody>
+      </p:sp>
+      <p:sp>
+        <p:nvSpPr>
+          <p:cNvPr id="3" name="Marcador de contenido 2"/>
+          <p:cNvSpPr>
+            <a:spLocks noGrp="1"/>
+          </p:cNvSpPr>
+          <p:nvPr>
+            <p:ph idx="1"/>
+          </p:nvPr>
+        </p:nvSpPr>
+        <p:spPr/>
+        <p:txBody>
+          <a:bodyPr/>
+          <a:lstStyle/>
+          <a:p>
+            <a:r>
+              <a:rPr lang="es-MX" dirty="0" smtClean="0"/>
+              <a:t>Permite mantener la atención en las variables de </a:t>
+            </a:r>
+            <a:r>
+              <a:rPr lang="es-MX" dirty="0" err="1" smtClean="0"/>
+              <a:t>inteés</a:t>
+            </a:r>
+            <a:endParaRPr lang="es-MX" dirty="0" smtClean="0"/>
+          </a:p>
+          <a:p>
+            <a:r>
+              <a:rPr lang="es-MX" u="sng" dirty="0" smtClean="0"/>
+              <a:t>Facilita la elaboración de conclusiones</a:t>
+            </a:r>
+          </a:p>
+          <a:p>
+            <a:r>
+              <a:rPr lang="es-MX" dirty="0" smtClean="0"/>
+              <a:t>Cuando las Hipótesis vienen de conocimiento teórico, fortalecen a la teoría.</a:t>
+            </a:r>
+            <a:endParaRPr lang="es-MX" dirty="0"/>
+          </a:p>
+        </p:txBody>
+      </p:sp>
+      <p:sp>
+        <p:nvSpPr>
+          <p:cNvPr id="4" name="Rectángulo 3"/>
+          <p:cNvSpPr/>
+          <p:nvPr/>
+        </p:nvSpPr>
+        <p:spPr>
+          <a:xfrm>
+            <a:off x="0" y="0"/>
+            <a:ext cx="12192000" cy="203200"/>
+          </a:xfrm>
+          <a:prstGeom prst="rect">
+            <a:avLst/>
+          </a:prstGeom>
+        </p:spPr>
+        <p:style>
+          <a:lnRef idx="2">
+            <a:schemeClr val="accent1">
+              <a:shade val="50000"/>
+            </a:schemeClr>
+          </a:lnRef>
+          <a:fillRef idx="1">
+            <a:schemeClr val="accent1"/>
+          </a:fillRef>
+          <a:effectRef idx="0">
+            <a:schemeClr val="accent1"/>
+          </a:effectRef>
+          <a:fontRef idx="minor">
+            <a:schemeClr val="lt1"/>
+          </a:fontRef>
+        </p:style>
+        <p:txBody>
+          <a:bodyPr rtlCol="0" anchor="ctr"/>
+          <a:lstStyle/>
+          <a:p>
+            <a:pPr algn="ctr"/>
+            <a:endParaRPr lang="es-MX"/>
+          </a:p>
+        </p:txBody>
+      </p:sp>
+      <p:sp>
+        <p:nvSpPr>
+          <p:cNvPr id="5" name="Rectángulo 4"/>
+          <p:cNvSpPr/>
+          <p:nvPr/>
+        </p:nvSpPr>
+        <p:spPr>
+          <a:xfrm>
+            <a:off x="0" y="6654800"/>
+            <a:ext cx="12192000" cy="203200"/>
+          </a:xfrm>
+          <a:prstGeom prst="rect">
+            <a:avLst/>
+          </a:prstGeom>
+        </p:spPr>
+        <p:style>
+          <a:lnRef idx="2">
+            <a:schemeClr val="accent1">
+              <a:shade val="50000"/>
+            </a:schemeClr>
+          </a:lnRef>
+          <a:fillRef idx="1">
+            <a:schemeClr val="accent1"/>
+          </a:fillRef>
+          <a:effectRef idx="0">
+            <a:schemeClr val="accent1"/>
+          </a:effectRef>
+          <a:fontRef idx="minor">
+            <a:schemeClr val="lt1"/>
+          </a:fontRef>
+        </p:style>
+        <p:txBody>
+          <a:bodyPr rtlCol="0" anchor="ctr"/>
+          <a:lstStyle/>
+          <a:p>
+            <a:pPr algn="ctr"/>
+            <a:endParaRPr lang="es-MX"/>
+          </a:p>
+        </p:txBody>
+      </p:sp>
+    </p:spTree>
+    <p:extLst>
+      <p:ext uri="{BB962C8B-B14F-4D97-AF65-F5344CB8AC3E}">
+        <p14:creationId xmlns:p14="http://schemas.microsoft.com/office/powerpoint/2010/main" val="4012132783"/>
+      </p:ext>
+    </p:extLst>
+  </p:cSld>
+  <p:clrMapOvr>
+    <a:masterClrMapping/>
+  </p:clrMapOvr>
+</p:sld>
+</file>
+
+<file path=ppt/slides/slide31.xml><?xml version="1.0" encoding="utf-8"?>
+<p:sld xmlns:a="http://schemas.openxmlformats.org/drawingml/2006/main" xmlns:r="http://schemas.openxmlformats.org/officeDocument/2006/relationships" xmlns:p="http://schemas.openxmlformats.org/presentationml/2006/main">
+  <p:cSld>
+    <p:spTree>
+      <p:nvGrpSpPr>
+        <p:cNvPr id="1" name=""/>
+        <p:cNvGrpSpPr/>
+        <p:nvPr/>
+      </p:nvGrpSpPr>
+      <p:grpSpPr>
+        <a:xfrm>
+          <a:off x="0" y="0"/>
+          <a:ext cx="0" cy="0"/>
+          <a:chOff x="0" y="0"/>
+          <a:chExt cx="0" cy="0"/>
+        </a:xfrm>
+      </p:grpSpPr>
+      <p:sp>
+        <p:nvSpPr>
+          <p:cNvPr id="2" name="Título 1"/>
+          <p:cNvSpPr>
+            <a:spLocks noGrp="1"/>
+          </p:cNvSpPr>
+          <p:nvPr>
+            <p:ph type="title"/>
+          </p:nvPr>
+        </p:nvSpPr>
+        <p:spPr/>
+        <p:txBody>
+          <a:bodyPr/>
+          <a:lstStyle/>
+          <a:p>
+            <a:r>
+              <a:rPr lang="es-MX" dirty="0" smtClean="0"/>
               <a:t>¿Siempre debo partir de una Hipótesis?</a:t>
             </a:r>
             <a:endParaRPr lang="es-MX" dirty="0"/>
@@ -7294,7 +8755,7 @@
 </p:sld>
 </file>
 
-<file path=ppt/slides/slide31.xml><?xml version="1.0" encoding="utf-8"?>
+<file path=ppt/slides/slide32.xml><?xml version="1.0" encoding="utf-8"?>
 <p:sld xmlns:a="http://schemas.openxmlformats.org/drawingml/2006/main" xmlns:r="http://schemas.openxmlformats.org/officeDocument/2006/relationships" xmlns:p="http://schemas.openxmlformats.org/presentationml/2006/main">
   <p:cSld>
     <p:spTree>
@@ -7688,181 +9149,13 @@
   <p:clrMapOvr>
     <a:masterClrMapping/>
   </p:clrMapOvr>
-</p:sld>
-</file>
-
-<file path=ppt/slides/slide32.xml><?xml version="1.0" encoding="utf-8"?>
-<p:sld xmlns:a="http://schemas.openxmlformats.org/drawingml/2006/main" xmlns:r="http://schemas.openxmlformats.org/officeDocument/2006/relationships" xmlns:p="http://schemas.openxmlformats.org/presentationml/2006/main">
-  <p:cSld>
-    <p:spTree>
-      <p:nvGrpSpPr>
-        <p:cNvPr id="1" name=""/>
-        <p:cNvGrpSpPr/>
-        <p:nvPr/>
-      </p:nvGrpSpPr>
-      <p:grpSpPr>
-        <a:xfrm>
-          <a:off x="0" y="0"/>
-          <a:ext cx="0" cy="0"/>
-          <a:chOff x="0" y="0"/>
-          <a:chExt cx="0" cy="0"/>
-        </a:xfrm>
-      </p:grpSpPr>
-      <p:sp>
-        <p:nvSpPr>
-          <p:cNvPr id="2" name="Título 1"/>
-          <p:cNvSpPr>
-            <a:spLocks noGrp="1"/>
-          </p:cNvSpPr>
-          <p:nvPr>
-            <p:ph type="title"/>
-          </p:nvPr>
-        </p:nvSpPr>
-        <p:spPr/>
-        <p:txBody>
-          <a:bodyPr/>
-          <a:lstStyle/>
-          <a:p>
-            <a:r>
-              <a:rPr lang="es-MX" dirty="0" smtClean="0"/>
-              <a:t>Tipos de Variables</a:t>
-            </a:r>
-            <a:endParaRPr lang="es-MX" dirty="0"/>
-          </a:p>
-        </p:txBody>
-      </p:sp>
-      <p:sp>
-        <p:nvSpPr>
-          <p:cNvPr id="3" name="Marcador de contenido 2"/>
-          <p:cNvSpPr>
-            <a:spLocks noGrp="1"/>
-          </p:cNvSpPr>
-          <p:nvPr>
-            <p:ph idx="1"/>
-          </p:nvPr>
-        </p:nvSpPr>
-        <p:spPr/>
-        <p:txBody>
-          <a:bodyPr/>
-          <a:lstStyle/>
-          <a:p>
-            <a:r>
-              <a:rPr lang="es-MX" dirty="0" smtClean="0"/>
-              <a:t>Independiente</a:t>
-            </a:r>
-          </a:p>
-          <a:p>
-            <a:endParaRPr lang="es-MX" dirty="0"/>
-          </a:p>
-          <a:p>
-            <a:endParaRPr lang="es-MX" dirty="0" smtClean="0"/>
-          </a:p>
-          <a:p>
-            <a:endParaRPr lang="es-MX" dirty="0"/>
-          </a:p>
-          <a:p>
-            <a:r>
-              <a:rPr lang="es-MX" dirty="0"/>
-              <a:t>D</a:t>
-            </a:r>
-            <a:r>
-              <a:rPr lang="es-MX" dirty="0" smtClean="0"/>
-              <a:t>ependiente</a:t>
-            </a:r>
-            <a:endParaRPr lang="es-MX" dirty="0"/>
-          </a:p>
-        </p:txBody>
-      </p:sp>
-      <p:sp>
-        <p:nvSpPr>
-          <p:cNvPr id="4" name="Rectángulo 3"/>
-          <p:cNvSpPr/>
-          <p:nvPr/>
-        </p:nvSpPr>
-        <p:spPr>
-          <a:xfrm>
-            <a:off x="0" y="0"/>
-            <a:ext cx="12192000" cy="203200"/>
-          </a:xfrm>
-          <a:prstGeom prst="rect">
-            <a:avLst/>
-          </a:prstGeom>
-        </p:spPr>
-        <p:style>
-          <a:lnRef idx="2">
-            <a:schemeClr val="accent1">
-              <a:shade val="50000"/>
-            </a:schemeClr>
-          </a:lnRef>
-          <a:fillRef idx="1">
-            <a:schemeClr val="accent1"/>
-          </a:fillRef>
-          <a:effectRef idx="0">
-            <a:schemeClr val="accent1"/>
-          </a:effectRef>
-          <a:fontRef idx="minor">
-            <a:schemeClr val="lt1"/>
-          </a:fontRef>
-        </p:style>
-        <p:txBody>
-          <a:bodyPr rtlCol="0" anchor="ctr"/>
-          <a:lstStyle/>
-          <a:p>
-            <a:pPr algn="ctr"/>
-            <a:endParaRPr lang="es-MX"/>
-          </a:p>
-        </p:txBody>
-      </p:sp>
-      <p:sp>
-        <p:nvSpPr>
-          <p:cNvPr id="5" name="Rectángulo 4"/>
-          <p:cNvSpPr/>
-          <p:nvPr/>
-        </p:nvSpPr>
-        <p:spPr>
-          <a:xfrm>
-            <a:off x="0" y="6654800"/>
-            <a:ext cx="12192000" cy="203200"/>
-          </a:xfrm>
-          <a:prstGeom prst="rect">
-            <a:avLst/>
-          </a:prstGeom>
-        </p:spPr>
-        <p:style>
-          <a:lnRef idx="2">
-            <a:schemeClr val="accent1">
-              <a:shade val="50000"/>
-            </a:schemeClr>
-          </a:lnRef>
-          <a:fillRef idx="1">
-            <a:schemeClr val="accent1"/>
-          </a:fillRef>
-          <a:effectRef idx="0">
-            <a:schemeClr val="accent1"/>
-          </a:effectRef>
-          <a:fontRef idx="minor">
-            <a:schemeClr val="lt1"/>
-          </a:fontRef>
-        </p:style>
-        <p:txBody>
-          <a:bodyPr rtlCol="0" anchor="ctr"/>
-          <a:lstStyle/>
-          <a:p>
-            <a:pPr algn="ctr"/>
-            <a:endParaRPr lang="es-MX"/>
-          </a:p>
-        </p:txBody>
-      </p:sp>
-    </p:spTree>
-    <p:extLst>
-      <p:ext uri="{BB962C8B-B14F-4D97-AF65-F5344CB8AC3E}">
-        <p14:creationId xmlns:p14="http://schemas.microsoft.com/office/powerpoint/2010/main" val="984105667"/>
-      </p:ext>
-    </p:extLst>
-  </p:cSld>
-  <p:clrMapOvr>
-    <a:masterClrMapping/>
-  </p:clrMapOvr>
+  <p:timing>
+    <p:tnLst>
+      <p:par>
+        <p:cTn id="1" dur="indefinite" restart="never" nodeType="tmRoot"/>
+      </p:par>
+    </p:tnLst>
+  </p:timing>
 </p:sld>
 </file>
 
@@ -7900,7 +9193,7 @@
           <a:p>
             <a:r>
               <a:rPr lang="es-MX" dirty="0" smtClean="0"/>
-              <a:t>Tipos de Variables     (¡!)</a:t>
+              <a:t>Tipos de Variables</a:t>
             </a:r>
             <a:endParaRPr lang="es-MX" dirty="0"/>
           </a:p>
@@ -7923,7 +9216,7 @@
           <a:p>
             <a:r>
               <a:rPr lang="es-MX" dirty="0" smtClean="0"/>
-              <a:t>Externa</a:t>
+              <a:t>Independiente</a:t>
             </a:r>
           </a:p>
           <a:p>
@@ -7937,8 +9230,12 @@
           </a:p>
           <a:p>
             <a:r>
-              <a:rPr lang="es-MX" dirty="0" smtClean="0"/>
-              <a:t>Control</a:t>
+              <a:rPr lang="es-MX" dirty="0"/>
+              <a:t>D</a:t>
+            </a:r>
+            <a:r>
+              <a:rPr lang="es-MX" dirty="0" smtClean="0"/>
+              <a:t>ependiente</a:t>
             </a:r>
             <a:endParaRPr lang="es-MX" dirty="0"/>
           </a:p>
@@ -8027,13 +9324,20 @@
     </p:spTree>
     <p:extLst>
       <p:ext uri="{BB962C8B-B14F-4D97-AF65-F5344CB8AC3E}">
-        <p14:creationId xmlns:p14="http://schemas.microsoft.com/office/powerpoint/2010/main" val="3890447047"/>
+        <p14:creationId xmlns:p14="http://schemas.microsoft.com/office/powerpoint/2010/main" val="984105667"/>
       </p:ext>
     </p:extLst>
   </p:cSld>
   <p:clrMapOvr>
     <a:masterClrMapping/>
   </p:clrMapOvr>
+  <p:timing>
+    <p:tnLst>
+      <p:par>
+        <p:cTn id="1" dur="indefinite" restart="never" nodeType="tmRoot"/>
+      </p:par>
+    </p:tnLst>
+  </p:timing>
 </p:sld>
 </file>
 
@@ -8069,7 +9373,11 @@
           <a:bodyPr/>
           <a:lstStyle/>
           <a:p>
-            <a:endParaRPr lang="es-MX"/>
+            <a:r>
+              <a:rPr lang="es-MX" dirty="0" smtClean="0"/>
+              <a:t>Tipos de Variables     (¡!)</a:t>
+            </a:r>
+            <a:endParaRPr lang="es-MX" dirty="0"/>
           </a:p>
         </p:txBody>
       </p:sp>
@@ -8090,21 +9398,22 @@
           <a:p>
             <a:r>
               <a:rPr lang="es-MX" dirty="0" smtClean="0"/>
-              <a:t>Lluvia de ideas</a:t>
-            </a:r>
-          </a:p>
-          <a:p>
-            <a:pPr lvl="1"/>
-            <a:r>
-              <a:rPr lang="es-MX" dirty="0" smtClean="0"/>
-              <a:t>En psicología se estudia a los estudiantes de psicología</a:t>
-            </a:r>
-          </a:p>
-          <a:p>
-            <a:pPr lvl="1"/>
-            <a:r>
-              <a:rPr lang="es-MX" dirty="0" smtClean="0"/>
-              <a:t>Cuidado con medir variables como “el amor” o “la felicidad”</a:t>
+              <a:t>Externa</a:t>
+            </a:r>
+          </a:p>
+          <a:p>
+            <a:endParaRPr lang="es-MX" dirty="0"/>
+          </a:p>
+          <a:p>
+            <a:endParaRPr lang="es-MX" dirty="0" smtClean="0"/>
+          </a:p>
+          <a:p>
+            <a:endParaRPr lang="es-MX" dirty="0"/>
+          </a:p>
+          <a:p>
+            <a:r>
+              <a:rPr lang="es-MX" dirty="0" smtClean="0"/>
+              <a:t>Control</a:t>
             </a:r>
             <a:endParaRPr lang="es-MX" dirty="0"/>
           </a:p>
@@ -8193,13 +9502,20 @@
     </p:spTree>
     <p:extLst>
       <p:ext uri="{BB962C8B-B14F-4D97-AF65-F5344CB8AC3E}">
-        <p14:creationId xmlns:p14="http://schemas.microsoft.com/office/powerpoint/2010/main" val="4062752771"/>
+        <p14:creationId xmlns:p14="http://schemas.microsoft.com/office/powerpoint/2010/main" val="3890447047"/>
       </p:ext>
     </p:extLst>
   </p:cSld>
   <p:clrMapOvr>
     <a:masterClrMapping/>
   </p:clrMapOvr>
+  <p:timing>
+    <p:tnLst>
+      <p:par>
+        <p:cTn id="1" dur="indefinite" restart="never" nodeType="tmRoot"/>
+      </p:par>
+    </p:tnLst>
+  </p:timing>
 </p:sld>
 </file>
 
@@ -8235,30 +9551,44 @@
           <a:bodyPr/>
           <a:lstStyle/>
           <a:p>
-            <a:r>
-              <a:rPr lang="es-MX" dirty="0" smtClean="0"/>
-              <a:t>Actividad</a:t>
+            <a:endParaRPr lang="es-MX"/>
+          </a:p>
+        </p:txBody>
+      </p:sp>
+      <p:sp>
+        <p:nvSpPr>
+          <p:cNvPr id="3" name="Marcador de contenido 2"/>
+          <p:cNvSpPr>
+            <a:spLocks noGrp="1"/>
+          </p:cNvSpPr>
+          <p:nvPr>
+            <p:ph idx="1"/>
+          </p:nvPr>
+        </p:nvSpPr>
+        <p:spPr/>
+        <p:txBody>
+          <a:bodyPr/>
+          <a:lstStyle/>
+          <a:p>
+            <a:r>
+              <a:rPr lang="es-MX" dirty="0" smtClean="0"/>
+              <a:t>Lluvia de ideas</a:t>
+            </a:r>
+          </a:p>
+          <a:p>
+            <a:pPr lvl="1"/>
+            <a:r>
+              <a:rPr lang="es-MX" dirty="0" smtClean="0"/>
+              <a:t>En psicología se estudia a los estudiantes de psicología</a:t>
+            </a:r>
+          </a:p>
+          <a:p>
+            <a:pPr lvl="1"/>
+            <a:r>
+              <a:rPr lang="es-MX" dirty="0" smtClean="0"/>
+              <a:t>Cuidado con medir variables como “el amor” o “la felicidad”</a:t>
             </a:r>
             <a:endParaRPr lang="es-MX" dirty="0"/>
-          </a:p>
-        </p:txBody>
-      </p:sp>
-      <p:sp>
-        <p:nvSpPr>
-          <p:cNvPr id="3" name="Marcador de contenido 2"/>
-          <p:cNvSpPr>
-            <a:spLocks noGrp="1"/>
-          </p:cNvSpPr>
-          <p:nvPr>
-            <p:ph idx="1"/>
-          </p:nvPr>
-        </p:nvSpPr>
-        <p:spPr/>
-        <p:txBody>
-          <a:bodyPr/>
-          <a:lstStyle/>
-          <a:p>
-            <a:endParaRPr lang="es-MX"/>
           </a:p>
         </p:txBody>
       </p:sp>
@@ -8345,13 +9675,20 @@
     </p:spTree>
     <p:extLst>
       <p:ext uri="{BB962C8B-B14F-4D97-AF65-F5344CB8AC3E}">
-        <p14:creationId xmlns:p14="http://schemas.microsoft.com/office/powerpoint/2010/main" val="545015870"/>
+        <p14:creationId xmlns:p14="http://schemas.microsoft.com/office/powerpoint/2010/main" val="4062752771"/>
       </p:ext>
     </p:extLst>
   </p:cSld>
   <p:clrMapOvr>
     <a:masterClrMapping/>
   </p:clrMapOvr>
+  <p:timing>
+    <p:tnLst>
+      <p:par>
+        <p:cTn id="1" dur="indefinite" restart="never" nodeType="tmRoot"/>
+      </p:par>
+    </p:tnLst>
+  </p:timing>
 </p:sld>
 </file>
 
@@ -8389,6 +9726,158 @@
           <a:p>
             <a:r>
               <a:rPr lang="es-MX" dirty="0" smtClean="0"/>
+              <a:t>Actividad</a:t>
+            </a:r>
+            <a:endParaRPr lang="es-MX" dirty="0"/>
+          </a:p>
+        </p:txBody>
+      </p:sp>
+      <p:sp>
+        <p:nvSpPr>
+          <p:cNvPr id="3" name="Marcador de contenido 2"/>
+          <p:cNvSpPr>
+            <a:spLocks noGrp="1"/>
+          </p:cNvSpPr>
+          <p:nvPr>
+            <p:ph idx="1"/>
+          </p:nvPr>
+        </p:nvSpPr>
+        <p:spPr/>
+        <p:txBody>
+          <a:bodyPr/>
+          <a:lstStyle/>
+          <a:p>
+            <a:endParaRPr lang="es-MX"/>
+          </a:p>
+        </p:txBody>
+      </p:sp>
+      <p:sp>
+        <p:nvSpPr>
+          <p:cNvPr id="4" name="Rectángulo 3"/>
+          <p:cNvSpPr/>
+          <p:nvPr/>
+        </p:nvSpPr>
+        <p:spPr>
+          <a:xfrm>
+            <a:off x="0" y="0"/>
+            <a:ext cx="12192000" cy="203200"/>
+          </a:xfrm>
+          <a:prstGeom prst="rect">
+            <a:avLst/>
+          </a:prstGeom>
+        </p:spPr>
+        <p:style>
+          <a:lnRef idx="2">
+            <a:schemeClr val="accent1">
+              <a:shade val="50000"/>
+            </a:schemeClr>
+          </a:lnRef>
+          <a:fillRef idx="1">
+            <a:schemeClr val="accent1"/>
+          </a:fillRef>
+          <a:effectRef idx="0">
+            <a:schemeClr val="accent1"/>
+          </a:effectRef>
+          <a:fontRef idx="minor">
+            <a:schemeClr val="lt1"/>
+          </a:fontRef>
+        </p:style>
+        <p:txBody>
+          <a:bodyPr rtlCol="0" anchor="ctr"/>
+          <a:lstStyle/>
+          <a:p>
+            <a:pPr algn="ctr"/>
+            <a:endParaRPr lang="es-MX"/>
+          </a:p>
+        </p:txBody>
+      </p:sp>
+      <p:sp>
+        <p:nvSpPr>
+          <p:cNvPr id="5" name="Rectángulo 4"/>
+          <p:cNvSpPr/>
+          <p:nvPr/>
+        </p:nvSpPr>
+        <p:spPr>
+          <a:xfrm>
+            <a:off x="0" y="6654800"/>
+            <a:ext cx="12192000" cy="203200"/>
+          </a:xfrm>
+          <a:prstGeom prst="rect">
+            <a:avLst/>
+          </a:prstGeom>
+        </p:spPr>
+        <p:style>
+          <a:lnRef idx="2">
+            <a:schemeClr val="accent1">
+              <a:shade val="50000"/>
+            </a:schemeClr>
+          </a:lnRef>
+          <a:fillRef idx="1">
+            <a:schemeClr val="accent1"/>
+          </a:fillRef>
+          <a:effectRef idx="0">
+            <a:schemeClr val="accent1"/>
+          </a:effectRef>
+          <a:fontRef idx="minor">
+            <a:schemeClr val="lt1"/>
+          </a:fontRef>
+        </p:style>
+        <p:txBody>
+          <a:bodyPr rtlCol="0" anchor="ctr"/>
+          <a:lstStyle/>
+          <a:p>
+            <a:pPr algn="ctr"/>
+            <a:endParaRPr lang="es-MX"/>
+          </a:p>
+        </p:txBody>
+      </p:sp>
+    </p:spTree>
+    <p:extLst>
+      <p:ext uri="{BB962C8B-B14F-4D97-AF65-F5344CB8AC3E}">
+        <p14:creationId xmlns:p14="http://schemas.microsoft.com/office/powerpoint/2010/main" val="545015870"/>
+      </p:ext>
+    </p:extLst>
+  </p:cSld>
+  <p:clrMapOvr>
+    <a:masterClrMapping/>
+  </p:clrMapOvr>
+</p:sld>
+</file>
+
+<file path=ppt/slides/slide37.xml><?xml version="1.0" encoding="utf-8"?>
+<p:sld xmlns:a="http://schemas.openxmlformats.org/drawingml/2006/main" xmlns:r="http://schemas.openxmlformats.org/officeDocument/2006/relationships" xmlns:p="http://schemas.openxmlformats.org/presentationml/2006/main">
+  <p:cSld>
+    <p:spTree>
+      <p:nvGrpSpPr>
+        <p:cNvPr id="1" name=""/>
+        <p:cNvGrpSpPr/>
+        <p:nvPr/>
+      </p:nvGrpSpPr>
+      <p:grpSpPr>
+        <a:xfrm>
+          <a:off x="0" y="0"/>
+          <a:ext cx="0" cy="0"/>
+          <a:chOff x="0" y="0"/>
+          <a:chExt cx="0" cy="0"/>
+        </a:xfrm>
+      </p:grpSpPr>
+      <p:sp>
+        <p:nvSpPr>
+          <p:cNvPr id="2" name="Título 1"/>
+          <p:cNvSpPr>
+            <a:spLocks noGrp="1"/>
+          </p:cNvSpPr>
+          <p:nvPr>
+            <p:ph type="title"/>
+          </p:nvPr>
+        </p:nvSpPr>
+        <p:spPr/>
+        <p:txBody>
+          <a:bodyPr/>
+          <a:lstStyle/>
+          <a:p>
+            <a:r>
+              <a:rPr lang="es-MX" dirty="0" smtClean="0"/>
               <a:t>Referencias</a:t>
             </a:r>
             <a:endParaRPr lang="es-MX" dirty="0"/>
@@ -8555,6 +10044,13 @@
   <p:clrMapOvr>
     <a:masterClrMapping/>
   </p:clrMapOvr>
+  <p:timing>
+    <p:tnLst>
+      <p:par>
+        <p:cTn id="1" dur="indefinite" restart="never" nodeType="tmRoot"/>
+      </p:par>
+    </p:tnLst>
+  </p:timing>
 </p:sld>
 </file>
 
@@ -9004,7 +10500,15 @@
             </a:r>
             <a:r>
               <a:rPr lang="es-MX" dirty="0" smtClean="0"/>
-              <a:t>a cualquier propiedad o dimensión en la que un determinado tipo de objeto puede variar</a:t>
+              <a:t>a cualquier </a:t>
+            </a:r>
+            <a:r>
+              <a:rPr lang="es-MX" b="1" dirty="0" smtClean="0"/>
+              <a:t>propiedad o dimensión </a:t>
+            </a:r>
+            <a:r>
+              <a:rPr lang="es-MX" dirty="0" smtClean="0"/>
+              <a:t>en la que nuestro objeto de estudio o interés puede variar</a:t>
             </a:r>
             <a:endParaRPr lang="es-MX" dirty="0"/>
           </a:p>
@@ -9019,7 +10523,7 @@
           <p:nvPr>
             <p:extLst>
               <p:ext uri="{D42A27DB-BD31-4B8C-83A1-F6EECF244321}">
-                <p14:modId xmlns:p14="http://schemas.microsoft.com/office/powerpoint/2010/main" val="1861920827"/>
+                <p14:modId xmlns:p14="http://schemas.microsoft.com/office/powerpoint/2010/main" val="147727155"/>
               </p:ext>
             </p:extLst>
           </p:nvPr>
@@ -9035,8 +10539,8 @@
                 <a:tableStyleId>{00A15C55-8517-42AA-B614-E9B94910E393}</a:tableStyleId>
               </a:tblPr>
               <a:tblGrid>
-                <a:gridCol w="1866900"/>
-                <a:gridCol w="1215628"/>
+                <a:gridCol w="1962620"/>
+                <a:gridCol w="1119908"/>
                 <a:gridCol w="1215628"/>
                 <a:gridCol w="1215628"/>
               </a:tblGrid>
@@ -9048,7 +10552,11 @@
                     <a:p>
                       <a:r>
                         <a:rPr lang="es-MX" dirty="0" smtClean="0"/>
-                        <a:t>Tipo de Objetos</a:t>
+                        <a:t>Objeto</a:t>
+                      </a:r>
+                      <a:r>
+                        <a:rPr lang="es-MX" baseline="0" dirty="0" smtClean="0"/>
+                        <a:t> de estudio</a:t>
                       </a:r>
                       <a:endParaRPr lang="es-MX" dirty="0"/>
                     </a:p>
@@ -9200,7 +10708,7 @@
                       <a:pPr algn="r"/>
                       <a:r>
                         <a:rPr lang="es-MX" dirty="0" smtClean="0"/>
-                        <a:t>Personas</a:t>
+                        <a:t>Alumnos del colegio Jean Piaget</a:t>
                       </a:r>
                       <a:endParaRPr lang="es-MX" dirty="0"/>
                     </a:p>
@@ -10363,6 +11871,13 @@
   <p:clrMapOvr>
     <a:masterClrMapping/>
   </p:clrMapOvr>
+  <p:timing>
+    <p:tnLst>
+      <p:par>
+        <p:cTn id="1" dur="indefinite" restart="never" nodeType="tmRoot"/>
+      </p:par>
+    </p:tnLst>
+  </p:timing>
 </p:sld>
 </file>
 
@@ -10547,7 +12062,7 @@
         <p:spPr>
           <a:xfrm>
             <a:off x="999064" y="2530846"/>
-            <a:ext cx="2472267" cy="3139321"/>
+            <a:ext cx="2472267" cy="2862322"/>
           </a:xfrm>
           <a:prstGeom prst="rect">
             <a:avLst/>
@@ -10571,7 +12086,7 @@
             </a:pPr>
             <a:r>
               <a:rPr lang="es-MX" dirty="0" smtClean="0"/>
-              <a:t>Temperatura Global</a:t>
+              <a:t>.</a:t>
             </a:r>
           </a:p>
           <a:p>
@@ -10581,7 +12096,7 @@
             </a:pPr>
             <a:r>
               <a:rPr lang="es-MX" dirty="0" smtClean="0"/>
-              <a:t>Cantidad de lluvia</a:t>
+              <a:t>.</a:t>
             </a:r>
           </a:p>
           <a:p>
@@ -10591,7 +12106,7 @@
             </a:pPr>
             <a:r>
               <a:rPr lang="es-MX" dirty="0" smtClean="0"/>
-              <a:t>Emisiones de carbono</a:t>
+              <a:t>.</a:t>
             </a:r>
           </a:p>
           <a:p>
@@ -10601,7 +12116,7 @@
             </a:pPr>
             <a:r>
               <a:rPr lang="es-MX" dirty="0" smtClean="0"/>
-              <a:t>Nivel del mar</a:t>
+              <a:t>.</a:t>
             </a:r>
           </a:p>
           <a:p>
@@ -10767,6 +12282,13 @@
   <p:clrMapOvr>
     <a:masterClrMapping/>
   </p:clrMapOvr>
+  <p:timing>
+    <p:tnLst>
+      <p:par>
+        <p:cTn id="1" dur="indefinite" restart="never" nodeType="tmRoot"/>
+      </p:par>
+    </p:tnLst>
+  </p:timing>
 </p:sld>
 </file>
 
@@ -10898,51 +12420,6 @@
       </p:sp>
       <p:sp>
         <p:nvSpPr>
-          <p:cNvPr id="5" name="Rectángulo redondeado 4"/>
-          <p:cNvSpPr/>
-          <p:nvPr/>
-        </p:nvSpPr>
-        <p:spPr>
-          <a:xfrm>
-            <a:off x="4529666" y="1405467"/>
-            <a:ext cx="3132667" cy="4847696"/>
-          </a:xfrm>
-          <a:prstGeom prst="roundRect">
-            <a:avLst/>
-          </a:prstGeom>
-          <a:ln w="76200">
-            <a:solidFill>
-              <a:schemeClr val="tx1"/>
-            </a:solidFill>
-          </a:ln>
-        </p:spPr>
-        <p:style>
-          <a:lnRef idx="2">
-            <a:schemeClr val="accent1">
-              <a:shade val="50000"/>
-            </a:schemeClr>
-          </a:lnRef>
-          <a:fillRef idx="1">
-            <a:schemeClr val="accent1"/>
-          </a:fillRef>
-          <a:effectRef idx="0">
-            <a:schemeClr val="accent1"/>
-          </a:effectRef>
-          <a:fontRef idx="minor">
-            <a:schemeClr val="lt1"/>
-          </a:fontRef>
-        </p:style>
-        <p:txBody>
-          <a:bodyPr rtlCol="0" anchor="ctr"/>
-          <a:lstStyle/>
-          <a:p>
-            <a:pPr algn="ctr"/>
-            <a:endParaRPr lang="es-MX"/>
-          </a:p>
-        </p:txBody>
-      </p:sp>
-      <p:sp>
-        <p:nvSpPr>
           <p:cNvPr id="7" name="CuadroTexto 6"/>
           <p:cNvSpPr txBox="1"/>
           <p:nvPr/>
@@ -10989,52 +12466,6 @@
       </p:sp>
       <p:sp>
         <p:nvSpPr>
-          <p:cNvPr id="8" name="CuadroTexto 7"/>
-          <p:cNvSpPr txBox="1"/>
-          <p:nvPr/>
-        </p:nvSpPr>
-        <p:spPr>
-          <a:xfrm>
-            <a:off x="4859866" y="1690687"/>
-            <a:ext cx="2472267" cy="646331"/>
-          </a:xfrm>
-          <a:prstGeom prst="rect">
-            <a:avLst/>
-          </a:prstGeom>
-          <a:solidFill>
-            <a:schemeClr val="accent1">
-              <a:lumMod val="40000"/>
-              <a:lumOff val="60000"/>
-            </a:schemeClr>
-          </a:solidFill>
-          <a:ln>
-            <a:solidFill>
-              <a:schemeClr val="tx1"/>
-            </a:solidFill>
-          </a:ln>
-        </p:spPr>
-        <p:txBody>
-          <a:bodyPr wrap="square" rtlCol="0">
-            <a:spAutoFit/>
-          </a:bodyPr>
-          <a:lstStyle/>
-          <a:p>
-            <a:r>
-              <a:rPr lang="es-MX" b="1" dirty="0" smtClean="0"/>
-              <a:t>Fenómeno:</a:t>
-            </a:r>
-          </a:p>
-          <a:p>
-            <a:r>
-              <a:rPr lang="es-MX" u="sng" dirty="0" smtClean="0"/>
-              <a:t>Inseguridad en el país</a:t>
-            </a:r>
-            <a:endParaRPr lang="es-MX" u="sng" dirty="0"/>
-          </a:p>
-        </p:txBody>
-      </p:sp>
-      <p:sp>
-        <p:nvSpPr>
           <p:cNvPr id="10" name="CuadroTexto 9"/>
           <p:cNvSpPr txBox="1"/>
           <p:nvPr/>
@@ -11164,134 +12595,6 @@
       </p:sp>
       <p:sp>
         <p:nvSpPr>
-          <p:cNvPr id="11" name="CuadroTexto 10"/>
-          <p:cNvSpPr txBox="1"/>
-          <p:nvPr/>
-        </p:nvSpPr>
-        <p:spPr>
-          <a:xfrm>
-            <a:off x="4859866" y="2731030"/>
-            <a:ext cx="2472267" cy="2862322"/>
-          </a:xfrm>
-          <a:prstGeom prst="rect">
-            <a:avLst/>
-          </a:prstGeom>
-          <a:solidFill>
-            <a:schemeClr val="accent1">
-              <a:lumMod val="20000"/>
-              <a:lumOff val="80000"/>
-            </a:schemeClr>
-          </a:solidFill>
-        </p:spPr>
-        <p:txBody>
-          <a:bodyPr wrap="square" rtlCol="0">
-            <a:spAutoFit/>
-          </a:bodyPr>
-          <a:lstStyle/>
-          <a:p>
-            <a:pPr marL="285750" indent="-285750">
-              <a:buFont typeface="Arial" panose="020B0604020202020204" pitchFamily="34" charset="0"/>
-              <a:buChar char="•"/>
-            </a:pPr>
-            <a:r>
-              <a:rPr lang="es-MX" dirty="0" smtClean="0"/>
-              <a:t>Homicidios</a:t>
-            </a:r>
-          </a:p>
-          <a:p>
-            <a:pPr marL="285750" indent="-285750">
-              <a:buFont typeface="Arial" panose="020B0604020202020204" pitchFamily="34" charset="0"/>
-              <a:buChar char="•"/>
-            </a:pPr>
-            <a:r>
-              <a:rPr lang="es-MX" dirty="0" smtClean="0"/>
-              <a:t>Asaltos</a:t>
-            </a:r>
-          </a:p>
-          <a:p>
-            <a:pPr marL="285750" indent="-285750">
-              <a:buFont typeface="Arial" panose="020B0604020202020204" pitchFamily="34" charset="0"/>
-              <a:buChar char="•"/>
-            </a:pPr>
-            <a:r>
-              <a:rPr lang="es-MX" dirty="0" smtClean="0"/>
-              <a:t>Arrestos</a:t>
-            </a:r>
-          </a:p>
-          <a:p>
-            <a:pPr marL="285750" indent="-285750">
-              <a:buFont typeface="Arial" panose="020B0604020202020204" pitchFamily="34" charset="0"/>
-              <a:buChar char="•"/>
-            </a:pPr>
-            <a:r>
-              <a:rPr lang="es-MX" dirty="0" smtClean="0"/>
-              <a:t>Encarcelamientos</a:t>
-            </a:r>
-          </a:p>
-          <a:p>
-            <a:pPr marL="285750" indent="-285750">
-              <a:buFont typeface="Arial" panose="020B0604020202020204" pitchFamily="34" charset="0"/>
-              <a:buChar char="•"/>
-            </a:pPr>
-            <a:r>
-              <a:rPr lang="es-MX" dirty="0" smtClean="0"/>
-              <a:t>.</a:t>
-            </a:r>
-          </a:p>
-          <a:p>
-            <a:pPr marL="285750" indent="-285750">
-              <a:buFont typeface="Arial" panose="020B0604020202020204" pitchFamily="34" charset="0"/>
-              <a:buChar char="•"/>
-            </a:pPr>
-            <a:r>
-              <a:rPr lang="es-MX" dirty="0" smtClean="0"/>
-              <a:t>.</a:t>
-            </a:r>
-          </a:p>
-          <a:p>
-            <a:pPr marL="285750" indent="-285750">
-              <a:buFont typeface="Arial" panose="020B0604020202020204" pitchFamily="34" charset="0"/>
-              <a:buChar char="•"/>
-            </a:pPr>
-            <a:r>
-              <a:rPr lang="es-MX" dirty="0" smtClean="0"/>
-              <a:t>.</a:t>
-            </a:r>
-          </a:p>
-          <a:p>
-            <a:pPr marL="285750" indent="-285750">
-              <a:buFont typeface="Arial" panose="020B0604020202020204" pitchFamily="34" charset="0"/>
-              <a:buChar char="•"/>
-            </a:pPr>
-            <a:r>
-              <a:rPr lang="es-MX" dirty="0" smtClean="0"/>
-              <a:t>.</a:t>
-            </a:r>
-          </a:p>
-          <a:p>
-            <a:pPr marL="285750" indent="-285750">
-              <a:buFont typeface="Arial" panose="020B0604020202020204" pitchFamily="34" charset="0"/>
-              <a:buChar char="•"/>
-            </a:pPr>
-            <a:r>
-              <a:rPr lang="es-MX" dirty="0" smtClean="0"/>
-              <a:t>.</a:t>
-            </a:r>
-          </a:p>
-          <a:p>
-            <a:pPr marL="285750" indent="-285750">
-              <a:buFont typeface="Arial" panose="020B0604020202020204" pitchFamily="34" charset="0"/>
-              <a:buChar char="•"/>
-            </a:pPr>
-            <a:r>
-              <a:rPr lang="es-MX" dirty="0" smtClean="0"/>
-              <a:t>.</a:t>
-            </a:r>
-          </a:p>
-        </p:txBody>
-      </p:sp>
-      <p:sp>
-        <p:nvSpPr>
           <p:cNvPr id="13" name="Rectángulo 12"/>
           <p:cNvSpPr/>
           <p:nvPr/>
@@ -11383,13 +12686,20 @@
     </p:spTree>
     <p:extLst>
       <p:ext uri="{BB962C8B-B14F-4D97-AF65-F5344CB8AC3E}">
-        <p14:creationId xmlns:p14="http://schemas.microsoft.com/office/powerpoint/2010/main" val="899862878"/>
+        <p14:creationId xmlns:p14="http://schemas.microsoft.com/office/powerpoint/2010/main" val="1468391568"/>
       </p:ext>
     </p:extLst>
   </p:cSld>
   <p:clrMapOvr>
     <a:masterClrMapping/>
   </p:clrMapOvr>
+  <p:timing>
+    <p:tnLst>
+      <p:par>
+        <p:cTn id="1" dur="indefinite" restart="never" nodeType="tmRoot"/>
+      </p:par>
+    </p:tnLst>
+  </p:timing>
 </p:sld>
 </file>
 
@@ -11566,51 +12876,6 @@
       </p:sp>
       <p:sp>
         <p:nvSpPr>
-          <p:cNvPr id="6" name="Rectángulo redondeado 5"/>
-          <p:cNvSpPr/>
-          <p:nvPr/>
-        </p:nvSpPr>
-        <p:spPr>
-          <a:xfrm>
-            <a:off x="8788400" y="1405467"/>
-            <a:ext cx="3132667" cy="4847696"/>
-          </a:xfrm>
-          <a:prstGeom prst="roundRect">
-            <a:avLst/>
-          </a:prstGeom>
-          <a:ln w="76200">
-            <a:solidFill>
-              <a:schemeClr val="tx1"/>
-            </a:solidFill>
-          </a:ln>
-        </p:spPr>
-        <p:style>
-          <a:lnRef idx="2">
-            <a:schemeClr val="accent1">
-              <a:shade val="50000"/>
-            </a:schemeClr>
-          </a:lnRef>
-          <a:fillRef idx="1">
-            <a:schemeClr val="accent1"/>
-          </a:fillRef>
-          <a:effectRef idx="0">
-            <a:schemeClr val="accent1"/>
-          </a:effectRef>
-          <a:fontRef idx="minor">
-            <a:schemeClr val="lt1"/>
-          </a:fontRef>
-        </p:style>
-        <p:txBody>
-          <a:bodyPr rtlCol="0" anchor="ctr"/>
-          <a:lstStyle/>
-          <a:p>
-            <a:pPr algn="ctr"/>
-            <a:endParaRPr lang="es-MX"/>
-          </a:p>
-        </p:txBody>
-      </p:sp>
-      <p:sp>
-        <p:nvSpPr>
           <p:cNvPr id="7" name="CuadroTexto 6"/>
           <p:cNvSpPr txBox="1"/>
           <p:nvPr/>
@@ -11703,51 +12968,6 @@
       </p:sp>
       <p:sp>
         <p:nvSpPr>
-          <p:cNvPr id="9" name="CuadroTexto 8"/>
-          <p:cNvSpPr txBox="1"/>
-          <p:nvPr/>
-        </p:nvSpPr>
-        <p:spPr>
-          <a:xfrm>
-            <a:off x="9118599" y="1645179"/>
-            <a:ext cx="2472267" cy="923330"/>
-          </a:xfrm>
-          <a:prstGeom prst="rect">
-            <a:avLst/>
-          </a:prstGeom>
-          <a:solidFill>
-            <a:schemeClr val="accent1">
-              <a:lumMod val="40000"/>
-              <a:lumOff val="60000"/>
-            </a:schemeClr>
-          </a:solidFill>
-          <a:ln>
-            <a:solidFill>
-              <a:schemeClr val="tx1"/>
-            </a:solidFill>
-          </a:ln>
-        </p:spPr>
-        <p:txBody>
-          <a:bodyPr wrap="square" rtlCol="0">
-            <a:spAutoFit/>
-          </a:bodyPr>
-          <a:lstStyle/>
-          <a:p>
-            <a:r>
-              <a:rPr lang="es-MX" b="1" dirty="0" smtClean="0"/>
-              <a:t>Fenómeno:</a:t>
-            </a:r>
-          </a:p>
-          <a:p>
-            <a:r>
-              <a:rPr lang="es-MX" u="sng" dirty="0" smtClean="0"/>
-              <a:t>Características de los estudiantes de 5°</a:t>
-            </a:r>
-          </a:p>
-        </p:txBody>
-      </p:sp>
-      <p:sp>
-        <p:nvSpPr>
           <p:cNvPr id="10" name="CuadroTexto 9"/>
           <p:cNvSpPr txBox="1"/>
           <p:nvPr/>
@@ -12005,111 +13225,13 @@
       </p:sp>
       <p:sp>
         <p:nvSpPr>
-          <p:cNvPr id="12" name="CuadroTexto 11"/>
-          <p:cNvSpPr txBox="1"/>
-          <p:nvPr/>
-        </p:nvSpPr>
-        <p:spPr>
-          <a:xfrm>
-            <a:off x="9165166" y="2653802"/>
-            <a:ext cx="2472267" cy="2862322"/>
-          </a:xfrm>
-          <a:prstGeom prst="rect">
-            <a:avLst/>
-          </a:prstGeom>
-          <a:solidFill>
-            <a:schemeClr val="accent1">
-              <a:lumMod val="20000"/>
-              <a:lumOff val="80000"/>
-            </a:schemeClr>
-          </a:solidFill>
-        </p:spPr>
-        <p:txBody>
-          <a:bodyPr wrap="square" rtlCol="0">
-            <a:spAutoFit/>
-          </a:bodyPr>
-          <a:lstStyle/>
-          <a:p>
-            <a:pPr marL="285750" indent="-285750">
-              <a:buFont typeface="Arial" panose="020B0604020202020204" pitchFamily="34" charset="0"/>
-              <a:buChar char="•"/>
-            </a:pPr>
-            <a:r>
-              <a:rPr lang="es-MX" dirty="0" smtClean="0"/>
-              <a:t>Edad</a:t>
-            </a:r>
-          </a:p>
-          <a:p>
-            <a:pPr marL="285750" indent="-285750">
-              <a:buFont typeface="Arial" panose="020B0604020202020204" pitchFamily="34" charset="0"/>
-              <a:buChar char="•"/>
-            </a:pPr>
-            <a:r>
-              <a:rPr lang="es-MX" dirty="0" smtClean="0"/>
-              <a:t>Sexo</a:t>
-            </a:r>
-          </a:p>
-          <a:p>
-            <a:pPr marL="285750" indent="-285750">
-              <a:buFont typeface="Arial" panose="020B0604020202020204" pitchFamily="34" charset="0"/>
-              <a:buChar char="•"/>
-            </a:pPr>
-            <a:r>
-              <a:rPr lang="es-MX" dirty="0" smtClean="0"/>
-              <a:t>Calificaciones en la última evaluación de metodología</a:t>
-            </a:r>
-          </a:p>
-          <a:p>
-            <a:pPr marL="285750" indent="-285750">
-              <a:buFont typeface="Arial" panose="020B0604020202020204" pitchFamily="34" charset="0"/>
-              <a:buChar char="•"/>
-            </a:pPr>
-            <a:r>
-              <a:rPr lang="es-MX" dirty="0" smtClean="0"/>
-              <a:t>Banda de música favorita.</a:t>
-            </a:r>
-          </a:p>
-          <a:p>
-            <a:pPr marL="285750" indent="-285750">
-              <a:buFont typeface="Arial" panose="020B0604020202020204" pitchFamily="34" charset="0"/>
-              <a:buChar char="•"/>
-            </a:pPr>
-            <a:r>
-              <a:rPr lang="es-MX" dirty="0" smtClean="0"/>
-              <a:t>.</a:t>
-            </a:r>
-          </a:p>
-          <a:p>
-            <a:pPr marL="285750" indent="-285750">
-              <a:buFont typeface="Arial" panose="020B0604020202020204" pitchFamily="34" charset="0"/>
-              <a:buChar char="•"/>
-            </a:pPr>
-            <a:r>
-              <a:rPr lang="es-MX" dirty="0" smtClean="0"/>
-              <a:t>.</a:t>
-            </a:r>
-          </a:p>
-          <a:p>
-            <a:pPr marL="285750" indent="-285750">
-              <a:buFont typeface="Arial" panose="020B0604020202020204" pitchFamily="34" charset="0"/>
-              <a:buChar char="•"/>
-            </a:pPr>
-            <a:r>
-              <a:rPr lang="es-MX" dirty="0"/>
-              <a:t>.</a:t>
-            </a:r>
-          </a:p>
-        </p:txBody>
-      </p:sp>
-      <p:sp>
-        <p:nvSpPr>
           <p:cNvPr id="13" name="Rectángulo 12"/>
           <p:cNvSpPr/>
           <p:nvPr/>
         </p:nvSpPr>
         <p:spPr>
           <a:xfrm>
-            <a:off x="0" y="-19050"/>
+            <a:off x="0" y="0"/>
             <a:ext cx="12192000" cy="203200"/>
           </a:xfrm>
           <a:prstGeom prst="rect">
@@ -12154,7 +13276,7 @@
         </p:nvSpPr>
         <p:spPr>
           <a:xfrm>
-            <a:off x="0" y="6635750"/>
+            <a:off x="0" y="6654800"/>
             <a:ext cx="12192000" cy="203200"/>
           </a:xfrm>
           <a:prstGeom prst="rect">
@@ -12194,13 +13316,20 @@
     </p:spTree>
     <p:extLst>
       <p:ext uri="{BB962C8B-B14F-4D97-AF65-F5344CB8AC3E}">
-        <p14:creationId xmlns:p14="http://schemas.microsoft.com/office/powerpoint/2010/main" val="1271430909"/>
+        <p14:creationId xmlns:p14="http://schemas.microsoft.com/office/powerpoint/2010/main" val="899862878"/>
       </p:ext>
     </p:extLst>
   </p:cSld>
   <p:clrMapOvr>
     <a:masterClrMapping/>
   </p:clrMapOvr>
+  <p:timing>
+    <p:tnLst>
+      <p:par>
+        <p:cTn id="1" dur="indefinite" restart="never" nodeType="tmRoot"/>
+      </p:par>
+    </p:tnLst>
+  </p:timing>
 </p:sld>
 </file>
 

--- a/JeanPiaget/ClaseMuestra/Hipotesis_Variables.pptx
+++ b/JeanPiaget/ClaseMuestra/Hipotesis_Variables.pptx
@@ -27,21 +27,27 @@
     <p:sldId id="290" r:id="rId21"/>
     <p:sldId id="291" r:id="rId22"/>
     <p:sldId id="292" r:id="rId23"/>
-    <p:sldId id="293" r:id="rId24"/>
-    <p:sldId id="294" r:id="rId25"/>
-    <p:sldId id="295" r:id="rId26"/>
-    <p:sldId id="296" r:id="rId27"/>
-    <p:sldId id="297" r:id="rId28"/>
-    <p:sldId id="298" r:id="rId29"/>
-    <p:sldId id="269" r:id="rId30"/>
-    <p:sldId id="272" r:id="rId31"/>
-    <p:sldId id="271" r:id="rId32"/>
-    <p:sldId id="276" r:id="rId33"/>
-    <p:sldId id="261" r:id="rId34"/>
-    <p:sldId id="262" r:id="rId35"/>
-    <p:sldId id="263" r:id="rId36"/>
-    <p:sldId id="259" r:id="rId37"/>
-    <p:sldId id="268" r:id="rId38"/>
+    <p:sldId id="308" r:id="rId24"/>
+    <p:sldId id="293" r:id="rId25"/>
+    <p:sldId id="309" r:id="rId26"/>
+    <p:sldId id="294" r:id="rId27"/>
+    <p:sldId id="302" r:id="rId28"/>
+    <p:sldId id="304" r:id="rId29"/>
+    <p:sldId id="305" r:id="rId30"/>
+    <p:sldId id="303" r:id="rId31"/>
+    <p:sldId id="306" r:id="rId32"/>
+    <p:sldId id="295" r:id="rId33"/>
+    <p:sldId id="296" r:id="rId34"/>
+    <p:sldId id="298" r:id="rId35"/>
+    <p:sldId id="269" r:id="rId36"/>
+    <p:sldId id="272" r:id="rId37"/>
+    <p:sldId id="271" r:id="rId38"/>
+    <p:sldId id="276" r:id="rId39"/>
+    <p:sldId id="261" r:id="rId40"/>
+    <p:sldId id="262" r:id="rId41"/>
+    <p:sldId id="263" r:id="rId42"/>
+    <p:sldId id="259" r:id="rId43"/>
+    <p:sldId id="268" r:id="rId44"/>
   </p:sldIdLst>
   <p:sldSz cx="12192000" cy="6858000"/>
   <p:notesSz cx="6858000" cy="9144000"/>
@@ -142,7 +148,7 @@
   </p:defaultTextStyle>
   <p:extLst>
     <p:ext uri="{EFAFB233-063F-42B5-8137-9DF3F51BA10A}">
-      <p15:sldGuideLst xmlns:p15="http://schemas.microsoft.com/office/powerpoint/2012/main">
+      <p15:sldGuideLst xmlns:p15="http://schemas.microsoft.com/office/powerpoint/2012/main" xmlns="">
         <p15:guide id="1" orient="horz" pos="2160" userDrawn="1">
           <p15:clr>
             <a:srgbClr val="A4A3A4"/>
@@ -7022,7 +7028,7 @@
             <a:spLocks noGrp="1"/>
           </p:cNvSpPr>
           <p:nvPr>
-            <p:ph type="ctrTitle"/>
+            <p:ph type="title"/>
           </p:nvPr>
         </p:nvSpPr>
         <p:spPr/>
@@ -7031,111 +7037,247 @@
           <a:lstStyle/>
           <a:p>
             <a:r>
-              <a:rPr lang="es-MX" b="1" dirty="0" smtClean="0">
-                <a:effectLst>
-                  <a:outerShdw blurRad="38100" dist="38100" dir="2700000" algn="tl">
-                    <a:srgbClr val="000000">
-                      <a:alpha val="43137"/>
-                    </a:srgbClr>
-                  </a:outerShdw>
-                </a:effectLst>
-              </a:rPr>
-              <a:t>Tipos de Hipótesis</a:t>
-            </a:r>
-            <a:endParaRPr lang="es-MX" b="1" dirty="0">
-              <a:effectLst>
-                <a:outerShdw blurRad="38100" dist="38100" dir="2700000" algn="tl">
-                  <a:srgbClr val="000000">
-                    <a:alpha val="43137"/>
-                  </a:srgbClr>
-                </a:outerShdw>
-              </a:effectLst>
-            </a:endParaRPr>
-          </a:p>
-        </p:txBody>
-      </p:sp>
-      <p:sp>
-        <p:nvSpPr>
-          <p:cNvPr id="3" name="Subtítulo 2"/>
+              <a:rPr lang="es-MX" b="1" dirty="0" smtClean="0"/>
+              <a:t>Características</a:t>
+            </a:r>
+            <a:r>
+              <a:rPr lang="es-MX" dirty="0" smtClean="0"/>
+              <a:t> de una Hipótesis</a:t>
+            </a:r>
+            <a:endParaRPr lang="es-MX" dirty="0"/>
+          </a:p>
+        </p:txBody>
+      </p:sp>
+      <p:sp>
+        <p:nvSpPr>
+          <p:cNvPr id="3" name="Marcador de contenido 2"/>
           <p:cNvSpPr>
             <a:spLocks noGrp="1"/>
           </p:cNvSpPr>
           <p:nvPr>
-            <p:ph type="subTitle" idx="1"/>
+            <p:ph idx="1"/>
           </p:nvPr>
         </p:nvSpPr>
         <p:spPr/>
         <p:txBody>
-          <a:bodyPr/>
-          <a:lstStyle/>
-          <a:p>
-            <a:pPr marL="342900" indent="-342900">
-              <a:buFont typeface="Arial" panose="020B0604020202020204" pitchFamily="34" charset="0"/>
-              <a:buChar char="•"/>
+          <a:bodyPr>
+            <a:normAutofit fontScale="85000" lnSpcReduction="10000"/>
+          </a:bodyPr>
+          <a:lstStyle/>
+          <a:p>
+            <a:r>
+              <a:rPr lang="es-MX" dirty="0" smtClean="0"/>
+              <a:t>1) Deben estar acotadas a un contexto claramente definido (situaciones reales).</a:t>
+            </a:r>
+          </a:p>
+          <a:p>
+            <a:endParaRPr lang="es-MX" dirty="0" smtClean="0"/>
+          </a:p>
+          <a:p>
+            <a:r>
+              <a:rPr lang="es-MX" dirty="0" smtClean="0"/>
+              <a:t>2</a:t>
+            </a:r>
+            <a:r>
+              <a:rPr lang="es-MX" dirty="0"/>
+              <a:t>) Debe contener definiciones </a:t>
+            </a:r>
+            <a:r>
+              <a:rPr lang="es-MX" b="1" dirty="0"/>
+              <a:t>concretas, claras</a:t>
+            </a:r>
+            <a:r>
+              <a:rPr lang="es-MX" dirty="0"/>
+              <a:t> y </a:t>
+            </a:r>
+            <a:r>
+              <a:rPr lang="es-MX" b="1" dirty="0"/>
+              <a:t>precisas</a:t>
+            </a:r>
+            <a:r>
+              <a:rPr lang="es-MX" dirty="0" smtClean="0"/>
+              <a:t>.</a:t>
+            </a:r>
+          </a:p>
+          <a:p>
+            <a:endParaRPr lang="es-ES" dirty="0" smtClean="0"/>
+          </a:p>
+          <a:p>
+            <a:r>
+              <a:rPr lang="es-MX" dirty="0"/>
+              <a:t>3) Debe ser </a:t>
+            </a:r>
+            <a:r>
+              <a:rPr lang="es-MX" b="1" dirty="0"/>
+              <a:t>verosímil </a:t>
+            </a:r>
+          </a:p>
+          <a:p>
+            <a:pPr marL="0" indent="0">
+              <a:buNone/>
             </a:pPr>
-            <a:endParaRPr lang="es-MX" dirty="0" smtClean="0"/>
-          </a:p>
-          <a:p>
-            <a:pPr marL="342900" indent="-342900">
-              <a:buFont typeface="Arial" panose="020B0604020202020204" pitchFamily="34" charset="0"/>
-              <a:buChar char="•"/>
+            <a:endParaRPr lang="es-ES" dirty="0" smtClean="0"/>
+          </a:p>
+          <a:p>
+            <a:r>
+              <a:rPr lang="es-MX" dirty="0"/>
+              <a:t>4) Deben ser </a:t>
+            </a:r>
+            <a:r>
+              <a:rPr lang="es-MX" b="1" dirty="0" err="1"/>
+              <a:t>falseables</a:t>
+            </a:r>
+            <a:r>
+              <a:rPr lang="es-MX" b="1" dirty="0"/>
+              <a:t> </a:t>
+            </a:r>
+            <a:r>
+              <a:rPr lang="es-MX" dirty="0"/>
+              <a:t>y estar planteadas en términos de variables que puedan ser observadas y medidas.</a:t>
+            </a:r>
+          </a:p>
+          <a:p>
+            <a:pPr marL="0" indent="0">
+              <a:buNone/>
             </a:pPr>
+            <a:endParaRPr lang="es-ES" dirty="0"/>
+          </a:p>
+          <a:p>
+            <a:r>
+              <a:rPr lang="es-MX" dirty="0"/>
+              <a:t>5) Deben ser consistentes con las </a:t>
+            </a:r>
+            <a:r>
+              <a:rPr lang="es-MX" b="1" dirty="0"/>
+              <a:t>técnicas </a:t>
+            </a:r>
+            <a:r>
+              <a:rPr lang="es-MX" dirty="0"/>
+              <a:t>e </a:t>
+            </a:r>
+            <a:r>
+              <a:rPr lang="es-MX" b="1" dirty="0"/>
+              <a:t>instrumentos </a:t>
+            </a:r>
+            <a:r>
+              <a:rPr lang="es-MX" dirty="0"/>
+              <a:t>con que se cuenta para probarlas.</a:t>
+            </a:r>
+          </a:p>
+          <a:p>
             <a:endParaRPr lang="es-MX" dirty="0"/>
           </a:p>
-        </p:txBody>
-      </p:sp>
-      <p:pic>
-        <p:nvPicPr>
-          <p:cNvPr id="4" name="Imagen 3"/>
-          <p:cNvPicPr>
-            <a:picLocks noChangeAspect="1"/>
-          </p:cNvPicPr>
+          <a:p>
+            <a:endParaRPr lang="es-MX" dirty="0"/>
+          </a:p>
+        </p:txBody>
+      </p:sp>
+      <p:sp>
+        <p:nvSpPr>
+          <p:cNvPr id="4" name="Rectángulo 3"/>
+          <p:cNvSpPr/>
           <p:nvPr/>
-        </p:nvPicPr>
-        <p:blipFill>
-          <a:blip r:embed="rId2"/>
-          <a:stretch>
-            <a:fillRect/>
-          </a:stretch>
-        </p:blipFill>
+        </p:nvSpPr>
         <p:spPr>
           <a:xfrm>
             <a:off x="0" y="0"/>
-            <a:ext cx="12192000" cy="1343025"/>
+            <a:ext cx="12192000" cy="203200"/>
           </a:xfrm>
           <a:prstGeom prst="rect">
             <a:avLst/>
           </a:prstGeom>
-        </p:spPr>
-      </p:pic>
-      <p:pic>
-        <p:nvPicPr>
-          <p:cNvPr id="5" name="Imagen 4"/>
-          <p:cNvPicPr>
-            <a:picLocks noChangeAspect="1"/>
-          </p:cNvPicPr>
+          <a:solidFill>
+            <a:schemeClr val="accent4">
+              <a:lumMod val="40000"/>
+              <a:lumOff val="60000"/>
+            </a:schemeClr>
+          </a:solidFill>
+          <a:ln>
+            <a:solidFill>
+              <a:schemeClr val="tx1"/>
+            </a:solidFill>
+          </a:ln>
+        </p:spPr>
+        <p:style>
+          <a:lnRef idx="2">
+            <a:schemeClr val="accent1">
+              <a:shade val="50000"/>
+            </a:schemeClr>
+          </a:lnRef>
+          <a:fillRef idx="1">
+            <a:schemeClr val="accent1"/>
+          </a:fillRef>
+          <a:effectRef idx="0">
+            <a:schemeClr val="accent1"/>
+          </a:effectRef>
+          <a:fontRef idx="minor">
+            <a:schemeClr val="lt1"/>
+          </a:fontRef>
+        </p:style>
+        <p:txBody>
+          <a:bodyPr rtlCol="0" anchor="ctr"/>
+          <a:lstStyle/>
+          <a:p>
+            <a:pPr algn="ctr"/>
+            <a:endParaRPr lang="es-MX"/>
+          </a:p>
+        </p:txBody>
+      </p:sp>
+      <p:sp>
+        <p:nvSpPr>
+          <p:cNvPr id="5" name="Rectángulo 4"/>
+          <p:cNvSpPr/>
           <p:nvPr/>
-        </p:nvPicPr>
-        <p:blipFill>
-          <a:blip r:embed="rId2"/>
-          <a:stretch>
-            <a:fillRect/>
-          </a:stretch>
-        </p:blipFill>
-        <p:spPr>
-          <a:xfrm>
-            <a:off x="0" y="5514975"/>
-            <a:ext cx="12192000" cy="1343025"/>
+        </p:nvSpPr>
+        <p:spPr>
+          <a:xfrm>
+            <a:off x="0" y="6654800"/>
+            <a:ext cx="12192000" cy="203200"/>
           </a:xfrm>
           <a:prstGeom prst="rect">
             <a:avLst/>
           </a:prstGeom>
-        </p:spPr>
-      </p:pic>
+          <a:solidFill>
+            <a:schemeClr val="accent4">
+              <a:lumMod val="40000"/>
+              <a:lumOff val="60000"/>
+            </a:schemeClr>
+          </a:solidFill>
+          <a:ln>
+            <a:solidFill>
+              <a:schemeClr val="tx1"/>
+            </a:solidFill>
+          </a:ln>
+        </p:spPr>
+        <p:style>
+          <a:lnRef idx="2">
+            <a:schemeClr val="accent1">
+              <a:shade val="50000"/>
+            </a:schemeClr>
+          </a:lnRef>
+          <a:fillRef idx="1">
+            <a:schemeClr val="accent1"/>
+          </a:fillRef>
+          <a:effectRef idx="0">
+            <a:schemeClr val="accent1"/>
+          </a:effectRef>
+          <a:fontRef idx="minor">
+            <a:schemeClr val="lt1"/>
+          </a:fontRef>
+        </p:style>
+        <p:txBody>
+          <a:bodyPr rtlCol="0" anchor="ctr"/>
+          <a:lstStyle/>
+          <a:p>
+            <a:pPr algn="ctr"/>
+            <a:endParaRPr lang="es-MX"/>
+          </a:p>
+        </p:txBody>
+      </p:sp>
     </p:spTree>
     <p:extLst>
       <p:ext uri="{BB962C8B-B14F-4D97-AF65-F5344CB8AC3E}">
-        <p14:creationId xmlns:p14="http://schemas.microsoft.com/office/powerpoint/2010/main" val="1784183117"/>
+        <p14:creationId xmlns:p14="http://schemas.microsoft.com/office/powerpoint/2010/main" val="423700647"/>
       </p:ext>
     </p:extLst>
   </p:cSld>
@@ -7176,7 +7318,7 @@
             <a:spLocks noGrp="1"/>
           </p:cNvSpPr>
           <p:nvPr>
-            <p:ph type="title"/>
+            <p:ph type="ctrTitle"/>
           </p:nvPr>
         </p:nvSpPr>
         <p:spPr/>
@@ -7185,21 +7327,37 @@
           <a:lstStyle/>
           <a:p>
             <a:r>
-              <a:rPr lang="es-MX" dirty="0" smtClean="0"/>
-              <a:t>1) Hipótesis de Investigación</a:t>
-            </a:r>
-            <a:endParaRPr lang="es-MX" dirty="0"/>
-          </a:p>
-        </p:txBody>
-      </p:sp>
-      <p:sp>
-        <p:nvSpPr>
-          <p:cNvPr id="3" name="Marcador de contenido 2"/>
+              <a:rPr lang="es-MX" b="1" dirty="0" smtClean="0">
+                <a:effectLst>
+                  <a:outerShdw blurRad="38100" dist="38100" dir="2700000" algn="tl">
+                    <a:srgbClr val="000000">
+                      <a:alpha val="43137"/>
+                    </a:srgbClr>
+                  </a:outerShdw>
+                </a:effectLst>
+              </a:rPr>
+              <a:t>Tipos de Hipótesis</a:t>
+            </a:r>
+            <a:endParaRPr lang="es-MX" b="1" dirty="0">
+              <a:effectLst>
+                <a:outerShdw blurRad="38100" dist="38100" dir="2700000" algn="tl">
+                  <a:srgbClr val="000000">
+                    <a:alpha val="43137"/>
+                  </a:srgbClr>
+                </a:outerShdw>
+              </a:effectLst>
+            </a:endParaRPr>
+          </a:p>
+        </p:txBody>
+      </p:sp>
+      <p:sp>
+        <p:nvSpPr>
+          <p:cNvPr id="3" name="Subtítulo 2"/>
           <p:cNvSpPr>
             <a:spLocks noGrp="1"/>
           </p:cNvSpPr>
           <p:nvPr>
-            <p:ph idx="1"/>
+            <p:ph type="subTitle" idx="1"/>
           </p:nvPr>
         </p:nvSpPr>
         <p:spPr/>
@@ -7207,129 +7365,73 @@
           <a:bodyPr/>
           <a:lstStyle/>
           <a:p>
-            <a:r>
-              <a:rPr lang="es-MX" dirty="0" smtClean="0"/>
-              <a:t>A) Descriptivas de un valor o </a:t>
-            </a:r>
-            <a:r>
-              <a:rPr lang="es-MX" smtClean="0"/>
-              <a:t>dato pronosticado</a:t>
-            </a:r>
+            <a:pPr marL="342900" indent="-342900">
+              <a:buFont typeface="Arial" panose="020B0604020202020204" pitchFamily="34" charset="0"/>
+              <a:buChar char="•"/>
+            </a:pPr>
             <a:endParaRPr lang="es-MX" dirty="0" smtClean="0"/>
           </a:p>
           <a:p>
-            <a:endParaRPr lang="es-MX" dirty="0" smtClean="0"/>
-          </a:p>
-          <a:p>
-            <a:r>
-              <a:rPr lang="es-MX" dirty="0" smtClean="0"/>
-              <a:t>B)</a:t>
-            </a:r>
-          </a:p>
-          <a:p>
-            <a:endParaRPr lang="es-MX" dirty="0" smtClean="0"/>
-          </a:p>
-          <a:p>
-            <a:r>
-              <a:rPr lang="es-MX" dirty="0" smtClean="0"/>
-              <a:t>C)</a:t>
-            </a:r>
-          </a:p>
-          <a:p>
-            <a:endParaRPr lang="es-MX" dirty="0" smtClean="0"/>
-          </a:p>
-          <a:p>
-            <a:r>
-              <a:rPr lang="es-MX" dirty="0" smtClean="0"/>
-              <a:t>D)</a:t>
-            </a:r>
-          </a:p>
-        </p:txBody>
-      </p:sp>
-      <p:sp>
-        <p:nvSpPr>
-          <p:cNvPr id="4" name="Rectángulo 3"/>
-          <p:cNvSpPr/>
+            <a:pPr marL="342900" indent="-342900">
+              <a:buFont typeface="Arial" panose="020B0604020202020204" pitchFamily="34" charset="0"/>
+              <a:buChar char="•"/>
+            </a:pPr>
+            <a:endParaRPr lang="es-MX" dirty="0"/>
+          </a:p>
+        </p:txBody>
+      </p:sp>
+      <p:pic>
+        <p:nvPicPr>
+          <p:cNvPr id="4" name="Imagen 3"/>
+          <p:cNvPicPr>
+            <a:picLocks noChangeAspect="1"/>
+          </p:cNvPicPr>
           <p:nvPr/>
-        </p:nvSpPr>
+        </p:nvPicPr>
+        <p:blipFill>
+          <a:blip r:embed="rId2"/>
+          <a:stretch>
+            <a:fillRect/>
+          </a:stretch>
+        </p:blipFill>
         <p:spPr>
           <a:xfrm>
             <a:off x="0" y="0"/>
-            <a:ext cx="12192000" cy="203200"/>
+            <a:ext cx="12192000" cy="1343025"/>
           </a:xfrm>
           <a:prstGeom prst="rect">
             <a:avLst/>
           </a:prstGeom>
         </p:spPr>
-        <p:style>
-          <a:lnRef idx="2">
-            <a:schemeClr val="accent1">
-              <a:shade val="50000"/>
-            </a:schemeClr>
-          </a:lnRef>
-          <a:fillRef idx="1">
-            <a:schemeClr val="accent1"/>
-          </a:fillRef>
-          <a:effectRef idx="0">
-            <a:schemeClr val="accent1"/>
-          </a:effectRef>
-          <a:fontRef idx="minor">
-            <a:schemeClr val="lt1"/>
-          </a:fontRef>
-        </p:style>
-        <p:txBody>
-          <a:bodyPr rtlCol="0" anchor="ctr"/>
-          <a:lstStyle/>
-          <a:p>
-            <a:pPr algn="ctr"/>
-            <a:endParaRPr lang="es-MX"/>
-          </a:p>
-        </p:txBody>
-      </p:sp>
-      <p:sp>
-        <p:nvSpPr>
-          <p:cNvPr id="5" name="Rectángulo 4"/>
-          <p:cNvSpPr/>
+      </p:pic>
+      <p:pic>
+        <p:nvPicPr>
+          <p:cNvPr id="5" name="Imagen 4"/>
+          <p:cNvPicPr>
+            <a:picLocks noChangeAspect="1"/>
+          </p:cNvPicPr>
           <p:nvPr/>
-        </p:nvSpPr>
-        <p:spPr>
-          <a:xfrm>
-            <a:off x="0" y="6654800"/>
-            <a:ext cx="12192000" cy="203200"/>
+        </p:nvPicPr>
+        <p:blipFill>
+          <a:blip r:embed="rId2"/>
+          <a:stretch>
+            <a:fillRect/>
+          </a:stretch>
+        </p:blipFill>
+        <p:spPr>
+          <a:xfrm>
+            <a:off x="0" y="5514975"/>
+            <a:ext cx="12192000" cy="1343025"/>
           </a:xfrm>
           <a:prstGeom prst="rect">
             <a:avLst/>
           </a:prstGeom>
         </p:spPr>
-        <p:style>
-          <a:lnRef idx="2">
-            <a:schemeClr val="accent1">
-              <a:shade val="50000"/>
-            </a:schemeClr>
-          </a:lnRef>
-          <a:fillRef idx="1">
-            <a:schemeClr val="accent1"/>
-          </a:fillRef>
-          <a:effectRef idx="0">
-            <a:schemeClr val="accent1"/>
-          </a:effectRef>
-          <a:fontRef idx="minor">
-            <a:schemeClr val="lt1"/>
-          </a:fontRef>
-        </p:style>
-        <p:txBody>
-          <a:bodyPr rtlCol="0" anchor="ctr"/>
-          <a:lstStyle/>
-          <a:p>
-            <a:pPr algn="ctr"/>
-            <a:endParaRPr lang="es-MX"/>
-          </a:p>
-        </p:txBody>
-      </p:sp>
+      </p:pic>
     </p:spTree>
     <p:extLst>
       <p:ext uri="{BB962C8B-B14F-4D97-AF65-F5344CB8AC3E}">
-        <p14:creationId xmlns:p14="http://schemas.microsoft.com/office/powerpoint/2010/main" val="81400658"/>
+        <p14:creationId xmlns:p14="http://schemas.microsoft.com/office/powerpoint/2010/main" val="1784183117"/>
       </p:ext>
     </p:extLst>
   </p:cSld>
@@ -7380,7 +7482,7 @@
           <a:p>
             <a:r>
               <a:rPr lang="es-MX" dirty="0" smtClean="0"/>
-              <a:t>2) Hipótesis Nula</a:t>
+              <a:t>Tipos:</a:t>
             </a:r>
             <a:endParaRPr lang="es-MX" dirty="0"/>
           </a:p>
@@ -7401,7 +7503,43 @@
           <a:bodyPr/>
           <a:lstStyle/>
           <a:p>
-            <a:endParaRPr lang="es-MX"/>
+            <a:pPr marL="514350" indent="-514350">
+              <a:buAutoNum type="arabicParenR"/>
+            </a:pPr>
+            <a:r>
+              <a:rPr lang="es-MX" dirty="0" smtClean="0"/>
+              <a:t>Hipótesis de Investigación</a:t>
+            </a:r>
+          </a:p>
+          <a:p>
+            <a:pPr marL="514350" indent="-514350">
+              <a:buAutoNum type="arabicParenR"/>
+            </a:pPr>
+            <a:endParaRPr lang="es-ES" dirty="0" smtClean="0"/>
+          </a:p>
+          <a:p>
+            <a:pPr marL="514350" indent="-514350">
+              <a:buAutoNum type="arabicParenR"/>
+            </a:pPr>
+            <a:r>
+              <a:rPr lang="es-ES" dirty="0" smtClean="0"/>
+              <a:t>Hipótesis Nula</a:t>
+            </a:r>
+          </a:p>
+          <a:p>
+            <a:pPr marL="514350" indent="-514350">
+              <a:buAutoNum type="arabicParenR"/>
+            </a:pPr>
+            <a:endParaRPr lang="es-ES" dirty="0" smtClean="0"/>
+          </a:p>
+          <a:p>
+            <a:pPr marL="514350" indent="-514350">
+              <a:buAutoNum type="arabicParenR"/>
+            </a:pPr>
+            <a:r>
+              <a:rPr lang="es-ES" dirty="0" smtClean="0"/>
+              <a:t>Hipótesis Alternativa</a:t>
+            </a:r>
           </a:p>
         </p:txBody>
       </p:sp>
@@ -7488,7 +7626,7 @@
     </p:spTree>
     <p:extLst>
       <p:ext uri="{BB962C8B-B14F-4D97-AF65-F5344CB8AC3E}">
-        <p14:creationId xmlns:p14="http://schemas.microsoft.com/office/powerpoint/2010/main" val="3099340501"/>
+        <p14:creationId xmlns:p14="http://schemas.microsoft.com/office/powerpoint/2010/main" val="532328869"/>
       </p:ext>
     </p:extLst>
   </p:cSld>
@@ -7539,7 +7677,7 @@
           <a:p>
             <a:r>
               <a:rPr lang="es-MX" dirty="0" smtClean="0"/>
-              <a:t>3) Hipótesis Alternativa</a:t>
+              <a:t>1) Hipótesis de Investigación</a:t>
             </a:r>
             <a:endParaRPr lang="es-MX" dirty="0"/>
           </a:p>
@@ -7560,7 +7698,56 @@
           <a:bodyPr/>
           <a:lstStyle/>
           <a:p>
-            <a:endParaRPr lang="es-MX"/>
+            <a:r>
+              <a:rPr lang="es-MX" dirty="0" smtClean="0"/>
+              <a:t>A) Descriptivas de un valor o dato pronosticado</a:t>
+            </a:r>
+          </a:p>
+          <a:p>
+            <a:endParaRPr lang="es-MX" dirty="0" smtClean="0"/>
+          </a:p>
+          <a:p>
+            <a:r>
+              <a:rPr lang="es-MX" dirty="0" smtClean="0"/>
+              <a:t>B</a:t>
+            </a:r>
+            <a:r>
+              <a:rPr lang="es-MX" dirty="0" smtClean="0"/>
+              <a:t>) </a:t>
+            </a:r>
+            <a:r>
+              <a:rPr lang="es-MX" dirty="0" err="1" smtClean="0"/>
+              <a:t>Correlacionales</a:t>
+            </a:r>
+            <a:endParaRPr lang="es-MX" dirty="0" smtClean="0"/>
+          </a:p>
+          <a:p>
+            <a:endParaRPr lang="es-MX" dirty="0" smtClean="0"/>
+          </a:p>
+          <a:p>
+            <a:r>
+              <a:rPr lang="es-MX" dirty="0" smtClean="0"/>
+              <a:t>C</a:t>
+            </a:r>
+            <a:r>
+              <a:rPr lang="es-MX" dirty="0" smtClean="0"/>
+              <a:t>) De diferencia de grupos</a:t>
+            </a:r>
+            <a:endParaRPr lang="es-MX" dirty="0" smtClean="0"/>
+          </a:p>
+          <a:p>
+            <a:endParaRPr lang="es-MX" dirty="0" smtClean="0"/>
+          </a:p>
+          <a:p>
+            <a:r>
+              <a:rPr lang="es-MX" dirty="0" smtClean="0"/>
+              <a:t>D</a:t>
+            </a:r>
+            <a:r>
+              <a:rPr lang="es-MX" dirty="0" smtClean="0"/>
+              <a:t>) Causales</a:t>
+            </a:r>
+            <a:endParaRPr lang="es-MX" dirty="0" smtClean="0"/>
           </a:p>
         </p:txBody>
       </p:sp>
@@ -7647,13 +7834,20 @@
     </p:spTree>
     <p:extLst>
       <p:ext uri="{BB962C8B-B14F-4D97-AF65-F5344CB8AC3E}">
-        <p14:creationId xmlns:p14="http://schemas.microsoft.com/office/powerpoint/2010/main" val="1252387225"/>
+        <p14:creationId xmlns:p14="http://schemas.microsoft.com/office/powerpoint/2010/main" val="81400658"/>
       </p:ext>
     </p:extLst>
   </p:cSld>
   <p:clrMapOvr>
     <a:masterClrMapping/>
   </p:clrMapOvr>
+  <p:timing>
+    <p:tnLst>
+      <p:par>
+        <p:cTn id="1" dur="indefinite" restart="never" nodeType="tmRoot"/>
+      </p:par>
+    </p:tnLst>
+  </p:timing>
 </p:sld>
 </file>
 
@@ -7691,7 +7885,7 @@
           <a:p>
             <a:r>
               <a:rPr lang="es-MX" dirty="0" smtClean="0"/>
-              <a:t>4) Hipótesis estadística</a:t>
+              <a:t>1) Hipótesis de Investigación</a:t>
             </a:r>
             <a:endParaRPr lang="es-MX" dirty="0"/>
           </a:p>
@@ -7712,7 +7906,61 @@
           <a:bodyPr/>
           <a:lstStyle/>
           <a:p>
-            <a:endParaRPr lang="es-MX"/>
+            <a:r>
+              <a:rPr lang="es-MX" b="1" u="sng" dirty="0" smtClean="0"/>
+              <a:t>A) Descriptivas de un valor o dato </a:t>
+            </a:r>
+            <a:r>
+              <a:rPr lang="es-MX" b="1" u="sng" dirty="0" smtClean="0"/>
+              <a:t>pronosticado</a:t>
+            </a:r>
+          </a:p>
+          <a:p>
+            <a:pPr marL="0" indent="0">
+              <a:buNone/>
+            </a:pPr>
+            <a:r>
+              <a:rPr lang="es-ES" dirty="0" smtClean="0"/>
+              <a:t>	</a:t>
+            </a:r>
+            <a:r>
+              <a:rPr lang="es-ES" dirty="0" smtClean="0"/>
+              <a:t>Se intenta predecir el valor que tendrá cierta variable antes de 	medirla</a:t>
+            </a:r>
+          </a:p>
+          <a:p>
+            <a:pPr marL="0" indent="0">
+              <a:buNone/>
+            </a:pPr>
+            <a:endParaRPr lang="es-ES" dirty="0"/>
+          </a:p>
+          <a:p>
+            <a:pPr marL="0" indent="0">
+              <a:buNone/>
+            </a:pPr>
+            <a:r>
+              <a:rPr lang="es-ES" dirty="0" smtClean="0"/>
+              <a:t>	</a:t>
+            </a:r>
+            <a:r>
+              <a:rPr lang="es-ES" b="1" dirty="0" smtClean="0"/>
+              <a:t>Ejemplos:</a:t>
+            </a:r>
+          </a:p>
+          <a:p>
+            <a:pPr lvl="2"/>
+            <a:r>
+              <a:rPr lang="es-ES" dirty="0" smtClean="0"/>
+              <a:t>Tras la legalización del aborto, se espera un decremento en el número de casos de muerte asociados a los abortos clandestinos</a:t>
+            </a:r>
+          </a:p>
+          <a:p>
+            <a:pPr lvl="2"/>
+            <a:r>
+              <a:rPr lang="es-ES" dirty="0" smtClean="0"/>
+              <a:t>Se espera que este año haya una menor número de estudiantes reprobados a causa del nuevo programa de tutorías</a:t>
+            </a:r>
+            <a:endParaRPr lang="es-ES" dirty="0" smtClean="0"/>
           </a:p>
         </p:txBody>
       </p:sp>
@@ -7799,13 +8047,20 @@
     </p:spTree>
     <p:extLst>
       <p:ext uri="{BB962C8B-B14F-4D97-AF65-F5344CB8AC3E}">
-        <p14:creationId xmlns:p14="http://schemas.microsoft.com/office/powerpoint/2010/main" val="1326175479"/>
+        <p14:creationId xmlns:p14="http://schemas.microsoft.com/office/powerpoint/2010/main" val="1562110949"/>
       </p:ext>
     </p:extLst>
   </p:cSld>
   <p:clrMapOvr>
     <a:masterClrMapping/>
   </p:clrMapOvr>
+  <p:timing>
+    <p:tnLst>
+      <p:par>
+        <p:cTn id="1" dur="indefinite" restart="never" nodeType="tmRoot"/>
+      </p:par>
+    </p:tnLst>
+  </p:timing>
 </p:sld>
 </file>
 
@@ -7841,7 +8096,11 @@
           <a:bodyPr/>
           <a:lstStyle/>
           <a:p>
-            <a:endParaRPr lang="es-MX"/>
+            <a:r>
+              <a:rPr lang="es-MX" dirty="0" smtClean="0"/>
+              <a:t>1) Hipótesis de Investigación</a:t>
+            </a:r>
+            <a:endParaRPr lang="es-MX" dirty="0"/>
           </a:p>
         </p:txBody>
       </p:sp>
@@ -7860,7 +8119,67 @@
           <a:bodyPr/>
           <a:lstStyle/>
           <a:p>
-            <a:endParaRPr lang="es-MX"/>
+            <a:r>
+              <a:rPr lang="es-MX" b="1" u="sng" dirty="0" smtClean="0"/>
+              <a:t>B) </a:t>
+            </a:r>
+            <a:r>
+              <a:rPr lang="es-MX" b="1" u="sng" dirty="0" err="1" smtClean="0"/>
+              <a:t>Correlacionales</a:t>
+            </a:r>
+            <a:endParaRPr lang="es-MX" b="1" u="sng" dirty="0" smtClean="0"/>
+          </a:p>
+          <a:p>
+            <a:pPr marL="457200" lvl="1" indent="0">
+              <a:buNone/>
+            </a:pPr>
+            <a:r>
+              <a:rPr lang="es-ES" dirty="0" smtClean="0"/>
+              <a:t>	Especifican la relación entre dos o más variables</a:t>
+            </a:r>
+          </a:p>
+          <a:p>
+            <a:pPr lvl="1"/>
+            <a:endParaRPr lang="es-ES" dirty="0"/>
+          </a:p>
+          <a:p>
+            <a:pPr marL="457200" lvl="1" indent="0">
+              <a:buNone/>
+            </a:pPr>
+            <a:r>
+              <a:rPr lang="es-ES" dirty="0" smtClean="0"/>
+              <a:t>	</a:t>
+            </a:r>
+            <a:r>
+              <a:rPr lang="es-ES" b="1" dirty="0" smtClean="0"/>
+              <a:t>Ejemplos:</a:t>
+            </a:r>
+          </a:p>
+          <a:p>
+            <a:pPr lvl="2"/>
+            <a:r>
+              <a:rPr lang="es-ES" dirty="0" smtClean="0"/>
+              <a:t>A mayor tiempo invertido en el estudio, mayores serán las calificaciones obtenidas en los exámenes parciales</a:t>
+            </a:r>
+          </a:p>
+          <a:p>
+            <a:pPr lvl="2"/>
+            <a:r>
+              <a:rPr lang="es-ES" dirty="0" smtClean="0"/>
+              <a:t>A mayor edad, mayor propensión a padecer un infarto</a:t>
+            </a:r>
+          </a:p>
+          <a:p>
+            <a:pPr lvl="2"/>
+            <a:r>
+              <a:rPr lang="es-ES" dirty="0" smtClean="0"/>
+              <a:t>El consumo de mariguana se asocia con la pérdida de memoria</a:t>
+            </a:r>
+            <a:r>
+              <a:rPr lang="es-ES" dirty="0" smtClean="0"/>
+              <a:t>	</a:t>
+            </a:r>
+            <a:endParaRPr lang="es-MX" dirty="0" smtClean="0"/>
           </a:p>
         </p:txBody>
       </p:sp>
@@ -7947,13 +8266,20 @@
     </p:spTree>
     <p:extLst>
       <p:ext uri="{BB962C8B-B14F-4D97-AF65-F5344CB8AC3E}">
-        <p14:creationId xmlns:p14="http://schemas.microsoft.com/office/powerpoint/2010/main" val="2953009323"/>
+        <p14:creationId xmlns:p14="http://schemas.microsoft.com/office/powerpoint/2010/main" val="1562110949"/>
       </p:ext>
     </p:extLst>
   </p:cSld>
   <p:clrMapOvr>
     <a:masterClrMapping/>
   </p:clrMapOvr>
+  <p:timing>
+    <p:tnLst>
+      <p:par>
+        <p:cTn id="1" dur="indefinite" restart="never" nodeType="tmRoot"/>
+      </p:par>
+    </p:tnLst>
+  </p:timing>
 </p:sld>
 </file>
 
@@ -7991,7 +8317,7 @@
           <a:p>
             <a:r>
               <a:rPr lang="es-MX" dirty="0" smtClean="0"/>
-              <a:t>¿Para qué sirve la Hipótesis?</a:t>
+              <a:t>1) Hipótesis de Investigación</a:t>
             </a:r>
             <a:endParaRPr lang="es-MX" dirty="0"/>
           </a:p>
@@ -8009,31 +8335,70 @@
         </p:nvSpPr>
         <p:spPr/>
         <p:txBody>
-          <a:bodyPr/>
-          <a:lstStyle/>
-          <a:p>
-            <a:r>
-              <a:rPr lang="es-MX" dirty="0" smtClean="0"/>
-              <a:t>Permite mantener la atención en las variables de </a:t>
-            </a:r>
-            <a:r>
-              <a:rPr lang="es-MX" dirty="0" err="1" smtClean="0"/>
-              <a:t>inteés</a:t>
-            </a:r>
-            <a:endParaRPr lang="es-MX" dirty="0" smtClean="0"/>
-          </a:p>
-          <a:p>
-            <a:r>
-              <a:rPr lang="es-MX" dirty="0" smtClean="0"/>
-              <a:t>Facilita la elaboración de conclusiones</a:t>
-            </a:r>
-          </a:p>
-          <a:p>
-            <a:r>
-              <a:rPr lang="es-MX" dirty="0" smtClean="0"/>
-              <a:t>Cuando las Hipótesis vienen de conocimiento teórico, fortalecen a la teoría.</a:t>
-            </a:r>
-            <a:endParaRPr lang="es-MX" dirty="0"/>
+          <a:bodyPr>
+            <a:normAutofit fontScale="92500" lnSpcReduction="10000"/>
+          </a:bodyPr>
+          <a:lstStyle/>
+          <a:p>
+            <a:r>
+              <a:rPr lang="es-MX" b="1" u="sng" dirty="0" smtClean="0"/>
+              <a:t>C) De diferencia de grupos</a:t>
+            </a:r>
+          </a:p>
+          <a:p>
+            <a:pPr marL="0" indent="0">
+              <a:buNone/>
+            </a:pPr>
+            <a:r>
+              <a:rPr lang="es-ES" dirty="0" smtClean="0"/>
+              <a:t>           Cuando se compara el valor de mi variable de interés a través de 	distintos grupos, se puede hacer predicciones sobre las 	diferencias a encontrar.</a:t>
+            </a:r>
+            <a:endParaRPr lang="es-ES" dirty="0"/>
+          </a:p>
+          <a:p>
+            <a:pPr marL="0" indent="0">
+              <a:buNone/>
+            </a:pPr>
+            <a:endParaRPr lang="es-ES" dirty="0"/>
+          </a:p>
+          <a:p>
+            <a:pPr marL="0" indent="0">
+              <a:buNone/>
+            </a:pPr>
+            <a:r>
+              <a:rPr lang="es-ES" dirty="0"/>
+              <a:t>	</a:t>
+            </a:r>
+            <a:r>
+              <a:rPr lang="es-ES" b="1" dirty="0"/>
+              <a:t>Ejemplos:</a:t>
+            </a:r>
+          </a:p>
+          <a:p>
+            <a:pPr lvl="2"/>
+            <a:r>
+              <a:rPr lang="es-ES" dirty="0" smtClean="0"/>
+              <a:t>Los niños obtendrán un mejor desempeño en la prueba PLANEA matemáticas que las niñas</a:t>
+            </a:r>
+            <a:endParaRPr lang="es-ES" dirty="0"/>
+          </a:p>
+          <a:p>
+            <a:pPr lvl="2"/>
+            <a:r>
+              <a:rPr lang="es-ES" dirty="0" smtClean="0"/>
+              <a:t>Las personas fumadoras son más propensas a tener problemas de mal aliento que las personas no fumadoras</a:t>
+            </a:r>
+          </a:p>
+          <a:p>
+            <a:pPr lvl="2"/>
+            <a:r>
+              <a:rPr lang="es-ES" dirty="0" smtClean="0"/>
+              <a:t>Los estudiantes provenientes de comunidades rurales tienen una menor probabilidad de terminar con una carrera universitaria que los estudiantes provenientes del área metropolitana.</a:t>
+            </a:r>
+            <a:endParaRPr lang="es-ES" dirty="0"/>
+          </a:p>
+          <a:p>
+            <a:endParaRPr lang="es-MX" b="1" u="sng" dirty="0" smtClean="0"/>
           </a:p>
         </p:txBody>
       </p:sp>
@@ -8120,13 +8485,20 @@
     </p:spTree>
     <p:extLst>
       <p:ext uri="{BB962C8B-B14F-4D97-AF65-F5344CB8AC3E}">
-        <p14:creationId xmlns:p14="http://schemas.microsoft.com/office/powerpoint/2010/main" val="2141892869"/>
+        <p14:creationId xmlns:p14="http://schemas.microsoft.com/office/powerpoint/2010/main" val="1562110949"/>
       </p:ext>
     </p:extLst>
   </p:cSld>
   <p:clrMapOvr>
     <a:masterClrMapping/>
   </p:clrMapOvr>
+  <p:timing>
+    <p:tnLst>
+      <p:par>
+        <p:cTn id="1" dur="indefinite" restart="never" nodeType="tmRoot"/>
+      </p:par>
+    </p:tnLst>
+  </p:timing>
 </p:sld>
 </file>
 
@@ -8436,7 +8808,7 @@
           <a:p>
             <a:r>
               <a:rPr lang="es-MX" dirty="0" smtClean="0"/>
-              <a:t>¿Para qué sirve la Hipótesis?</a:t>
+              <a:t>1) Hipótesis de Investigación</a:t>
             </a:r>
             <a:endParaRPr lang="es-MX" dirty="0"/>
           </a:p>
@@ -8458,27 +8830,61 @@
           <a:lstStyle/>
           <a:p>
             <a:r>
-              <a:rPr lang="es-MX" dirty="0" smtClean="0"/>
-              <a:t>Permite mantener la atención en las variables de </a:t>
-            </a:r>
-            <a:r>
-              <a:rPr lang="es-MX" dirty="0" err="1" smtClean="0"/>
-              <a:t>inteés</a:t>
+              <a:rPr lang="es-MX" b="1" u="sng" dirty="0" smtClean="0"/>
+              <a:t>D) Causal</a:t>
+            </a:r>
+          </a:p>
+          <a:p>
+            <a:pPr marL="0" indent="0">
+              <a:buNone/>
+            </a:pPr>
+            <a:r>
+              <a:rPr lang="es-ES" dirty="0"/>
+              <a:t>	</a:t>
+            </a:r>
+            <a:r>
+              <a:rPr lang="es-ES" dirty="0" smtClean="0"/>
+              <a:t>Además de afirmar que existe una relación entre dos o más 	variables, busca explicar la naturaleza causal de dicha relación.</a:t>
+            </a:r>
+            <a:br>
+              <a:rPr lang="es-ES" dirty="0" smtClean="0"/>
+            </a:br>
+            <a:endParaRPr lang="es-ES" dirty="0" smtClean="0"/>
+          </a:p>
+          <a:p>
+            <a:pPr marL="0" indent="0">
+              <a:buNone/>
+            </a:pPr>
+            <a:r>
+              <a:rPr lang="es-ES" dirty="0"/>
+              <a:t>	</a:t>
+            </a:r>
+            <a:r>
+              <a:rPr lang="es-ES" b="1" dirty="0" smtClean="0"/>
+              <a:t>Ejemplos:</a:t>
+            </a:r>
+          </a:p>
+          <a:p>
+            <a:pPr lvl="2"/>
+            <a:r>
+              <a:rPr lang="es-ES" dirty="0" smtClean="0"/>
+              <a:t>La variable A tiene un impacto en la Variable B.</a:t>
+            </a:r>
+          </a:p>
+          <a:p>
+            <a:pPr lvl="2"/>
+            <a:r>
+              <a:rPr lang="es-ES" dirty="0" smtClean="0"/>
+              <a:t>Los estudiantes que duermen más, dedican más tiempo a la consolidación sináptica y obtienen mejores calificaciones en sus evaluaciones escolares.</a:t>
+            </a:r>
+          </a:p>
+          <a:p>
+            <a:pPr lvl="2"/>
+            <a:r>
+              <a:rPr lang="es-ES" dirty="0" smtClean="0"/>
+              <a:t>El consumo de chocolate mejora el desempeño de las habilidades cognitivas superiores.</a:t>
             </a:r>
             <a:endParaRPr lang="es-MX" dirty="0" smtClean="0"/>
-          </a:p>
-          <a:p>
-            <a:r>
-              <a:rPr lang="es-MX" u="sng" dirty="0" smtClean="0"/>
-              <a:t>Facilita la elaboración de conclusiones</a:t>
-            </a:r>
-          </a:p>
-          <a:p>
-            <a:r>
-              <a:rPr lang="es-MX" dirty="0" smtClean="0"/>
-              <a:t>Cuando las Hipótesis vienen de conocimiento teórico, fortalecen a la teoría.</a:t>
-            </a:r>
-            <a:endParaRPr lang="es-MX" dirty="0"/>
           </a:p>
         </p:txBody>
       </p:sp>
@@ -8565,13 +8971,20 @@
     </p:spTree>
     <p:extLst>
       <p:ext uri="{BB962C8B-B14F-4D97-AF65-F5344CB8AC3E}">
-        <p14:creationId xmlns:p14="http://schemas.microsoft.com/office/powerpoint/2010/main" val="4012132783"/>
+        <p14:creationId xmlns:p14="http://schemas.microsoft.com/office/powerpoint/2010/main" val="1562110949"/>
       </p:ext>
     </p:extLst>
   </p:cSld>
   <p:clrMapOvr>
     <a:masterClrMapping/>
   </p:clrMapOvr>
+  <p:timing>
+    <p:tnLst>
+      <p:par>
+        <p:cTn id="1" dur="indefinite" restart="never" nodeType="tmRoot"/>
+      </p:par>
+    </p:tnLst>
+  </p:timing>
 </p:sld>
 </file>
 
@@ -8609,7 +9022,7 @@
           <a:p>
             <a:r>
               <a:rPr lang="es-MX" dirty="0" smtClean="0"/>
-              <a:t>¿Siempre debo partir de una Hipótesis?</a:t>
+              <a:t>1) Hipótesis de Investigación</a:t>
             </a:r>
             <a:endParaRPr lang="es-MX" dirty="0"/>
           </a:p>
@@ -8631,40 +9044,63 @@
           <a:lstStyle/>
           <a:p>
             <a:r>
-              <a:rPr lang="es-MX" b="1" dirty="0" smtClean="0"/>
-              <a:t>No.</a:t>
-            </a:r>
-            <a:endParaRPr lang="es-MX" b="1" dirty="0"/>
-          </a:p>
-        </p:txBody>
-      </p:sp>
-      <p:pic>
-        <p:nvPicPr>
-          <p:cNvPr id="4" name="Imagen 3"/>
-          <p:cNvPicPr>
-            <a:picLocks noChangeAspect="1"/>
-          </p:cNvPicPr>
-          <p:nvPr/>
-        </p:nvPicPr>
-        <p:blipFill>
-          <a:blip r:embed="rId2"/>
-          <a:stretch>
-            <a:fillRect/>
-          </a:stretch>
-        </p:blipFill>
-        <p:spPr>
-          <a:xfrm>
-            <a:off x="647700" y="2366963"/>
-            <a:ext cx="10896600" cy="3810000"/>
-          </a:xfrm>
-          <a:prstGeom prst="rect">
-            <a:avLst/>
-          </a:prstGeom>
-        </p:spPr>
-      </p:pic>
-      <p:sp>
-        <p:nvSpPr>
-          <p:cNvPr id="5" name="Rectángulo 4"/>
+              <a:rPr lang="es-MX" b="1" u="sng" dirty="0" smtClean="0"/>
+              <a:t>D) Causal</a:t>
+            </a:r>
+          </a:p>
+          <a:p>
+            <a:pPr marL="0" indent="0">
+              <a:buNone/>
+            </a:pPr>
+            <a:r>
+              <a:rPr lang="es-ES" dirty="0"/>
+              <a:t>	</a:t>
+            </a:r>
+            <a:r>
+              <a:rPr lang="es-ES" dirty="0" smtClean="0"/>
+              <a:t>Hipótesis causal </a:t>
+            </a:r>
+            <a:r>
+              <a:rPr lang="es-ES" dirty="0" err="1" smtClean="0"/>
+              <a:t>bivariada</a:t>
+            </a:r>
+            <a:endParaRPr lang="es-ES" dirty="0"/>
+          </a:p>
+          <a:p>
+            <a:pPr marL="0" indent="0">
+              <a:buNone/>
+            </a:pPr>
+            <a:r>
+              <a:rPr lang="es-ES" dirty="0" smtClean="0"/>
+              <a:t>	</a:t>
+            </a:r>
+          </a:p>
+          <a:p>
+            <a:pPr marL="0" indent="0">
+              <a:buNone/>
+            </a:pPr>
+            <a:endParaRPr lang="es-ES" dirty="0"/>
+          </a:p>
+          <a:p>
+            <a:pPr marL="0" indent="0">
+              <a:buNone/>
+            </a:pPr>
+            <a:r>
+              <a:rPr lang="es-ES" dirty="0" smtClean="0"/>
+              <a:t>	Hipótesis causal multivariada</a:t>
+            </a:r>
+          </a:p>
+          <a:p>
+            <a:pPr marL="0" indent="0">
+              <a:buNone/>
+            </a:pPr>
+            <a:endParaRPr lang="es-ES" dirty="0" smtClean="0"/>
+          </a:p>
+        </p:txBody>
+      </p:sp>
+      <p:sp>
+        <p:nvSpPr>
+          <p:cNvPr id="4" name="Rectángulo 3"/>
           <p:cNvSpPr/>
           <p:nvPr/>
         </p:nvSpPr>
@@ -8704,7 +9140,7 @@
       </p:sp>
       <p:sp>
         <p:nvSpPr>
-          <p:cNvPr id="6" name="Rectángulo 5"/>
+          <p:cNvPr id="5" name="Rectángulo 4"/>
           <p:cNvSpPr/>
           <p:nvPr/>
         </p:nvSpPr>
@@ -8742,16 +9178,343 @@
           </a:p>
         </p:txBody>
       </p:sp>
+      <p:sp>
+        <p:nvSpPr>
+          <p:cNvPr id="6" name="5 Rectángulo redondeado"/>
+          <p:cNvSpPr/>
+          <p:nvPr/>
+        </p:nvSpPr>
+        <p:spPr>
+          <a:xfrm>
+            <a:off x="6431974" y="2888672"/>
+            <a:ext cx="1880754" cy="696191"/>
+          </a:xfrm>
+          <a:prstGeom prst="roundRect">
+            <a:avLst/>
+          </a:prstGeom>
+        </p:spPr>
+        <p:style>
+          <a:lnRef idx="2">
+            <a:schemeClr val="accent1">
+              <a:shade val="50000"/>
+            </a:schemeClr>
+          </a:lnRef>
+          <a:fillRef idx="1">
+            <a:schemeClr val="accent1"/>
+          </a:fillRef>
+          <a:effectRef idx="0">
+            <a:schemeClr val="accent1"/>
+          </a:effectRef>
+          <a:fontRef idx="minor">
+            <a:schemeClr val="lt1"/>
+          </a:fontRef>
+        </p:style>
+        <p:txBody>
+          <a:bodyPr rtlCol="0" anchor="ctr"/>
+          <a:lstStyle/>
+          <a:p>
+            <a:pPr algn="ctr"/>
+            <a:endParaRPr lang="es-MX"/>
+          </a:p>
+        </p:txBody>
+      </p:sp>
+      <p:sp>
+        <p:nvSpPr>
+          <p:cNvPr id="7" name="6 Rectángulo redondeado"/>
+          <p:cNvSpPr/>
+          <p:nvPr/>
+        </p:nvSpPr>
+        <p:spPr>
+          <a:xfrm>
+            <a:off x="3231573" y="2826327"/>
+            <a:ext cx="1787237" cy="820882"/>
+          </a:xfrm>
+          <a:prstGeom prst="roundRect">
+            <a:avLst/>
+          </a:prstGeom>
+        </p:spPr>
+        <p:style>
+          <a:lnRef idx="2">
+            <a:schemeClr val="accent1">
+              <a:shade val="50000"/>
+            </a:schemeClr>
+          </a:lnRef>
+          <a:fillRef idx="1">
+            <a:schemeClr val="accent1"/>
+          </a:fillRef>
+          <a:effectRef idx="0">
+            <a:schemeClr val="accent1"/>
+          </a:effectRef>
+          <a:fontRef idx="minor">
+            <a:schemeClr val="lt1"/>
+          </a:fontRef>
+        </p:style>
+        <p:txBody>
+          <a:bodyPr rtlCol="0" anchor="ctr"/>
+          <a:lstStyle/>
+          <a:p>
+            <a:pPr algn="ctr"/>
+            <a:endParaRPr lang="es-MX"/>
+          </a:p>
+        </p:txBody>
+      </p:sp>
+      <p:sp>
+        <p:nvSpPr>
+          <p:cNvPr id="8" name="7 Rectángulo redondeado"/>
+          <p:cNvSpPr/>
+          <p:nvPr/>
+        </p:nvSpPr>
+        <p:spPr>
+          <a:xfrm>
+            <a:off x="6584374" y="4880263"/>
+            <a:ext cx="1880754" cy="696191"/>
+          </a:xfrm>
+          <a:prstGeom prst="roundRect">
+            <a:avLst/>
+          </a:prstGeom>
+        </p:spPr>
+        <p:style>
+          <a:lnRef idx="2">
+            <a:schemeClr val="accent1">
+              <a:shade val="50000"/>
+            </a:schemeClr>
+          </a:lnRef>
+          <a:fillRef idx="1">
+            <a:schemeClr val="accent1"/>
+          </a:fillRef>
+          <a:effectRef idx="0">
+            <a:schemeClr val="accent1"/>
+          </a:effectRef>
+          <a:fontRef idx="minor">
+            <a:schemeClr val="lt1"/>
+          </a:fontRef>
+        </p:style>
+        <p:txBody>
+          <a:bodyPr rtlCol="0" anchor="ctr"/>
+          <a:lstStyle/>
+          <a:p>
+            <a:pPr algn="ctr"/>
+            <a:endParaRPr lang="es-MX"/>
+          </a:p>
+        </p:txBody>
+      </p:sp>
+      <p:sp>
+        <p:nvSpPr>
+          <p:cNvPr id="9" name="8 Rectángulo redondeado"/>
+          <p:cNvSpPr/>
+          <p:nvPr/>
+        </p:nvSpPr>
+        <p:spPr>
+          <a:xfrm>
+            <a:off x="4507923" y="4317423"/>
+            <a:ext cx="1021773" cy="562840"/>
+          </a:xfrm>
+          <a:prstGeom prst="roundRect">
+            <a:avLst/>
+          </a:prstGeom>
+        </p:spPr>
+        <p:style>
+          <a:lnRef idx="2">
+            <a:schemeClr val="accent1">
+              <a:shade val="50000"/>
+            </a:schemeClr>
+          </a:lnRef>
+          <a:fillRef idx="1">
+            <a:schemeClr val="accent1"/>
+          </a:fillRef>
+          <a:effectRef idx="0">
+            <a:schemeClr val="accent1"/>
+          </a:effectRef>
+          <a:fontRef idx="minor">
+            <a:schemeClr val="lt1"/>
+          </a:fontRef>
+        </p:style>
+        <p:txBody>
+          <a:bodyPr rtlCol="0" anchor="ctr"/>
+          <a:lstStyle/>
+          <a:p>
+            <a:pPr algn="ctr"/>
+            <a:endParaRPr lang="es-MX"/>
+          </a:p>
+        </p:txBody>
+      </p:sp>
+      <p:sp>
+        <p:nvSpPr>
+          <p:cNvPr id="10" name="9 Rectángulo redondeado"/>
+          <p:cNvSpPr/>
+          <p:nvPr/>
+        </p:nvSpPr>
+        <p:spPr>
+          <a:xfrm>
+            <a:off x="3061855" y="4598843"/>
+            <a:ext cx="1021773" cy="562840"/>
+          </a:xfrm>
+          <a:prstGeom prst="roundRect">
+            <a:avLst/>
+          </a:prstGeom>
+        </p:spPr>
+        <p:style>
+          <a:lnRef idx="2">
+            <a:schemeClr val="accent1">
+              <a:shade val="50000"/>
+            </a:schemeClr>
+          </a:lnRef>
+          <a:fillRef idx="1">
+            <a:schemeClr val="accent1"/>
+          </a:fillRef>
+          <a:effectRef idx="0">
+            <a:schemeClr val="accent1"/>
+          </a:effectRef>
+          <a:fontRef idx="minor">
+            <a:schemeClr val="lt1"/>
+          </a:fontRef>
+        </p:style>
+        <p:txBody>
+          <a:bodyPr rtlCol="0" anchor="ctr"/>
+          <a:lstStyle/>
+          <a:p>
+            <a:pPr algn="ctr"/>
+            <a:endParaRPr lang="es-MX"/>
+          </a:p>
+        </p:txBody>
+      </p:sp>
+      <p:sp>
+        <p:nvSpPr>
+          <p:cNvPr id="11" name="10 Rectángulo redondeado"/>
+          <p:cNvSpPr/>
+          <p:nvPr/>
+        </p:nvSpPr>
+        <p:spPr>
+          <a:xfrm>
+            <a:off x="2507673" y="5295034"/>
+            <a:ext cx="1021773" cy="562840"/>
+          </a:xfrm>
+          <a:prstGeom prst="roundRect">
+            <a:avLst/>
+          </a:prstGeom>
+        </p:spPr>
+        <p:style>
+          <a:lnRef idx="2">
+            <a:schemeClr val="accent1">
+              <a:shade val="50000"/>
+            </a:schemeClr>
+          </a:lnRef>
+          <a:fillRef idx="1">
+            <a:schemeClr val="accent1"/>
+          </a:fillRef>
+          <a:effectRef idx="0">
+            <a:schemeClr val="accent1"/>
+          </a:effectRef>
+          <a:fontRef idx="minor">
+            <a:schemeClr val="lt1"/>
+          </a:fontRef>
+        </p:style>
+        <p:txBody>
+          <a:bodyPr rtlCol="0" anchor="ctr"/>
+          <a:lstStyle/>
+          <a:p>
+            <a:pPr algn="ctr"/>
+            <a:endParaRPr lang="es-MX"/>
+          </a:p>
+        </p:txBody>
+      </p:sp>
+      <p:sp>
+        <p:nvSpPr>
+          <p:cNvPr id="13" name="12 Rectángulo redondeado"/>
+          <p:cNvSpPr/>
+          <p:nvPr/>
+        </p:nvSpPr>
+        <p:spPr>
+          <a:xfrm>
+            <a:off x="3614304" y="5857874"/>
+            <a:ext cx="1021773" cy="562840"/>
+          </a:xfrm>
+          <a:prstGeom prst="roundRect">
+            <a:avLst/>
+          </a:prstGeom>
+        </p:spPr>
+        <p:style>
+          <a:lnRef idx="2">
+            <a:schemeClr val="accent1">
+              <a:shade val="50000"/>
+            </a:schemeClr>
+          </a:lnRef>
+          <a:fillRef idx="1">
+            <a:schemeClr val="accent1"/>
+          </a:fillRef>
+          <a:effectRef idx="0">
+            <a:schemeClr val="accent1"/>
+          </a:effectRef>
+          <a:fontRef idx="minor">
+            <a:schemeClr val="lt1"/>
+          </a:fontRef>
+        </p:style>
+        <p:txBody>
+          <a:bodyPr rtlCol="0" anchor="ctr"/>
+          <a:lstStyle/>
+          <a:p>
+            <a:pPr algn="ctr"/>
+            <a:endParaRPr lang="es-MX"/>
+          </a:p>
+        </p:txBody>
+      </p:sp>
+      <p:sp>
+        <p:nvSpPr>
+          <p:cNvPr id="14" name="13 Rectángulo redondeado"/>
+          <p:cNvSpPr/>
+          <p:nvPr/>
+        </p:nvSpPr>
+        <p:spPr>
+          <a:xfrm>
+            <a:off x="4920096" y="5936673"/>
+            <a:ext cx="1021773" cy="562840"/>
+          </a:xfrm>
+          <a:prstGeom prst="roundRect">
+            <a:avLst/>
+          </a:prstGeom>
+        </p:spPr>
+        <p:style>
+          <a:lnRef idx="2">
+            <a:schemeClr val="accent1">
+              <a:shade val="50000"/>
+            </a:schemeClr>
+          </a:lnRef>
+          <a:fillRef idx="1">
+            <a:schemeClr val="accent1"/>
+          </a:fillRef>
+          <a:effectRef idx="0">
+            <a:schemeClr val="accent1"/>
+          </a:effectRef>
+          <a:fontRef idx="minor">
+            <a:schemeClr val="lt1"/>
+          </a:fontRef>
+        </p:style>
+        <p:txBody>
+          <a:bodyPr rtlCol="0" anchor="ctr"/>
+          <a:lstStyle/>
+          <a:p>
+            <a:pPr algn="ctr"/>
+            <a:endParaRPr lang="es-MX"/>
+          </a:p>
+        </p:txBody>
+      </p:sp>
     </p:spTree>
     <p:extLst>
       <p:ext uri="{BB962C8B-B14F-4D97-AF65-F5344CB8AC3E}">
-        <p14:creationId xmlns:p14="http://schemas.microsoft.com/office/powerpoint/2010/main" val="3473749120"/>
+        <p14:creationId xmlns:p14="http://schemas.microsoft.com/office/powerpoint/2010/main" val="2026954590"/>
       </p:ext>
     </p:extLst>
   </p:cSld>
   <p:clrMapOvr>
     <a:masterClrMapping/>
   </p:clrMapOvr>
+  <p:timing>
+    <p:tnLst>
+      <p:par>
+        <p:cTn id="1" dur="indefinite" restart="never" nodeType="tmRoot"/>
+      </p:par>
+    </p:tnLst>
+  </p:timing>
 </p:sld>
 </file>
 
@@ -8782,43 +9545,14 @@
             <p:ph type="title"/>
           </p:nvPr>
         </p:nvSpPr>
-        <p:spPr>
-          <a:xfrm>
-            <a:off x="0" y="101600"/>
-            <a:ext cx="3970867" cy="1325563"/>
-          </a:xfrm>
-          <a:gradFill flip="none" rotWithShape="1">
-            <a:gsLst>
-              <a:gs pos="0">
-                <a:srgbClr val="C00000">
-                  <a:tint val="66000"/>
-                  <a:satMod val="160000"/>
-                </a:srgbClr>
-              </a:gs>
-              <a:gs pos="50000">
-                <a:srgbClr val="C00000">
-                  <a:tint val="44500"/>
-                  <a:satMod val="160000"/>
-                </a:srgbClr>
-              </a:gs>
-              <a:gs pos="100000">
-                <a:srgbClr val="C00000">
-                  <a:tint val="23500"/>
-                  <a:satMod val="160000"/>
-                </a:srgbClr>
-              </a:gs>
-            </a:gsLst>
-            <a:lin ang="5400000" scaled="1"/>
-            <a:tileRect/>
-          </a:gradFill>
-        </p:spPr>
+        <p:spPr/>
         <p:txBody>
           <a:bodyPr/>
           <a:lstStyle/>
           <a:p>
             <a:r>
               <a:rPr lang="es-MX" b="1" dirty="0" smtClean="0"/>
-              <a:t>¡Cuidado!</a:t>
+              <a:t>2) Hipótesis Nula</a:t>
             </a:r>
             <a:endParaRPr lang="es-MX" b="1" dirty="0"/>
           </a:p>
@@ -8840,97 +9574,8 @@
           <a:lstStyle/>
           <a:p>
             <a:r>
-              <a:rPr lang="es-MX" dirty="0" smtClean="0"/>
-              <a:t>En el 2012 la revista </a:t>
-            </a:r>
-            <a:r>
-              <a:rPr lang="es-MX" dirty="0" err="1" smtClean="0"/>
-              <a:t>ScienceNews</a:t>
-            </a:r>
-            <a:r>
-              <a:rPr lang="es-MX" dirty="0" smtClean="0"/>
-              <a:t> publicó un artículo que decía tener evidencia de que consumir café alarga la esperanza de vida (</a:t>
-            </a:r>
-            <a:r>
-              <a:rPr lang="es-MX" i="1" dirty="0" smtClean="0"/>
-              <a:t>“</a:t>
-            </a:r>
-            <a:r>
-              <a:rPr lang="es-MX" i="1" dirty="0" err="1" smtClean="0"/>
-              <a:t>Coffee</a:t>
-            </a:r>
-            <a:r>
-              <a:rPr lang="es-MX" i="1" dirty="0" smtClean="0"/>
-              <a:t> </a:t>
-            </a:r>
-            <a:r>
-              <a:rPr lang="es-MX" i="1" dirty="0" err="1" smtClean="0"/>
-              <a:t>gives</a:t>
-            </a:r>
-            <a:r>
-              <a:rPr lang="es-MX" i="1" dirty="0" smtClean="0"/>
-              <a:t> </a:t>
-            </a:r>
-            <a:r>
-              <a:rPr lang="es-MX" i="1" dirty="0" err="1" smtClean="0"/>
-              <a:t>jolt</a:t>
-            </a:r>
-            <a:r>
-              <a:rPr lang="es-MX" i="1" dirty="0" smtClean="0"/>
-              <a:t> </a:t>
-            </a:r>
-            <a:r>
-              <a:rPr lang="es-MX" i="1" dirty="0" err="1" smtClean="0"/>
-              <a:t>to</a:t>
-            </a:r>
-            <a:r>
-              <a:rPr lang="es-MX" i="1" dirty="0" smtClean="0"/>
-              <a:t> </a:t>
-            </a:r>
-            <a:r>
-              <a:rPr lang="es-MX" i="1" dirty="0" err="1" smtClean="0"/>
-              <a:t>life</a:t>
-            </a:r>
-            <a:r>
-              <a:rPr lang="es-MX" i="1" dirty="0" smtClean="0"/>
-              <a:t> </a:t>
-            </a:r>
-            <a:r>
-              <a:rPr lang="es-MX" i="1" dirty="0" err="1" smtClean="0"/>
-              <a:t>span</a:t>
-            </a:r>
-            <a:r>
-              <a:rPr lang="es-MX" i="1" dirty="0" smtClean="0"/>
-              <a:t>”</a:t>
-            </a:r>
-            <a:r>
-              <a:rPr lang="es-MX" dirty="0" smtClean="0"/>
-              <a:t>)</a:t>
-            </a:r>
-          </a:p>
-          <a:p>
-            <a:pPr lvl="1"/>
-            <a:r>
-              <a:rPr lang="es-MX" dirty="0" smtClean="0"/>
-              <a:t>En 1994, se realizó una encuesta a 402,260.</a:t>
-            </a:r>
-          </a:p>
-          <a:p>
-            <a:pPr lvl="2"/>
-            <a:r>
-              <a:rPr lang="es-MX" dirty="0" smtClean="0"/>
-              <a:t>“¿Cuánto café consumes cada día?”</a:t>
-            </a:r>
-          </a:p>
-          <a:p>
-            <a:pPr lvl="2"/>
-            <a:endParaRPr lang="es-MX" dirty="0" smtClean="0"/>
-          </a:p>
-          <a:p>
-            <a:pPr lvl="1"/>
-            <a:r>
-              <a:rPr lang="es-MX" dirty="0" smtClean="0"/>
-              <a:t>18 años más tarde, se buscó cuántas de las personas encuestadas en el 94 seguían con vida</a:t>
+              <a:rPr lang="es-ES" dirty="0" smtClean="0"/>
+              <a:t>Es la contraparte de la hipótesis de investigación: niega la existencia de una relación o efecto entre las variables de interés.</a:t>
             </a:r>
             <a:endParaRPr lang="es-MX" dirty="0"/>
           </a:p>
@@ -8938,59 +9583,18 @@
       </p:sp>
       <p:sp>
         <p:nvSpPr>
-          <p:cNvPr id="4" name="CuadroTexto 3"/>
-          <p:cNvSpPr txBox="1"/>
+          <p:cNvPr id="4" name="Rectángulo 3"/>
+          <p:cNvSpPr/>
           <p:nvPr/>
         </p:nvSpPr>
         <p:spPr>
           <a:xfrm>
-            <a:off x="6985000" y="6422497"/>
-            <a:ext cx="5207000" cy="323165"/>
+            <a:off x="0" y="0"/>
+            <a:ext cx="12192000" cy="203200"/>
           </a:xfrm>
           <a:prstGeom prst="rect">
             <a:avLst/>
           </a:prstGeom>
-          <a:noFill/>
-          <a:ln>
-            <a:solidFill>
-              <a:schemeClr val="accent1"/>
-            </a:solidFill>
-          </a:ln>
-        </p:spPr>
-        <p:txBody>
-          <a:bodyPr wrap="square" rtlCol="0">
-            <a:spAutoFit/>
-          </a:bodyPr>
-          <a:lstStyle/>
-          <a:p>
-            <a:r>
-              <a:rPr lang="es-MX" sz="1500" dirty="0" smtClean="0"/>
-              <a:t>https://www.sciencenews.org/article/coffee-gives-jolt-life-span</a:t>
-            </a:r>
-            <a:endParaRPr lang="es-MX" sz="1500" dirty="0"/>
-          </a:p>
-        </p:txBody>
-      </p:sp>
-      <p:sp>
-        <p:nvSpPr>
-          <p:cNvPr id="6" name="Rectángulo 5"/>
-          <p:cNvSpPr/>
-          <p:nvPr/>
-        </p:nvSpPr>
-        <p:spPr>
-          <a:xfrm>
-            <a:off x="0" y="0"/>
-            <a:ext cx="12192000" cy="203200"/>
-          </a:xfrm>
-          <a:prstGeom prst="rect">
-            <a:avLst/>
-          </a:prstGeom>
-          <a:solidFill>
-            <a:srgbClr val="C00000"/>
-          </a:solidFill>
-          <a:ln>
-            <a:noFill/>
-          </a:ln>
         </p:spPr>
         <p:style>
           <a:lnRef idx="2">
@@ -9019,7 +9623,7 @@
       </p:sp>
       <p:sp>
         <p:nvSpPr>
-          <p:cNvPr id="7" name="Rectángulo 6"/>
+          <p:cNvPr id="5" name="Rectángulo 4"/>
           <p:cNvSpPr/>
           <p:nvPr/>
         </p:nvSpPr>
@@ -9031,14 +9635,6 @@
           <a:prstGeom prst="rect">
             <a:avLst/>
           </a:prstGeom>
-          <a:solidFill>
-            <a:srgbClr val="C00000"/>
-          </a:solidFill>
-          <a:ln>
-            <a:solidFill>
-              <a:schemeClr val="tx1"/>
-            </a:solidFill>
-          </a:ln>
         </p:spPr>
         <p:style>
           <a:lnRef idx="2">
@@ -9065,84 +9661,10 @@
           </a:p>
         </p:txBody>
       </p:sp>
-      <p:sp>
-        <p:nvSpPr>
-          <p:cNvPr id="8" name="Título 1"/>
-          <p:cNvSpPr txBox="1">
-            <a:spLocks/>
-          </p:cNvSpPr>
-          <p:nvPr/>
-        </p:nvSpPr>
-        <p:spPr>
-          <a:xfrm>
-            <a:off x="9762067" y="0"/>
-            <a:ext cx="2429933" cy="1325563"/>
-          </a:xfrm>
-          <a:prstGeom prst="rect">
-            <a:avLst/>
-          </a:prstGeom>
-          <a:gradFill flip="none" rotWithShape="1">
-            <a:gsLst>
-              <a:gs pos="0">
-                <a:srgbClr val="C00000">
-                  <a:tint val="66000"/>
-                  <a:satMod val="160000"/>
-                </a:srgbClr>
-              </a:gs>
-              <a:gs pos="50000">
-                <a:srgbClr val="C00000">
-                  <a:tint val="44500"/>
-                  <a:satMod val="160000"/>
-                </a:srgbClr>
-              </a:gs>
-              <a:gs pos="100000">
-                <a:srgbClr val="C00000">
-                  <a:tint val="23500"/>
-                  <a:satMod val="160000"/>
-                </a:srgbClr>
-              </a:gs>
-            </a:gsLst>
-            <a:lin ang="10800000" scaled="1"/>
-            <a:tileRect/>
-          </a:gradFill>
-        </p:spPr>
-        <p:txBody>
-          <a:bodyPr vert="horz" lIns="91440" tIns="45720" rIns="91440" bIns="45720" rtlCol="0" anchor="ctr">
-            <a:normAutofit/>
-          </a:bodyPr>
-          <a:lstStyle>
-            <a:lvl1pPr algn="l" defTabSz="914400" rtl="0" eaLnBrk="1" latinLnBrk="0" hangingPunct="1">
-              <a:lnSpc>
-                <a:spcPct val="90000"/>
-              </a:lnSpc>
-              <a:spcBef>
-                <a:spcPct val="0"/>
-              </a:spcBef>
-              <a:buNone/>
-              <a:defRPr sz="4400" kern="1200">
-                <a:solidFill>
-                  <a:schemeClr val="tx1"/>
-                </a:solidFill>
-                <a:latin typeface="+mj-lt"/>
-                <a:ea typeface="+mj-ea"/>
-                <a:cs typeface="+mj-cs"/>
-              </a:defRPr>
-            </a:lvl1pPr>
-          </a:lstStyle>
-          <a:p>
-            <a:pPr algn="r"/>
-            <a:r>
-              <a:rPr lang="es-MX" b="1" dirty="0" smtClean="0"/>
-              <a:t>Ejemplo ilustrativo</a:t>
-            </a:r>
-            <a:endParaRPr lang="es-MX" b="1" dirty="0"/>
-          </a:p>
-        </p:txBody>
-      </p:sp>
     </p:spTree>
     <p:extLst>
       <p:ext uri="{BB962C8B-B14F-4D97-AF65-F5344CB8AC3E}">
-        <p14:creationId xmlns:p14="http://schemas.microsoft.com/office/powerpoint/2010/main" val="2875150341"/>
+        <p14:creationId xmlns:p14="http://schemas.microsoft.com/office/powerpoint/2010/main" val="3099340501"/>
       </p:ext>
     </p:extLst>
   </p:cSld>
@@ -9193,7 +9715,7 @@
           <a:p>
             <a:r>
               <a:rPr lang="es-MX" dirty="0" smtClean="0"/>
-              <a:t>Tipos de Variables</a:t>
+              <a:t>3) Hipótesis Alternativa</a:t>
             </a:r>
             <a:endParaRPr lang="es-MX" dirty="0"/>
           </a:p>
@@ -9214,30 +9736,7 @@
           <a:bodyPr/>
           <a:lstStyle/>
           <a:p>
-            <a:r>
-              <a:rPr lang="es-MX" dirty="0" smtClean="0"/>
-              <a:t>Independiente</a:t>
-            </a:r>
-          </a:p>
-          <a:p>
-            <a:endParaRPr lang="es-MX" dirty="0"/>
-          </a:p>
-          <a:p>
-            <a:endParaRPr lang="es-MX" dirty="0" smtClean="0"/>
-          </a:p>
-          <a:p>
-            <a:endParaRPr lang="es-MX" dirty="0"/>
-          </a:p>
-          <a:p>
-            <a:r>
-              <a:rPr lang="es-MX" dirty="0"/>
-              <a:t>D</a:t>
-            </a:r>
-            <a:r>
-              <a:rPr lang="es-MX" dirty="0" smtClean="0"/>
-              <a:t>ependiente</a:t>
-            </a:r>
-            <a:endParaRPr lang="es-MX" dirty="0"/>
+            <a:endParaRPr lang="es-MX"/>
           </a:p>
         </p:txBody>
       </p:sp>
@@ -9324,20 +9823,13 @@
     </p:spTree>
     <p:extLst>
       <p:ext uri="{BB962C8B-B14F-4D97-AF65-F5344CB8AC3E}">
-        <p14:creationId xmlns:p14="http://schemas.microsoft.com/office/powerpoint/2010/main" val="984105667"/>
+        <p14:creationId xmlns:p14="http://schemas.microsoft.com/office/powerpoint/2010/main" val="1252387225"/>
       </p:ext>
     </p:extLst>
   </p:cSld>
   <p:clrMapOvr>
     <a:masterClrMapping/>
   </p:clrMapOvr>
-  <p:timing>
-    <p:tnLst>
-      <p:par>
-        <p:cTn id="1" dur="indefinite" restart="never" nodeType="tmRoot"/>
-      </p:par>
-    </p:tnLst>
-  </p:timing>
 </p:sld>
 </file>
 
@@ -9373,11 +9865,7 @@
           <a:bodyPr/>
           <a:lstStyle/>
           <a:p>
-            <a:r>
-              <a:rPr lang="es-MX" dirty="0" smtClean="0"/>
-              <a:t>Tipos de Variables     (¡!)</a:t>
-            </a:r>
-            <a:endParaRPr lang="es-MX" dirty="0"/>
+            <a:endParaRPr lang="es-MX"/>
           </a:p>
         </p:txBody>
       </p:sp>
@@ -9396,26 +9884,7 @@
           <a:bodyPr/>
           <a:lstStyle/>
           <a:p>
-            <a:r>
-              <a:rPr lang="es-MX" dirty="0" smtClean="0"/>
-              <a:t>Externa</a:t>
-            </a:r>
-          </a:p>
-          <a:p>
-            <a:endParaRPr lang="es-MX" dirty="0"/>
-          </a:p>
-          <a:p>
-            <a:endParaRPr lang="es-MX" dirty="0" smtClean="0"/>
-          </a:p>
-          <a:p>
-            <a:endParaRPr lang="es-MX" dirty="0"/>
-          </a:p>
-          <a:p>
-            <a:r>
-              <a:rPr lang="es-MX" dirty="0" smtClean="0"/>
-              <a:t>Control</a:t>
-            </a:r>
-            <a:endParaRPr lang="es-MX" dirty="0"/>
+            <a:endParaRPr lang="es-MX"/>
           </a:p>
         </p:txBody>
       </p:sp>
@@ -9502,20 +9971,13 @@
     </p:spTree>
     <p:extLst>
       <p:ext uri="{BB962C8B-B14F-4D97-AF65-F5344CB8AC3E}">
-        <p14:creationId xmlns:p14="http://schemas.microsoft.com/office/powerpoint/2010/main" val="3890447047"/>
+        <p14:creationId xmlns:p14="http://schemas.microsoft.com/office/powerpoint/2010/main" val="2953009323"/>
       </p:ext>
     </p:extLst>
   </p:cSld>
   <p:clrMapOvr>
     <a:masterClrMapping/>
   </p:clrMapOvr>
-  <p:timing>
-    <p:tnLst>
-      <p:par>
-        <p:cTn id="1" dur="indefinite" restart="never" nodeType="tmRoot"/>
-      </p:par>
-    </p:tnLst>
-  </p:timing>
 </p:sld>
 </file>
 
@@ -9551,7 +10013,11 @@
           <a:bodyPr/>
           <a:lstStyle/>
           <a:p>
-            <a:endParaRPr lang="es-MX"/>
+            <a:r>
+              <a:rPr lang="es-MX" dirty="0" smtClean="0"/>
+              <a:t>¿Para qué sirve la Hipótesis?</a:t>
+            </a:r>
+            <a:endParaRPr lang="es-MX" dirty="0"/>
           </a:p>
         </p:txBody>
       </p:sp>
@@ -9572,21 +10038,24 @@
           <a:p>
             <a:r>
               <a:rPr lang="es-MX" dirty="0" smtClean="0"/>
-              <a:t>Lluvia de ideas</a:t>
-            </a:r>
-          </a:p>
-          <a:p>
-            <a:pPr lvl="1"/>
-            <a:r>
-              <a:rPr lang="es-MX" dirty="0" smtClean="0"/>
-              <a:t>En psicología se estudia a los estudiantes de psicología</a:t>
-            </a:r>
-          </a:p>
-          <a:p>
-            <a:pPr lvl="1"/>
-            <a:r>
-              <a:rPr lang="es-MX" dirty="0" smtClean="0"/>
-              <a:t>Cuidado con medir variables como “el amor” o “la felicidad”</a:t>
+              <a:t>Permite mantener la atención en las variables de </a:t>
+            </a:r>
+            <a:r>
+              <a:rPr lang="es-MX" dirty="0" err="1" smtClean="0"/>
+              <a:t>inteés</a:t>
+            </a:r>
+            <a:endParaRPr lang="es-MX" dirty="0" smtClean="0"/>
+          </a:p>
+          <a:p>
+            <a:r>
+              <a:rPr lang="es-MX" dirty="0" smtClean="0"/>
+              <a:t>Facilita la elaboración de conclusiones</a:t>
+            </a:r>
+          </a:p>
+          <a:p>
+            <a:r>
+              <a:rPr lang="es-MX" dirty="0" smtClean="0"/>
+              <a:t>Cuando las Hipótesis vienen de conocimiento teórico, fortalecen a la teoría.</a:t>
             </a:r>
             <a:endParaRPr lang="es-MX" dirty="0"/>
           </a:p>
@@ -9675,20 +10144,13 @@
     </p:spTree>
     <p:extLst>
       <p:ext uri="{BB962C8B-B14F-4D97-AF65-F5344CB8AC3E}">
-        <p14:creationId xmlns:p14="http://schemas.microsoft.com/office/powerpoint/2010/main" val="4062752771"/>
+        <p14:creationId xmlns:p14="http://schemas.microsoft.com/office/powerpoint/2010/main" val="2141892869"/>
       </p:ext>
     </p:extLst>
   </p:cSld>
   <p:clrMapOvr>
     <a:masterClrMapping/>
   </p:clrMapOvr>
-  <p:timing>
-    <p:tnLst>
-      <p:par>
-        <p:cTn id="1" dur="indefinite" restart="never" nodeType="tmRoot"/>
-      </p:par>
-    </p:tnLst>
-  </p:timing>
 </p:sld>
 </file>
 
@@ -9726,7 +10188,7 @@
           <a:p>
             <a:r>
               <a:rPr lang="es-MX" dirty="0" smtClean="0"/>
-              <a:t>Actividad</a:t>
+              <a:t>¿Para qué sirve la Hipótesis?</a:t>
             </a:r>
             <a:endParaRPr lang="es-MX" dirty="0"/>
           </a:p>
@@ -9747,7 +10209,28 @@
           <a:bodyPr/>
           <a:lstStyle/>
           <a:p>
-            <a:endParaRPr lang="es-MX"/>
+            <a:r>
+              <a:rPr lang="es-MX" dirty="0" smtClean="0"/>
+              <a:t>Permite mantener la atención en las variables de </a:t>
+            </a:r>
+            <a:r>
+              <a:rPr lang="es-MX" dirty="0" err="1" smtClean="0"/>
+              <a:t>inteés</a:t>
+            </a:r>
+            <a:endParaRPr lang="es-MX" dirty="0" smtClean="0"/>
+          </a:p>
+          <a:p>
+            <a:r>
+              <a:rPr lang="es-MX" u="sng" dirty="0" smtClean="0"/>
+              <a:t>Facilita la elaboración de conclusiones</a:t>
+            </a:r>
+          </a:p>
+          <a:p>
+            <a:r>
+              <a:rPr lang="es-MX" dirty="0" smtClean="0"/>
+              <a:t>Cuando las Hipótesis vienen de conocimiento teórico, fortalecen a la teoría.</a:t>
+            </a:r>
+            <a:endParaRPr lang="es-MX" dirty="0"/>
           </a:p>
         </p:txBody>
       </p:sp>
@@ -9834,7 +10317,7 @@
     </p:spTree>
     <p:extLst>
       <p:ext uri="{BB962C8B-B14F-4D97-AF65-F5344CB8AC3E}">
-        <p14:creationId xmlns:p14="http://schemas.microsoft.com/office/powerpoint/2010/main" val="545015870"/>
+        <p14:creationId xmlns:p14="http://schemas.microsoft.com/office/powerpoint/2010/main" val="4012132783"/>
       </p:ext>
     </p:extLst>
   </p:cSld>
@@ -9878,7 +10361,7 @@
           <a:p>
             <a:r>
               <a:rPr lang="es-MX" dirty="0" smtClean="0"/>
-              <a:t>Referencias</a:t>
+              <a:t>¿Siempre debo partir de una Hipótesis?</a:t>
             </a:r>
             <a:endParaRPr lang="es-MX" dirty="0"/>
           </a:p>
@@ -9886,12 +10369,12 @@
       </p:sp>
       <p:sp>
         <p:nvSpPr>
-          <p:cNvPr id="4" name="Marcador de contenido 3"/>
+          <p:cNvPr id="3" name="Marcador de contenido 2"/>
           <p:cNvSpPr>
             <a:spLocks noGrp="1"/>
           </p:cNvSpPr>
           <p:nvPr>
-            <p:ph sz="half" idx="1"/>
+            <p:ph idx="1"/>
           </p:nvPr>
         </p:nvSpPr>
         <p:spPr/>
@@ -9900,63 +10383,40 @@
           <a:lstStyle/>
           <a:p>
             <a:r>
-              <a:rPr lang="es-MX" dirty="0" smtClean="0"/>
-              <a:t>Bases para esta presentación:</a:t>
-            </a:r>
-          </a:p>
-          <a:p>
-            <a:pPr lvl="1"/>
-            <a:r>
-              <a:rPr lang="es-MX" dirty="0"/>
-              <a:t>Hernández </a:t>
-            </a:r>
-            <a:r>
-              <a:rPr lang="es-MX" dirty="0" err="1"/>
-              <a:t>Sampieri</a:t>
-            </a:r>
-            <a:r>
-              <a:rPr lang="es-MX" dirty="0"/>
-              <a:t>, R., Fernández Collado, C., &amp; Baptista Lucio, P. (2006). </a:t>
-            </a:r>
-            <a:r>
-              <a:rPr lang="es-MX" i="1" dirty="0"/>
-              <a:t>Metodología de la investigación</a:t>
-            </a:r>
-            <a:r>
-              <a:rPr lang="es-MX" dirty="0"/>
-              <a:t> (Vol. 3). México: McGraw-Hill.</a:t>
-            </a:r>
-          </a:p>
-        </p:txBody>
-      </p:sp>
-      <p:sp>
-        <p:nvSpPr>
-          <p:cNvPr id="5" name="Marcador de contenido 4"/>
-          <p:cNvSpPr>
-            <a:spLocks noGrp="1"/>
-          </p:cNvSpPr>
-          <p:nvPr>
-            <p:ph sz="half" idx="2"/>
-          </p:nvPr>
-        </p:nvSpPr>
-        <p:spPr/>
-        <p:txBody>
-          <a:bodyPr/>
-          <a:lstStyle/>
-          <a:p>
-            <a:r>
-              <a:rPr lang="es-MX" dirty="0" smtClean="0"/>
-              <a:t>Material extra:</a:t>
-            </a:r>
-          </a:p>
-          <a:p>
-            <a:endParaRPr lang="es-MX" dirty="0"/>
-          </a:p>
-        </p:txBody>
-      </p:sp>
-      <p:sp>
-        <p:nvSpPr>
-          <p:cNvPr id="6" name="Rectángulo 5"/>
+              <a:rPr lang="es-MX" b="1" dirty="0" smtClean="0"/>
+              <a:t>No.</a:t>
+            </a:r>
+            <a:endParaRPr lang="es-MX" b="1" dirty="0"/>
+          </a:p>
+        </p:txBody>
+      </p:sp>
+      <p:pic>
+        <p:nvPicPr>
+          <p:cNvPr id="4" name="Imagen 3"/>
+          <p:cNvPicPr>
+            <a:picLocks noChangeAspect="1"/>
+          </p:cNvPicPr>
+          <p:nvPr/>
+        </p:nvPicPr>
+        <p:blipFill>
+          <a:blip r:embed="rId2"/>
+          <a:stretch>
+            <a:fillRect/>
+          </a:stretch>
+        </p:blipFill>
+        <p:spPr>
+          <a:xfrm>
+            <a:off x="647700" y="2366963"/>
+            <a:ext cx="10896600" cy="3810000"/>
+          </a:xfrm>
+          <a:prstGeom prst="rect">
+            <a:avLst/>
+          </a:prstGeom>
+        </p:spPr>
+      </p:pic>
+      <p:sp>
+        <p:nvSpPr>
+          <p:cNvPr id="5" name="Rectángulo 4"/>
           <p:cNvSpPr/>
           <p:nvPr/>
         </p:nvSpPr>
@@ -9996,7 +10456,7 @@
       </p:sp>
       <p:sp>
         <p:nvSpPr>
-          <p:cNvPr id="7" name="Rectángulo 6"/>
+          <p:cNvPr id="6" name="Rectángulo 5"/>
           <p:cNvSpPr/>
           <p:nvPr/>
         </p:nvSpPr>
@@ -10037,7 +10497,586 @@
     </p:spTree>
     <p:extLst>
       <p:ext uri="{BB962C8B-B14F-4D97-AF65-F5344CB8AC3E}">
-        <p14:creationId xmlns:p14="http://schemas.microsoft.com/office/powerpoint/2010/main" val="1533697145"/>
+        <p14:creationId xmlns:p14="http://schemas.microsoft.com/office/powerpoint/2010/main" val="3473749120"/>
+      </p:ext>
+    </p:extLst>
+  </p:cSld>
+  <p:clrMapOvr>
+    <a:masterClrMapping/>
+  </p:clrMapOvr>
+</p:sld>
+</file>
+
+<file path=ppt/slides/slide38.xml><?xml version="1.0" encoding="utf-8"?>
+<p:sld xmlns:a="http://schemas.openxmlformats.org/drawingml/2006/main" xmlns:r="http://schemas.openxmlformats.org/officeDocument/2006/relationships" xmlns:p="http://schemas.openxmlformats.org/presentationml/2006/main">
+  <p:cSld>
+    <p:spTree>
+      <p:nvGrpSpPr>
+        <p:cNvPr id="1" name=""/>
+        <p:cNvGrpSpPr/>
+        <p:nvPr/>
+      </p:nvGrpSpPr>
+      <p:grpSpPr>
+        <a:xfrm>
+          <a:off x="0" y="0"/>
+          <a:ext cx="0" cy="0"/>
+          <a:chOff x="0" y="0"/>
+          <a:chExt cx="0" cy="0"/>
+        </a:xfrm>
+      </p:grpSpPr>
+      <p:sp>
+        <p:nvSpPr>
+          <p:cNvPr id="2" name="Título 1"/>
+          <p:cNvSpPr>
+            <a:spLocks noGrp="1"/>
+          </p:cNvSpPr>
+          <p:nvPr>
+            <p:ph type="title"/>
+          </p:nvPr>
+        </p:nvSpPr>
+        <p:spPr>
+          <a:xfrm>
+            <a:off x="0" y="101600"/>
+            <a:ext cx="3970867" cy="1325563"/>
+          </a:xfrm>
+          <a:gradFill flip="none" rotWithShape="1">
+            <a:gsLst>
+              <a:gs pos="0">
+                <a:srgbClr val="C00000">
+                  <a:tint val="66000"/>
+                  <a:satMod val="160000"/>
+                </a:srgbClr>
+              </a:gs>
+              <a:gs pos="50000">
+                <a:srgbClr val="C00000">
+                  <a:tint val="44500"/>
+                  <a:satMod val="160000"/>
+                </a:srgbClr>
+              </a:gs>
+              <a:gs pos="100000">
+                <a:srgbClr val="C00000">
+                  <a:tint val="23500"/>
+                  <a:satMod val="160000"/>
+                </a:srgbClr>
+              </a:gs>
+            </a:gsLst>
+            <a:lin ang="5400000" scaled="1"/>
+            <a:tileRect/>
+          </a:gradFill>
+        </p:spPr>
+        <p:txBody>
+          <a:bodyPr/>
+          <a:lstStyle/>
+          <a:p>
+            <a:r>
+              <a:rPr lang="es-MX" b="1" dirty="0" smtClean="0"/>
+              <a:t>¡Cuidado!</a:t>
+            </a:r>
+            <a:endParaRPr lang="es-MX" b="1" dirty="0"/>
+          </a:p>
+        </p:txBody>
+      </p:sp>
+      <p:sp>
+        <p:nvSpPr>
+          <p:cNvPr id="3" name="Marcador de contenido 2"/>
+          <p:cNvSpPr>
+            <a:spLocks noGrp="1"/>
+          </p:cNvSpPr>
+          <p:nvPr>
+            <p:ph idx="1"/>
+          </p:nvPr>
+        </p:nvSpPr>
+        <p:spPr/>
+        <p:txBody>
+          <a:bodyPr/>
+          <a:lstStyle/>
+          <a:p>
+            <a:r>
+              <a:rPr lang="es-MX" dirty="0" smtClean="0"/>
+              <a:t>En el 2012 la revista </a:t>
+            </a:r>
+            <a:r>
+              <a:rPr lang="es-MX" dirty="0" err="1" smtClean="0"/>
+              <a:t>ScienceNews</a:t>
+            </a:r>
+            <a:r>
+              <a:rPr lang="es-MX" dirty="0" smtClean="0"/>
+              <a:t> publicó un artículo que decía tener evidencia de que consumir café alarga la esperanza de vida (</a:t>
+            </a:r>
+            <a:r>
+              <a:rPr lang="es-MX" i="1" dirty="0" smtClean="0"/>
+              <a:t>“</a:t>
+            </a:r>
+            <a:r>
+              <a:rPr lang="es-MX" i="1" dirty="0" err="1" smtClean="0"/>
+              <a:t>Coffee</a:t>
+            </a:r>
+            <a:r>
+              <a:rPr lang="es-MX" i="1" dirty="0" smtClean="0"/>
+              <a:t> </a:t>
+            </a:r>
+            <a:r>
+              <a:rPr lang="es-MX" i="1" dirty="0" err="1" smtClean="0"/>
+              <a:t>gives</a:t>
+            </a:r>
+            <a:r>
+              <a:rPr lang="es-MX" i="1" dirty="0" smtClean="0"/>
+              <a:t> </a:t>
+            </a:r>
+            <a:r>
+              <a:rPr lang="es-MX" i="1" dirty="0" err="1" smtClean="0"/>
+              <a:t>jolt</a:t>
+            </a:r>
+            <a:r>
+              <a:rPr lang="es-MX" i="1" dirty="0" smtClean="0"/>
+              <a:t> </a:t>
+            </a:r>
+            <a:r>
+              <a:rPr lang="es-MX" i="1" dirty="0" err="1" smtClean="0"/>
+              <a:t>to</a:t>
+            </a:r>
+            <a:r>
+              <a:rPr lang="es-MX" i="1" dirty="0" smtClean="0"/>
+              <a:t> </a:t>
+            </a:r>
+            <a:r>
+              <a:rPr lang="es-MX" i="1" dirty="0" err="1" smtClean="0"/>
+              <a:t>life</a:t>
+            </a:r>
+            <a:r>
+              <a:rPr lang="es-MX" i="1" dirty="0" smtClean="0"/>
+              <a:t> </a:t>
+            </a:r>
+            <a:r>
+              <a:rPr lang="es-MX" i="1" dirty="0" err="1" smtClean="0"/>
+              <a:t>span</a:t>
+            </a:r>
+            <a:r>
+              <a:rPr lang="es-MX" i="1" dirty="0" smtClean="0"/>
+              <a:t>”</a:t>
+            </a:r>
+            <a:r>
+              <a:rPr lang="es-MX" dirty="0" smtClean="0"/>
+              <a:t>)</a:t>
+            </a:r>
+          </a:p>
+          <a:p>
+            <a:pPr lvl="1"/>
+            <a:r>
+              <a:rPr lang="es-MX" dirty="0" smtClean="0"/>
+              <a:t>En 1994, se realizó una encuesta a 402,260.</a:t>
+            </a:r>
+          </a:p>
+          <a:p>
+            <a:pPr lvl="2"/>
+            <a:r>
+              <a:rPr lang="es-MX" dirty="0" smtClean="0"/>
+              <a:t>“¿Cuánto café consumes cada día?”</a:t>
+            </a:r>
+          </a:p>
+          <a:p>
+            <a:pPr lvl="2"/>
+            <a:endParaRPr lang="es-MX" dirty="0" smtClean="0"/>
+          </a:p>
+          <a:p>
+            <a:pPr lvl="1"/>
+            <a:r>
+              <a:rPr lang="es-MX" dirty="0" smtClean="0"/>
+              <a:t>18 años más tarde, se buscó cuántas de las personas encuestadas en el 94 seguían con vida</a:t>
+            </a:r>
+            <a:endParaRPr lang="es-MX" dirty="0"/>
+          </a:p>
+        </p:txBody>
+      </p:sp>
+      <p:sp>
+        <p:nvSpPr>
+          <p:cNvPr id="4" name="CuadroTexto 3"/>
+          <p:cNvSpPr txBox="1"/>
+          <p:nvPr/>
+        </p:nvSpPr>
+        <p:spPr>
+          <a:xfrm>
+            <a:off x="6985000" y="6422497"/>
+            <a:ext cx="5207000" cy="323165"/>
+          </a:xfrm>
+          <a:prstGeom prst="rect">
+            <a:avLst/>
+          </a:prstGeom>
+          <a:noFill/>
+          <a:ln>
+            <a:solidFill>
+              <a:schemeClr val="accent1"/>
+            </a:solidFill>
+          </a:ln>
+        </p:spPr>
+        <p:txBody>
+          <a:bodyPr wrap="square" rtlCol="0">
+            <a:spAutoFit/>
+          </a:bodyPr>
+          <a:lstStyle/>
+          <a:p>
+            <a:r>
+              <a:rPr lang="es-MX" sz="1500" dirty="0" smtClean="0"/>
+              <a:t>https://www.sciencenews.org/article/coffee-gives-jolt-life-span</a:t>
+            </a:r>
+            <a:endParaRPr lang="es-MX" sz="1500" dirty="0"/>
+          </a:p>
+        </p:txBody>
+      </p:sp>
+      <p:sp>
+        <p:nvSpPr>
+          <p:cNvPr id="6" name="Rectángulo 5"/>
+          <p:cNvSpPr/>
+          <p:nvPr/>
+        </p:nvSpPr>
+        <p:spPr>
+          <a:xfrm>
+            <a:off x="0" y="0"/>
+            <a:ext cx="12192000" cy="203200"/>
+          </a:xfrm>
+          <a:prstGeom prst="rect">
+            <a:avLst/>
+          </a:prstGeom>
+          <a:solidFill>
+            <a:srgbClr val="C00000"/>
+          </a:solidFill>
+          <a:ln>
+            <a:noFill/>
+          </a:ln>
+        </p:spPr>
+        <p:style>
+          <a:lnRef idx="2">
+            <a:schemeClr val="accent1">
+              <a:shade val="50000"/>
+            </a:schemeClr>
+          </a:lnRef>
+          <a:fillRef idx="1">
+            <a:schemeClr val="accent1"/>
+          </a:fillRef>
+          <a:effectRef idx="0">
+            <a:schemeClr val="accent1"/>
+          </a:effectRef>
+          <a:fontRef idx="minor">
+            <a:schemeClr val="lt1"/>
+          </a:fontRef>
+        </p:style>
+        <p:txBody>
+          <a:bodyPr rtlCol="0" anchor="ctr"/>
+          <a:lstStyle/>
+          <a:p>
+            <a:pPr algn="ctr"/>
+            <a:endParaRPr lang="es-MX"/>
+          </a:p>
+        </p:txBody>
+      </p:sp>
+      <p:sp>
+        <p:nvSpPr>
+          <p:cNvPr id="7" name="Rectángulo 6"/>
+          <p:cNvSpPr/>
+          <p:nvPr/>
+        </p:nvSpPr>
+        <p:spPr>
+          <a:xfrm>
+            <a:off x="0" y="6654800"/>
+            <a:ext cx="12192000" cy="203200"/>
+          </a:xfrm>
+          <a:prstGeom prst="rect">
+            <a:avLst/>
+          </a:prstGeom>
+          <a:solidFill>
+            <a:srgbClr val="C00000"/>
+          </a:solidFill>
+          <a:ln>
+            <a:solidFill>
+              <a:schemeClr val="tx1"/>
+            </a:solidFill>
+          </a:ln>
+        </p:spPr>
+        <p:style>
+          <a:lnRef idx="2">
+            <a:schemeClr val="accent1">
+              <a:shade val="50000"/>
+            </a:schemeClr>
+          </a:lnRef>
+          <a:fillRef idx="1">
+            <a:schemeClr val="accent1"/>
+          </a:fillRef>
+          <a:effectRef idx="0">
+            <a:schemeClr val="accent1"/>
+          </a:effectRef>
+          <a:fontRef idx="minor">
+            <a:schemeClr val="lt1"/>
+          </a:fontRef>
+        </p:style>
+        <p:txBody>
+          <a:bodyPr rtlCol="0" anchor="ctr"/>
+          <a:lstStyle/>
+          <a:p>
+            <a:pPr algn="ctr"/>
+            <a:endParaRPr lang="es-MX"/>
+          </a:p>
+        </p:txBody>
+      </p:sp>
+      <p:sp>
+        <p:nvSpPr>
+          <p:cNvPr id="8" name="Título 1"/>
+          <p:cNvSpPr txBox="1">
+            <a:spLocks/>
+          </p:cNvSpPr>
+          <p:nvPr/>
+        </p:nvSpPr>
+        <p:spPr>
+          <a:xfrm>
+            <a:off x="9762067" y="0"/>
+            <a:ext cx="2429933" cy="1325563"/>
+          </a:xfrm>
+          <a:prstGeom prst="rect">
+            <a:avLst/>
+          </a:prstGeom>
+          <a:gradFill flip="none" rotWithShape="1">
+            <a:gsLst>
+              <a:gs pos="0">
+                <a:srgbClr val="C00000">
+                  <a:tint val="66000"/>
+                  <a:satMod val="160000"/>
+                </a:srgbClr>
+              </a:gs>
+              <a:gs pos="50000">
+                <a:srgbClr val="C00000">
+                  <a:tint val="44500"/>
+                  <a:satMod val="160000"/>
+                </a:srgbClr>
+              </a:gs>
+              <a:gs pos="100000">
+                <a:srgbClr val="C00000">
+                  <a:tint val="23500"/>
+                  <a:satMod val="160000"/>
+                </a:srgbClr>
+              </a:gs>
+            </a:gsLst>
+            <a:lin ang="10800000" scaled="1"/>
+            <a:tileRect/>
+          </a:gradFill>
+        </p:spPr>
+        <p:txBody>
+          <a:bodyPr vert="horz" lIns="91440" tIns="45720" rIns="91440" bIns="45720" rtlCol="0" anchor="ctr">
+            <a:normAutofit/>
+          </a:bodyPr>
+          <a:lstStyle>
+            <a:lvl1pPr algn="l" defTabSz="914400" rtl="0" eaLnBrk="1" latinLnBrk="0" hangingPunct="1">
+              <a:lnSpc>
+                <a:spcPct val="90000"/>
+              </a:lnSpc>
+              <a:spcBef>
+                <a:spcPct val="0"/>
+              </a:spcBef>
+              <a:buNone/>
+              <a:defRPr sz="4400" kern="1200">
+                <a:solidFill>
+                  <a:schemeClr val="tx1"/>
+                </a:solidFill>
+                <a:latin typeface="+mj-lt"/>
+                <a:ea typeface="+mj-ea"/>
+                <a:cs typeface="+mj-cs"/>
+              </a:defRPr>
+            </a:lvl1pPr>
+          </a:lstStyle>
+          <a:p>
+            <a:pPr algn="r"/>
+            <a:r>
+              <a:rPr lang="es-MX" b="1" dirty="0" smtClean="0"/>
+              <a:t>Ejemplo ilustrativo</a:t>
+            </a:r>
+            <a:endParaRPr lang="es-MX" b="1" dirty="0"/>
+          </a:p>
+        </p:txBody>
+      </p:sp>
+    </p:spTree>
+    <p:extLst>
+      <p:ext uri="{BB962C8B-B14F-4D97-AF65-F5344CB8AC3E}">
+        <p14:creationId xmlns:p14="http://schemas.microsoft.com/office/powerpoint/2010/main" val="2875150341"/>
+      </p:ext>
+    </p:extLst>
+  </p:cSld>
+  <p:clrMapOvr>
+    <a:masterClrMapping/>
+  </p:clrMapOvr>
+  <p:timing>
+    <p:tnLst>
+      <p:par>
+        <p:cTn id="1" dur="indefinite" restart="never" nodeType="tmRoot"/>
+      </p:par>
+    </p:tnLst>
+  </p:timing>
+</p:sld>
+</file>
+
+<file path=ppt/slides/slide39.xml><?xml version="1.0" encoding="utf-8"?>
+<p:sld xmlns:a="http://schemas.openxmlformats.org/drawingml/2006/main" xmlns:r="http://schemas.openxmlformats.org/officeDocument/2006/relationships" xmlns:p="http://schemas.openxmlformats.org/presentationml/2006/main">
+  <p:cSld>
+    <p:spTree>
+      <p:nvGrpSpPr>
+        <p:cNvPr id="1" name=""/>
+        <p:cNvGrpSpPr/>
+        <p:nvPr/>
+      </p:nvGrpSpPr>
+      <p:grpSpPr>
+        <a:xfrm>
+          <a:off x="0" y="0"/>
+          <a:ext cx="0" cy="0"/>
+          <a:chOff x="0" y="0"/>
+          <a:chExt cx="0" cy="0"/>
+        </a:xfrm>
+      </p:grpSpPr>
+      <p:sp>
+        <p:nvSpPr>
+          <p:cNvPr id="2" name="Título 1"/>
+          <p:cNvSpPr>
+            <a:spLocks noGrp="1"/>
+          </p:cNvSpPr>
+          <p:nvPr>
+            <p:ph type="title"/>
+          </p:nvPr>
+        </p:nvSpPr>
+        <p:spPr/>
+        <p:txBody>
+          <a:bodyPr/>
+          <a:lstStyle/>
+          <a:p>
+            <a:r>
+              <a:rPr lang="es-MX" dirty="0" smtClean="0"/>
+              <a:t>Tipos de Variables</a:t>
+            </a:r>
+            <a:endParaRPr lang="es-MX" dirty="0"/>
+          </a:p>
+        </p:txBody>
+      </p:sp>
+      <p:sp>
+        <p:nvSpPr>
+          <p:cNvPr id="3" name="Marcador de contenido 2"/>
+          <p:cNvSpPr>
+            <a:spLocks noGrp="1"/>
+          </p:cNvSpPr>
+          <p:nvPr>
+            <p:ph idx="1"/>
+          </p:nvPr>
+        </p:nvSpPr>
+        <p:spPr/>
+        <p:txBody>
+          <a:bodyPr/>
+          <a:lstStyle/>
+          <a:p>
+            <a:r>
+              <a:rPr lang="es-MX" dirty="0" smtClean="0"/>
+              <a:t>Independiente</a:t>
+            </a:r>
+          </a:p>
+          <a:p>
+            <a:endParaRPr lang="es-MX" dirty="0"/>
+          </a:p>
+          <a:p>
+            <a:endParaRPr lang="es-MX" dirty="0" smtClean="0"/>
+          </a:p>
+          <a:p>
+            <a:endParaRPr lang="es-MX" dirty="0"/>
+          </a:p>
+          <a:p>
+            <a:r>
+              <a:rPr lang="es-MX" dirty="0"/>
+              <a:t>D</a:t>
+            </a:r>
+            <a:r>
+              <a:rPr lang="es-MX" dirty="0" smtClean="0"/>
+              <a:t>ependiente</a:t>
+            </a:r>
+            <a:endParaRPr lang="es-MX" dirty="0"/>
+          </a:p>
+        </p:txBody>
+      </p:sp>
+      <p:sp>
+        <p:nvSpPr>
+          <p:cNvPr id="4" name="Rectángulo 3"/>
+          <p:cNvSpPr/>
+          <p:nvPr/>
+        </p:nvSpPr>
+        <p:spPr>
+          <a:xfrm>
+            <a:off x="0" y="0"/>
+            <a:ext cx="12192000" cy="203200"/>
+          </a:xfrm>
+          <a:prstGeom prst="rect">
+            <a:avLst/>
+          </a:prstGeom>
+        </p:spPr>
+        <p:style>
+          <a:lnRef idx="2">
+            <a:schemeClr val="accent1">
+              <a:shade val="50000"/>
+            </a:schemeClr>
+          </a:lnRef>
+          <a:fillRef idx="1">
+            <a:schemeClr val="accent1"/>
+          </a:fillRef>
+          <a:effectRef idx="0">
+            <a:schemeClr val="accent1"/>
+          </a:effectRef>
+          <a:fontRef idx="minor">
+            <a:schemeClr val="lt1"/>
+          </a:fontRef>
+        </p:style>
+        <p:txBody>
+          <a:bodyPr rtlCol="0" anchor="ctr"/>
+          <a:lstStyle/>
+          <a:p>
+            <a:pPr algn="ctr"/>
+            <a:endParaRPr lang="es-MX"/>
+          </a:p>
+        </p:txBody>
+      </p:sp>
+      <p:sp>
+        <p:nvSpPr>
+          <p:cNvPr id="5" name="Rectángulo 4"/>
+          <p:cNvSpPr/>
+          <p:nvPr/>
+        </p:nvSpPr>
+        <p:spPr>
+          <a:xfrm>
+            <a:off x="0" y="6654800"/>
+            <a:ext cx="12192000" cy="203200"/>
+          </a:xfrm>
+          <a:prstGeom prst="rect">
+            <a:avLst/>
+          </a:prstGeom>
+        </p:spPr>
+        <p:style>
+          <a:lnRef idx="2">
+            <a:schemeClr val="accent1">
+              <a:shade val="50000"/>
+            </a:schemeClr>
+          </a:lnRef>
+          <a:fillRef idx="1">
+            <a:schemeClr val="accent1"/>
+          </a:fillRef>
+          <a:effectRef idx="0">
+            <a:schemeClr val="accent1"/>
+          </a:effectRef>
+          <a:fontRef idx="minor">
+            <a:schemeClr val="lt1"/>
+          </a:fontRef>
+        </p:style>
+        <p:txBody>
+          <a:bodyPr rtlCol="0" anchor="ctr"/>
+          <a:lstStyle/>
+          <a:p>
+            <a:pPr algn="ctr"/>
+            <a:endParaRPr lang="es-MX"/>
+          </a:p>
+        </p:txBody>
+      </p:sp>
+    </p:spTree>
+    <p:extLst>
+      <p:ext uri="{BB962C8B-B14F-4D97-AF65-F5344CB8AC3E}">
+        <p14:creationId xmlns:p14="http://schemas.microsoft.com/office/powerpoint/2010/main" val="984105667"/>
       </p:ext>
     </p:extLst>
   </p:cSld>
@@ -10260,6 +11299,719 @@
     <p:extLst>
       <p:ext uri="{BB962C8B-B14F-4D97-AF65-F5344CB8AC3E}">
         <p14:creationId xmlns:p14="http://schemas.microsoft.com/office/powerpoint/2010/main" val="897431387"/>
+      </p:ext>
+    </p:extLst>
+  </p:cSld>
+  <p:clrMapOvr>
+    <a:masterClrMapping/>
+  </p:clrMapOvr>
+  <p:timing>
+    <p:tnLst>
+      <p:par>
+        <p:cTn id="1" dur="indefinite" restart="never" nodeType="tmRoot"/>
+      </p:par>
+    </p:tnLst>
+  </p:timing>
+</p:sld>
+</file>
+
+<file path=ppt/slides/slide40.xml><?xml version="1.0" encoding="utf-8"?>
+<p:sld xmlns:a="http://schemas.openxmlformats.org/drawingml/2006/main" xmlns:r="http://schemas.openxmlformats.org/officeDocument/2006/relationships" xmlns:p="http://schemas.openxmlformats.org/presentationml/2006/main">
+  <p:cSld>
+    <p:spTree>
+      <p:nvGrpSpPr>
+        <p:cNvPr id="1" name=""/>
+        <p:cNvGrpSpPr/>
+        <p:nvPr/>
+      </p:nvGrpSpPr>
+      <p:grpSpPr>
+        <a:xfrm>
+          <a:off x="0" y="0"/>
+          <a:ext cx="0" cy="0"/>
+          <a:chOff x="0" y="0"/>
+          <a:chExt cx="0" cy="0"/>
+        </a:xfrm>
+      </p:grpSpPr>
+      <p:sp>
+        <p:nvSpPr>
+          <p:cNvPr id="2" name="Título 1"/>
+          <p:cNvSpPr>
+            <a:spLocks noGrp="1"/>
+          </p:cNvSpPr>
+          <p:nvPr>
+            <p:ph type="title"/>
+          </p:nvPr>
+        </p:nvSpPr>
+        <p:spPr/>
+        <p:txBody>
+          <a:bodyPr/>
+          <a:lstStyle/>
+          <a:p>
+            <a:r>
+              <a:rPr lang="es-MX" dirty="0" smtClean="0"/>
+              <a:t>Tipos de Variables     (¡!)</a:t>
+            </a:r>
+            <a:endParaRPr lang="es-MX" dirty="0"/>
+          </a:p>
+        </p:txBody>
+      </p:sp>
+      <p:sp>
+        <p:nvSpPr>
+          <p:cNvPr id="3" name="Marcador de contenido 2"/>
+          <p:cNvSpPr>
+            <a:spLocks noGrp="1"/>
+          </p:cNvSpPr>
+          <p:nvPr>
+            <p:ph idx="1"/>
+          </p:nvPr>
+        </p:nvSpPr>
+        <p:spPr/>
+        <p:txBody>
+          <a:bodyPr/>
+          <a:lstStyle/>
+          <a:p>
+            <a:r>
+              <a:rPr lang="es-MX" dirty="0" smtClean="0"/>
+              <a:t>Externa</a:t>
+            </a:r>
+          </a:p>
+          <a:p>
+            <a:endParaRPr lang="es-MX" dirty="0"/>
+          </a:p>
+          <a:p>
+            <a:endParaRPr lang="es-MX" dirty="0" smtClean="0"/>
+          </a:p>
+          <a:p>
+            <a:endParaRPr lang="es-MX" dirty="0"/>
+          </a:p>
+          <a:p>
+            <a:r>
+              <a:rPr lang="es-MX" dirty="0" smtClean="0"/>
+              <a:t>Control</a:t>
+            </a:r>
+            <a:endParaRPr lang="es-MX" dirty="0"/>
+          </a:p>
+        </p:txBody>
+      </p:sp>
+      <p:sp>
+        <p:nvSpPr>
+          <p:cNvPr id="4" name="Rectángulo 3"/>
+          <p:cNvSpPr/>
+          <p:nvPr/>
+        </p:nvSpPr>
+        <p:spPr>
+          <a:xfrm>
+            <a:off x="0" y="0"/>
+            <a:ext cx="12192000" cy="203200"/>
+          </a:xfrm>
+          <a:prstGeom prst="rect">
+            <a:avLst/>
+          </a:prstGeom>
+        </p:spPr>
+        <p:style>
+          <a:lnRef idx="2">
+            <a:schemeClr val="accent1">
+              <a:shade val="50000"/>
+            </a:schemeClr>
+          </a:lnRef>
+          <a:fillRef idx="1">
+            <a:schemeClr val="accent1"/>
+          </a:fillRef>
+          <a:effectRef idx="0">
+            <a:schemeClr val="accent1"/>
+          </a:effectRef>
+          <a:fontRef idx="minor">
+            <a:schemeClr val="lt1"/>
+          </a:fontRef>
+        </p:style>
+        <p:txBody>
+          <a:bodyPr rtlCol="0" anchor="ctr"/>
+          <a:lstStyle/>
+          <a:p>
+            <a:pPr algn="ctr"/>
+            <a:endParaRPr lang="es-MX"/>
+          </a:p>
+        </p:txBody>
+      </p:sp>
+      <p:sp>
+        <p:nvSpPr>
+          <p:cNvPr id="5" name="Rectángulo 4"/>
+          <p:cNvSpPr/>
+          <p:nvPr/>
+        </p:nvSpPr>
+        <p:spPr>
+          <a:xfrm>
+            <a:off x="0" y="6654800"/>
+            <a:ext cx="12192000" cy="203200"/>
+          </a:xfrm>
+          <a:prstGeom prst="rect">
+            <a:avLst/>
+          </a:prstGeom>
+        </p:spPr>
+        <p:style>
+          <a:lnRef idx="2">
+            <a:schemeClr val="accent1">
+              <a:shade val="50000"/>
+            </a:schemeClr>
+          </a:lnRef>
+          <a:fillRef idx="1">
+            <a:schemeClr val="accent1"/>
+          </a:fillRef>
+          <a:effectRef idx="0">
+            <a:schemeClr val="accent1"/>
+          </a:effectRef>
+          <a:fontRef idx="minor">
+            <a:schemeClr val="lt1"/>
+          </a:fontRef>
+        </p:style>
+        <p:txBody>
+          <a:bodyPr rtlCol="0" anchor="ctr"/>
+          <a:lstStyle/>
+          <a:p>
+            <a:pPr algn="ctr"/>
+            <a:endParaRPr lang="es-MX"/>
+          </a:p>
+        </p:txBody>
+      </p:sp>
+    </p:spTree>
+    <p:extLst>
+      <p:ext uri="{BB962C8B-B14F-4D97-AF65-F5344CB8AC3E}">
+        <p14:creationId xmlns:p14="http://schemas.microsoft.com/office/powerpoint/2010/main" val="3890447047"/>
+      </p:ext>
+    </p:extLst>
+  </p:cSld>
+  <p:clrMapOvr>
+    <a:masterClrMapping/>
+  </p:clrMapOvr>
+  <p:timing>
+    <p:tnLst>
+      <p:par>
+        <p:cTn id="1" dur="indefinite" restart="never" nodeType="tmRoot"/>
+      </p:par>
+    </p:tnLst>
+  </p:timing>
+</p:sld>
+</file>
+
+<file path=ppt/slides/slide41.xml><?xml version="1.0" encoding="utf-8"?>
+<p:sld xmlns:a="http://schemas.openxmlformats.org/drawingml/2006/main" xmlns:r="http://schemas.openxmlformats.org/officeDocument/2006/relationships" xmlns:p="http://schemas.openxmlformats.org/presentationml/2006/main">
+  <p:cSld>
+    <p:spTree>
+      <p:nvGrpSpPr>
+        <p:cNvPr id="1" name=""/>
+        <p:cNvGrpSpPr/>
+        <p:nvPr/>
+      </p:nvGrpSpPr>
+      <p:grpSpPr>
+        <a:xfrm>
+          <a:off x="0" y="0"/>
+          <a:ext cx="0" cy="0"/>
+          <a:chOff x="0" y="0"/>
+          <a:chExt cx="0" cy="0"/>
+        </a:xfrm>
+      </p:grpSpPr>
+      <p:sp>
+        <p:nvSpPr>
+          <p:cNvPr id="2" name="Título 1"/>
+          <p:cNvSpPr>
+            <a:spLocks noGrp="1"/>
+          </p:cNvSpPr>
+          <p:nvPr>
+            <p:ph type="title"/>
+          </p:nvPr>
+        </p:nvSpPr>
+        <p:spPr/>
+        <p:txBody>
+          <a:bodyPr/>
+          <a:lstStyle/>
+          <a:p>
+            <a:endParaRPr lang="es-MX"/>
+          </a:p>
+        </p:txBody>
+      </p:sp>
+      <p:sp>
+        <p:nvSpPr>
+          <p:cNvPr id="3" name="Marcador de contenido 2"/>
+          <p:cNvSpPr>
+            <a:spLocks noGrp="1"/>
+          </p:cNvSpPr>
+          <p:nvPr>
+            <p:ph idx="1"/>
+          </p:nvPr>
+        </p:nvSpPr>
+        <p:spPr/>
+        <p:txBody>
+          <a:bodyPr/>
+          <a:lstStyle/>
+          <a:p>
+            <a:r>
+              <a:rPr lang="es-MX" dirty="0" smtClean="0"/>
+              <a:t>Lluvia de ideas</a:t>
+            </a:r>
+          </a:p>
+          <a:p>
+            <a:pPr lvl="1"/>
+            <a:r>
+              <a:rPr lang="es-MX" dirty="0" smtClean="0"/>
+              <a:t>En psicología se estudia a los estudiantes de psicología</a:t>
+            </a:r>
+          </a:p>
+          <a:p>
+            <a:pPr lvl="1"/>
+            <a:r>
+              <a:rPr lang="es-MX" dirty="0" smtClean="0"/>
+              <a:t>Cuidado con medir variables como “el amor” o “la felicidad”</a:t>
+            </a:r>
+            <a:endParaRPr lang="es-MX" dirty="0"/>
+          </a:p>
+        </p:txBody>
+      </p:sp>
+      <p:sp>
+        <p:nvSpPr>
+          <p:cNvPr id="4" name="Rectángulo 3"/>
+          <p:cNvSpPr/>
+          <p:nvPr/>
+        </p:nvSpPr>
+        <p:spPr>
+          <a:xfrm>
+            <a:off x="0" y="0"/>
+            <a:ext cx="12192000" cy="203200"/>
+          </a:xfrm>
+          <a:prstGeom prst="rect">
+            <a:avLst/>
+          </a:prstGeom>
+        </p:spPr>
+        <p:style>
+          <a:lnRef idx="2">
+            <a:schemeClr val="accent1">
+              <a:shade val="50000"/>
+            </a:schemeClr>
+          </a:lnRef>
+          <a:fillRef idx="1">
+            <a:schemeClr val="accent1"/>
+          </a:fillRef>
+          <a:effectRef idx="0">
+            <a:schemeClr val="accent1"/>
+          </a:effectRef>
+          <a:fontRef idx="minor">
+            <a:schemeClr val="lt1"/>
+          </a:fontRef>
+        </p:style>
+        <p:txBody>
+          <a:bodyPr rtlCol="0" anchor="ctr"/>
+          <a:lstStyle/>
+          <a:p>
+            <a:pPr algn="ctr"/>
+            <a:endParaRPr lang="es-MX"/>
+          </a:p>
+        </p:txBody>
+      </p:sp>
+      <p:sp>
+        <p:nvSpPr>
+          <p:cNvPr id="5" name="Rectángulo 4"/>
+          <p:cNvSpPr/>
+          <p:nvPr/>
+        </p:nvSpPr>
+        <p:spPr>
+          <a:xfrm>
+            <a:off x="0" y="6654800"/>
+            <a:ext cx="12192000" cy="203200"/>
+          </a:xfrm>
+          <a:prstGeom prst="rect">
+            <a:avLst/>
+          </a:prstGeom>
+        </p:spPr>
+        <p:style>
+          <a:lnRef idx="2">
+            <a:schemeClr val="accent1">
+              <a:shade val="50000"/>
+            </a:schemeClr>
+          </a:lnRef>
+          <a:fillRef idx="1">
+            <a:schemeClr val="accent1"/>
+          </a:fillRef>
+          <a:effectRef idx="0">
+            <a:schemeClr val="accent1"/>
+          </a:effectRef>
+          <a:fontRef idx="minor">
+            <a:schemeClr val="lt1"/>
+          </a:fontRef>
+        </p:style>
+        <p:txBody>
+          <a:bodyPr rtlCol="0" anchor="ctr"/>
+          <a:lstStyle/>
+          <a:p>
+            <a:pPr algn="ctr"/>
+            <a:endParaRPr lang="es-MX"/>
+          </a:p>
+        </p:txBody>
+      </p:sp>
+    </p:spTree>
+    <p:extLst>
+      <p:ext uri="{BB962C8B-B14F-4D97-AF65-F5344CB8AC3E}">
+        <p14:creationId xmlns:p14="http://schemas.microsoft.com/office/powerpoint/2010/main" val="4062752771"/>
+      </p:ext>
+    </p:extLst>
+  </p:cSld>
+  <p:clrMapOvr>
+    <a:masterClrMapping/>
+  </p:clrMapOvr>
+  <p:timing>
+    <p:tnLst>
+      <p:par>
+        <p:cTn id="1" dur="indefinite" restart="never" nodeType="tmRoot"/>
+      </p:par>
+    </p:tnLst>
+  </p:timing>
+</p:sld>
+</file>
+
+<file path=ppt/slides/slide42.xml><?xml version="1.0" encoding="utf-8"?>
+<p:sld xmlns:a="http://schemas.openxmlformats.org/drawingml/2006/main" xmlns:r="http://schemas.openxmlformats.org/officeDocument/2006/relationships" xmlns:p="http://schemas.openxmlformats.org/presentationml/2006/main">
+  <p:cSld>
+    <p:spTree>
+      <p:nvGrpSpPr>
+        <p:cNvPr id="1" name=""/>
+        <p:cNvGrpSpPr/>
+        <p:nvPr/>
+      </p:nvGrpSpPr>
+      <p:grpSpPr>
+        <a:xfrm>
+          <a:off x="0" y="0"/>
+          <a:ext cx="0" cy="0"/>
+          <a:chOff x="0" y="0"/>
+          <a:chExt cx="0" cy="0"/>
+        </a:xfrm>
+      </p:grpSpPr>
+      <p:sp>
+        <p:nvSpPr>
+          <p:cNvPr id="2" name="Título 1"/>
+          <p:cNvSpPr>
+            <a:spLocks noGrp="1"/>
+          </p:cNvSpPr>
+          <p:nvPr>
+            <p:ph type="title"/>
+          </p:nvPr>
+        </p:nvSpPr>
+        <p:spPr/>
+        <p:txBody>
+          <a:bodyPr/>
+          <a:lstStyle/>
+          <a:p>
+            <a:r>
+              <a:rPr lang="es-MX" dirty="0" smtClean="0"/>
+              <a:t>Actividad</a:t>
+            </a:r>
+            <a:endParaRPr lang="es-MX" dirty="0"/>
+          </a:p>
+        </p:txBody>
+      </p:sp>
+      <p:sp>
+        <p:nvSpPr>
+          <p:cNvPr id="3" name="Marcador de contenido 2"/>
+          <p:cNvSpPr>
+            <a:spLocks noGrp="1"/>
+          </p:cNvSpPr>
+          <p:nvPr>
+            <p:ph idx="1"/>
+          </p:nvPr>
+        </p:nvSpPr>
+        <p:spPr/>
+        <p:txBody>
+          <a:bodyPr/>
+          <a:lstStyle/>
+          <a:p>
+            <a:endParaRPr lang="es-MX"/>
+          </a:p>
+        </p:txBody>
+      </p:sp>
+      <p:sp>
+        <p:nvSpPr>
+          <p:cNvPr id="4" name="Rectángulo 3"/>
+          <p:cNvSpPr/>
+          <p:nvPr/>
+        </p:nvSpPr>
+        <p:spPr>
+          <a:xfrm>
+            <a:off x="0" y="0"/>
+            <a:ext cx="12192000" cy="203200"/>
+          </a:xfrm>
+          <a:prstGeom prst="rect">
+            <a:avLst/>
+          </a:prstGeom>
+        </p:spPr>
+        <p:style>
+          <a:lnRef idx="2">
+            <a:schemeClr val="accent1">
+              <a:shade val="50000"/>
+            </a:schemeClr>
+          </a:lnRef>
+          <a:fillRef idx="1">
+            <a:schemeClr val="accent1"/>
+          </a:fillRef>
+          <a:effectRef idx="0">
+            <a:schemeClr val="accent1"/>
+          </a:effectRef>
+          <a:fontRef idx="minor">
+            <a:schemeClr val="lt1"/>
+          </a:fontRef>
+        </p:style>
+        <p:txBody>
+          <a:bodyPr rtlCol="0" anchor="ctr"/>
+          <a:lstStyle/>
+          <a:p>
+            <a:pPr algn="ctr"/>
+            <a:endParaRPr lang="es-MX"/>
+          </a:p>
+        </p:txBody>
+      </p:sp>
+      <p:sp>
+        <p:nvSpPr>
+          <p:cNvPr id="5" name="Rectángulo 4"/>
+          <p:cNvSpPr/>
+          <p:nvPr/>
+        </p:nvSpPr>
+        <p:spPr>
+          <a:xfrm>
+            <a:off x="0" y="6654800"/>
+            <a:ext cx="12192000" cy="203200"/>
+          </a:xfrm>
+          <a:prstGeom prst="rect">
+            <a:avLst/>
+          </a:prstGeom>
+        </p:spPr>
+        <p:style>
+          <a:lnRef idx="2">
+            <a:schemeClr val="accent1">
+              <a:shade val="50000"/>
+            </a:schemeClr>
+          </a:lnRef>
+          <a:fillRef idx="1">
+            <a:schemeClr val="accent1"/>
+          </a:fillRef>
+          <a:effectRef idx="0">
+            <a:schemeClr val="accent1"/>
+          </a:effectRef>
+          <a:fontRef idx="minor">
+            <a:schemeClr val="lt1"/>
+          </a:fontRef>
+        </p:style>
+        <p:txBody>
+          <a:bodyPr rtlCol="0" anchor="ctr"/>
+          <a:lstStyle/>
+          <a:p>
+            <a:pPr algn="ctr"/>
+            <a:endParaRPr lang="es-MX"/>
+          </a:p>
+        </p:txBody>
+      </p:sp>
+    </p:spTree>
+    <p:extLst>
+      <p:ext uri="{BB962C8B-B14F-4D97-AF65-F5344CB8AC3E}">
+        <p14:creationId xmlns:p14="http://schemas.microsoft.com/office/powerpoint/2010/main" val="545015870"/>
+      </p:ext>
+    </p:extLst>
+  </p:cSld>
+  <p:clrMapOvr>
+    <a:masterClrMapping/>
+  </p:clrMapOvr>
+</p:sld>
+</file>
+
+<file path=ppt/slides/slide43.xml><?xml version="1.0" encoding="utf-8"?>
+<p:sld xmlns:a="http://schemas.openxmlformats.org/drawingml/2006/main" xmlns:r="http://schemas.openxmlformats.org/officeDocument/2006/relationships" xmlns:p="http://schemas.openxmlformats.org/presentationml/2006/main">
+  <p:cSld>
+    <p:spTree>
+      <p:nvGrpSpPr>
+        <p:cNvPr id="1" name=""/>
+        <p:cNvGrpSpPr/>
+        <p:nvPr/>
+      </p:nvGrpSpPr>
+      <p:grpSpPr>
+        <a:xfrm>
+          <a:off x="0" y="0"/>
+          <a:ext cx="0" cy="0"/>
+          <a:chOff x="0" y="0"/>
+          <a:chExt cx="0" cy="0"/>
+        </a:xfrm>
+      </p:grpSpPr>
+      <p:sp>
+        <p:nvSpPr>
+          <p:cNvPr id="2" name="Título 1"/>
+          <p:cNvSpPr>
+            <a:spLocks noGrp="1"/>
+          </p:cNvSpPr>
+          <p:nvPr>
+            <p:ph type="title"/>
+          </p:nvPr>
+        </p:nvSpPr>
+        <p:spPr/>
+        <p:txBody>
+          <a:bodyPr/>
+          <a:lstStyle/>
+          <a:p>
+            <a:r>
+              <a:rPr lang="es-MX" dirty="0" smtClean="0"/>
+              <a:t>Referencias</a:t>
+            </a:r>
+            <a:endParaRPr lang="es-MX" dirty="0"/>
+          </a:p>
+        </p:txBody>
+      </p:sp>
+      <p:sp>
+        <p:nvSpPr>
+          <p:cNvPr id="4" name="Marcador de contenido 3"/>
+          <p:cNvSpPr>
+            <a:spLocks noGrp="1"/>
+          </p:cNvSpPr>
+          <p:nvPr>
+            <p:ph sz="half" idx="1"/>
+          </p:nvPr>
+        </p:nvSpPr>
+        <p:spPr/>
+        <p:txBody>
+          <a:bodyPr/>
+          <a:lstStyle/>
+          <a:p>
+            <a:r>
+              <a:rPr lang="es-MX" dirty="0" smtClean="0"/>
+              <a:t>Bases para esta presentación:</a:t>
+            </a:r>
+          </a:p>
+          <a:p>
+            <a:pPr lvl="1"/>
+            <a:r>
+              <a:rPr lang="es-MX" dirty="0"/>
+              <a:t>Hernández </a:t>
+            </a:r>
+            <a:r>
+              <a:rPr lang="es-MX" dirty="0" err="1"/>
+              <a:t>Sampieri</a:t>
+            </a:r>
+            <a:r>
+              <a:rPr lang="es-MX" dirty="0"/>
+              <a:t>, R., Fernández Collado, C., &amp; Baptista Lucio, P. (2006). </a:t>
+            </a:r>
+            <a:r>
+              <a:rPr lang="es-MX" i="1" dirty="0"/>
+              <a:t>Metodología de la investigación</a:t>
+            </a:r>
+            <a:r>
+              <a:rPr lang="es-MX" dirty="0"/>
+              <a:t> (Vol. 3). México: McGraw-Hill.</a:t>
+            </a:r>
+          </a:p>
+        </p:txBody>
+      </p:sp>
+      <p:sp>
+        <p:nvSpPr>
+          <p:cNvPr id="5" name="Marcador de contenido 4"/>
+          <p:cNvSpPr>
+            <a:spLocks noGrp="1"/>
+          </p:cNvSpPr>
+          <p:nvPr>
+            <p:ph sz="half" idx="2"/>
+          </p:nvPr>
+        </p:nvSpPr>
+        <p:spPr/>
+        <p:txBody>
+          <a:bodyPr/>
+          <a:lstStyle/>
+          <a:p>
+            <a:r>
+              <a:rPr lang="es-MX" dirty="0" smtClean="0"/>
+              <a:t>Material extra:</a:t>
+            </a:r>
+          </a:p>
+          <a:p>
+            <a:endParaRPr lang="es-MX" dirty="0"/>
+          </a:p>
+        </p:txBody>
+      </p:sp>
+      <p:sp>
+        <p:nvSpPr>
+          <p:cNvPr id="6" name="Rectángulo 5"/>
+          <p:cNvSpPr/>
+          <p:nvPr/>
+        </p:nvSpPr>
+        <p:spPr>
+          <a:xfrm>
+            <a:off x="0" y="0"/>
+            <a:ext cx="12192000" cy="203200"/>
+          </a:xfrm>
+          <a:prstGeom prst="rect">
+            <a:avLst/>
+          </a:prstGeom>
+        </p:spPr>
+        <p:style>
+          <a:lnRef idx="2">
+            <a:schemeClr val="accent1">
+              <a:shade val="50000"/>
+            </a:schemeClr>
+          </a:lnRef>
+          <a:fillRef idx="1">
+            <a:schemeClr val="accent1"/>
+          </a:fillRef>
+          <a:effectRef idx="0">
+            <a:schemeClr val="accent1"/>
+          </a:effectRef>
+          <a:fontRef idx="minor">
+            <a:schemeClr val="lt1"/>
+          </a:fontRef>
+        </p:style>
+        <p:txBody>
+          <a:bodyPr rtlCol="0" anchor="ctr"/>
+          <a:lstStyle/>
+          <a:p>
+            <a:pPr algn="ctr"/>
+            <a:endParaRPr lang="es-MX"/>
+          </a:p>
+        </p:txBody>
+      </p:sp>
+      <p:sp>
+        <p:nvSpPr>
+          <p:cNvPr id="7" name="Rectángulo 6"/>
+          <p:cNvSpPr/>
+          <p:nvPr/>
+        </p:nvSpPr>
+        <p:spPr>
+          <a:xfrm>
+            <a:off x="0" y="6654800"/>
+            <a:ext cx="12192000" cy="203200"/>
+          </a:xfrm>
+          <a:prstGeom prst="rect">
+            <a:avLst/>
+          </a:prstGeom>
+        </p:spPr>
+        <p:style>
+          <a:lnRef idx="2">
+            <a:schemeClr val="accent1">
+              <a:shade val="50000"/>
+            </a:schemeClr>
+          </a:lnRef>
+          <a:fillRef idx="1">
+            <a:schemeClr val="accent1"/>
+          </a:fillRef>
+          <a:effectRef idx="0">
+            <a:schemeClr val="accent1"/>
+          </a:effectRef>
+          <a:fontRef idx="minor">
+            <a:schemeClr val="lt1"/>
+          </a:fontRef>
+        </p:style>
+        <p:txBody>
+          <a:bodyPr rtlCol="0" anchor="ctr"/>
+          <a:lstStyle/>
+          <a:p>
+            <a:pPr algn="ctr"/>
+            <a:endParaRPr lang="es-MX"/>
+          </a:p>
+        </p:txBody>
+      </p:sp>
+    </p:spTree>
+    <p:extLst>
+      <p:ext uri="{BB962C8B-B14F-4D97-AF65-F5344CB8AC3E}">
+        <p14:creationId xmlns:p14="http://schemas.microsoft.com/office/powerpoint/2010/main" val="1533697145"/>
       </p:ext>
     </p:extLst>
   </p:cSld>
@@ -13376,7 +15128,7 @@
     </a:clrScheme>
     <a:fontScheme name="Office">
       <a:majorFont>
-        <a:latin typeface="Calibri Light" panose="020F0302020204030204"/>
+        <a:latin typeface="Calibri Light"/>
         <a:ea typeface=""/>
         <a:cs typeface=""/>
         <a:font script="Jpan" typeface="ＭＳ Ｐゴシック"/>
@@ -13411,7 +15163,7 @@
         <a:font script="Geor" typeface="Sylfaen"/>
       </a:majorFont>
       <a:minorFont>
-        <a:latin typeface="Calibri" panose="020F0502020204030204"/>
+        <a:latin typeface="Calibri"/>
         <a:ea typeface=""/>
         <a:cs typeface=""/>
         <a:font script="Jpan" typeface="ＭＳ Ｐゴシック"/>
@@ -13588,7 +15340,7 @@
   <a:extraClrSchemeLst/>
   <a:extLst>
     <a:ext uri="{05A4C25C-085E-4340-85A3-A5531E510DB2}">
-      <thm15:themeFamily xmlns:thm15="http://schemas.microsoft.com/office/thememl/2012/main" name="Office Theme" id="{62F939B6-93AF-4DB8-9C6B-D6C7DFDC589F}" vid="{4A3C46E8-61CC-4603-A589-7422A47A8E4A}"/>
+      <thm15:themeFamily xmlns:thm15="http://schemas.microsoft.com/office/thememl/2012/main" xmlns="" name="Office Theme" id="{62F939B6-93AF-4DB8-9C6B-D6C7DFDC589F}" vid="{4A3C46E8-61CC-4603-A589-7422A47A8E4A}"/>
     </a:ext>
   </a:extLst>
 </a:theme>
